--- a/Tài liệu/Bài thuyết trình doanh nghiệp Đề xuất nghiên cứu Phong cách khối màu Sắc màu Xanh dương Đen.pptx
+++ b/Tài liệu/Bài thuyết trình doanh nghiệp Đề xuất nghiên cứu Phong cách khối màu Sắc màu Xanh dương Đen.pptx
@@ -7,37 +7,32 @@
   <p:sldIdLst>
     <p:sldId id="256" r:id="rId2"/>
     <p:sldId id="257" r:id="rId3"/>
-    <p:sldId id="258" r:id="rId4"/>
-    <p:sldId id="259" r:id="rId5"/>
-    <p:sldId id="260" r:id="rId6"/>
-    <p:sldId id="261" r:id="rId7"/>
-    <p:sldId id="267" r:id="rId8"/>
+    <p:sldId id="259" r:id="rId4"/>
+    <p:sldId id="260" r:id="rId5"/>
+    <p:sldId id="261" r:id="rId6"/>
+    <p:sldId id="267" r:id="rId7"/>
   </p:sldIdLst>
   <p:sldSz cx="18288000" cy="10287000"/>
   <p:notesSz cx="6858000" cy="9144000"/>
   <p:embeddedFontLst>
     <p:embeddedFont>
-      <p:font typeface="Calibri" panose="020F0502020204030204" pitchFamily="34" charset="0"/>
-      <p:regular r:id="rId9"/>
-      <p:bold r:id="rId10"/>
-      <p:italic r:id="rId11"/>
-      <p:boldItalic r:id="rId12"/>
-    </p:embeddedFont>
-    <p:embeddedFont>
       <p:font typeface="Cabin" panose="020B0604020202020204" charset="0"/>
-      <p:regular r:id="rId13"/>
+      <p:regular r:id="rId8"/>
     </p:embeddedFont>
     <p:embeddedFont>
       <p:font typeface="Cabin Bold" panose="020B0604020202020204" charset="0"/>
-      <p:regular r:id="rId14"/>
+      <p:regular r:id="rId9"/>
     </p:embeddedFont>
     <p:embeddedFont>
-      <p:font typeface="Montserrat" panose="020B0604020202020204" charset="0"/>
-      <p:regular r:id="rId15"/>
+      <p:font typeface="Montserrat" panose="00000500000000000000" pitchFamily="2" charset="0"/>
+      <p:regular r:id="rId10"/>
+      <p:bold r:id="rId11"/>
+      <p:italic r:id="rId12"/>
+      <p:boldItalic r:id="rId13"/>
     </p:embeddedFont>
     <p:embeddedFont>
-      <p:font typeface="Montserrat Bold" panose="020B0604020202020204" charset="0"/>
-      <p:regular r:id="rId16"/>
+      <p:font typeface="Montserrat Bold" panose="00000800000000000000" charset="0"/>
+      <p:regular r:id="rId14"/>
     </p:embeddedFont>
   </p:embeddedFontLst>
   <p:defaultTextStyle>
@@ -192,10 +187,9 @@
           <a:lstStyle/>
           <a:p>
             <a:r>
-              <a:rPr lang="en-US" smtClean="0"/>
+              <a:rPr lang="en-US"/>
               <a:t>Click to edit Master title style</a:t>
             </a:r>
-            <a:endParaRPr lang="en-US"/>
           </a:p>
         </p:txBody>
       </p:sp>
@@ -311,10 +305,9 @@
           </a:lstStyle>
           <a:p>
             <a:r>
-              <a:rPr lang="en-US" smtClean="0"/>
+              <a:rPr lang="en-US"/>
               <a:t>Click to edit Master subtitle style</a:t>
             </a:r>
-            <a:endParaRPr lang="en-US"/>
           </a:p>
         </p:txBody>
       </p:sp>
@@ -426,10 +419,9 @@
           <a:lstStyle/>
           <a:p>
             <a:r>
-              <a:rPr lang="en-US" smtClean="0"/>
+              <a:rPr lang="en-US"/>
               <a:t>Click to edit Master title style</a:t>
             </a:r>
-            <a:endParaRPr lang="en-US"/>
           </a:p>
         </p:txBody>
       </p:sp>
@@ -450,38 +442,37 @@
           <a:p>
             <a:pPr lvl="0"/>
             <a:r>
-              <a:rPr lang="en-US" smtClean="0"/>
+              <a:rPr lang="en-US"/>
               <a:t>Click to edit Master text styles</a:t>
             </a:r>
           </a:p>
           <a:p>
             <a:pPr lvl="1"/>
             <a:r>
-              <a:rPr lang="en-US" smtClean="0"/>
+              <a:rPr lang="en-US"/>
               <a:t>Second level</a:t>
             </a:r>
           </a:p>
           <a:p>
             <a:pPr lvl="2"/>
             <a:r>
-              <a:rPr lang="en-US" smtClean="0"/>
+              <a:rPr lang="en-US"/>
               <a:t>Third level</a:t>
             </a:r>
           </a:p>
           <a:p>
             <a:pPr lvl="3"/>
             <a:r>
-              <a:rPr lang="en-US" smtClean="0"/>
+              <a:rPr lang="en-US"/>
               <a:t>Fourth level</a:t>
             </a:r>
           </a:p>
           <a:p>
             <a:pPr lvl="4"/>
             <a:r>
-              <a:rPr lang="en-US" smtClean="0"/>
+              <a:rPr lang="en-US"/>
               <a:t>Fifth level</a:t>
             </a:r>
-            <a:endParaRPr lang="en-US"/>
           </a:p>
         </p:txBody>
       </p:sp>
@@ -598,10 +589,9 @@
           <a:lstStyle/>
           <a:p>
             <a:r>
-              <a:rPr lang="en-US" smtClean="0"/>
+              <a:rPr lang="en-US"/>
               <a:t>Click to edit Master title style</a:t>
             </a:r>
-            <a:endParaRPr lang="en-US"/>
           </a:p>
         </p:txBody>
       </p:sp>
@@ -627,38 +617,37 @@
           <a:p>
             <a:pPr lvl="0"/>
             <a:r>
-              <a:rPr lang="en-US" smtClean="0"/>
+              <a:rPr lang="en-US"/>
               <a:t>Click to edit Master text styles</a:t>
             </a:r>
           </a:p>
           <a:p>
             <a:pPr lvl="1"/>
             <a:r>
-              <a:rPr lang="en-US" smtClean="0"/>
+              <a:rPr lang="en-US"/>
               <a:t>Second level</a:t>
             </a:r>
           </a:p>
           <a:p>
             <a:pPr lvl="2"/>
             <a:r>
-              <a:rPr lang="en-US" smtClean="0"/>
+              <a:rPr lang="en-US"/>
               <a:t>Third level</a:t>
             </a:r>
           </a:p>
           <a:p>
             <a:pPr lvl="3"/>
             <a:r>
-              <a:rPr lang="en-US" smtClean="0"/>
+              <a:rPr lang="en-US"/>
               <a:t>Fourth level</a:t>
             </a:r>
           </a:p>
           <a:p>
             <a:pPr lvl="4"/>
             <a:r>
-              <a:rPr lang="en-US" smtClean="0"/>
+              <a:rPr lang="en-US"/>
               <a:t>Fifth level</a:t>
             </a:r>
-            <a:endParaRPr lang="en-US"/>
           </a:p>
         </p:txBody>
       </p:sp>
@@ -770,10 +759,9 @@
           <a:lstStyle/>
           <a:p>
             <a:r>
-              <a:rPr lang="en-US" smtClean="0"/>
+              <a:rPr lang="en-US"/>
               <a:t>Click to edit Master title style</a:t>
             </a:r>
-            <a:endParaRPr lang="en-US"/>
           </a:p>
         </p:txBody>
       </p:sp>
@@ -794,38 +782,37 @@
           <a:p>
             <a:pPr lvl="0"/>
             <a:r>
-              <a:rPr lang="en-US" smtClean="0"/>
+              <a:rPr lang="en-US"/>
               <a:t>Click to edit Master text styles</a:t>
             </a:r>
           </a:p>
           <a:p>
             <a:pPr lvl="1"/>
             <a:r>
-              <a:rPr lang="en-US" smtClean="0"/>
+              <a:rPr lang="en-US"/>
               <a:t>Second level</a:t>
             </a:r>
           </a:p>
           <a:p>
             <a:pPr lvl="2"/>
             <a:r>
-              <a:rPr lang="en-US" smtClean="0"/>
+              <a:rPr lang="en-US"/>
               <a:t>Third level</a:t>
             </a:r>
           </a:p>
           <a:p>
             <a:pPr lvl="3"/>
             <a:r>
-              <a:rPr lang="en-US" smtClean="0"/>
+              <a:rPr lang="en-US"/>
               <a:t>Fourth level</a:t>
             </a:r>
           </a:p>
           <a:p>
             <a:pPr lvl="4"/>
             <a:r>
-              <a:rPr lang="en-US" smtClean="0"/>
+              <a:rPr lang="en-US"/>
               <a:t>Fifth level</a:t>
             </a:r>
-            <a:endParaRPr lang="en-US"/>
           </a:p>
         </p:txBody>
       </p:sp>
@@ -946,10 +933,9 @@
           </a:lstStyle>
           <a:p>
             <a:r>
-              <a:rPr lang="en-US" smtClean="0"/>
+              <a:rPr lang="en-US"/>
               <a:t>Click to edit Master title style</a:t>
             </a:r>
-            <a:endParaRPr lang="en-US"/>
           </a:p>
         </p:txBody>
       </p:sp>
@@ -1066,7 +1052,7 @@
           <a:p>
             <a:pPr lvl="0"/>
             <a:r>
-              <a:rPr lang="en-US" smtClean="0"/>
+              <a:rPr lang="en-US"/>
               <a:t>Click to edit Master text styles</a:t>
             </a:r>
           </a:p>
@@ -1180,10 +1166,9 @@
           <a:lstStyle/>
           <a:p>
             <a:r>
-              <a:rPr lang="en-US" smtClean="0"/>
+              <a:rPr lang="en-US"/>
               <a:t>Click to edit Master title style</a:t>
             </a:r>
-            <a:endParaRPr lang="en-US"/>
           </a:p>
         </p:txBody>
       </p:sp>
@@ -1237,38 +1222,37 @@
           <a:p>
             <a:pPr lvl="0"/>
             <a:r>
-              <a:rPr lang="en-US" smtClean="0"/>
+              <a:rPr lang="en-US"/>
               <a:t>Click to edit Master text styles</a:t>
             </a:r>
           </a:p>
           <a:p>
             <a:pPr lvl="1"/>
             <a:r>
-              <a:rPr lang="en-US" smtClean="0"/>
+              <a:rPr lang="en-US"/>
               <a:t>Second level</a:t>
             </a:r>
           </a:p>
           <a:p>
             <a:pPr lvl="2"/>
             <a:r>
-              <a:rPr lang="en-US" smtClean="0"/>
+              <a:rPr lang="en-US"/>
               <a:t>Third level</a:t>
             </a:r>
           </a:p>
           <a:p>
             <a:pPr lvl="3"/>
             <a:r>
-              <a:rPr lang="en-US" smtClean="0"/>
+              <a:rPr lang="en-US"/>
               <a:t>Fourth level</a:t>
             </a:r>
           </a:p>
           <a:p>
             <a:pPr lvl="4"/>
             <a:r>
-              <a:rPr lang="en-US" smtClean="0"/>
+              <a:rPr lang="en-US"/>
               <a:t>Fifth level</a:t>
             </a:r>
-            <a:endParaRPr lang="en-US"/>
           </a:p>
         </p:txBody>
       </p:sp>
@@ -1322,38 +1306,37 @@
           <a:p>
             <a:pPr lvl="0"/>
             <a:r>
-              <a:rPr lang="en-US" smtClean="0"/>
+              <a:rPr lang="en-US"/>
               <a:t>Click to edit Master text styles</a:t>
             </a:r>
           </a:p>
           <a:p>
             <a:pPr lvl="1"/>
             <a:r>
-              <a:rPr lang="en-US" smtClean="0"/>
+              <a:rPr lang="en-US"/>
               <a:t>Second level</a:t>
             </a:r>
           </a:p>
           <a:p>
             <a:pPr lvl="2"/>
             <a:r>
-              <a:rPr lang="en-US" smtClean="0"/>
+              <a:rPr lang="en-US"/>
               <a:t>Third level</a:t>
             </a:r>
           </a:p>
           <a:p>
             <a:pPr lvl="3"/>
             <a:r>
-              <a:rPr lang="en-US" smtClean="0"/>
+              <a:rPr lang="en-US"/>
               <a:t>Fourth level</a:t>
             </a:r>
           </a:p>
           <a:p>
             <a:pPr lvl="4"/>
             <a:r>
-              <a:rPr lang="en-US" smtClean="0"/>
+              <a:rPr lang="en-US"/>
               <a:t>Fifth level</a:t>
             </a:r>
-            <a:endParaRPr lang="en-US"/>
           </a:p>
         </p:txBody>
       </p:sp>
@@ -1469,10 +1452,9 @@
           </a:lstStyle>
           <a:p>
             <a:r>
-              <a:rPr lang="en-US" smtClean="0"/>
+              <a:rPr lang="en-US"/>
               <a:t>Click to edit Master title style</a:t>
             </a:r>
-            <a:endParaRPr lang="en-US"/>
           </a:p>
         </p:txBody>
       </p:sp>
@@ -1535,7 +1517,7 @@
           <a:p>
             <a:pPr lvl="0"/>
             <a:r>
-              <a:rPr lang="en-US" smtClean="0"/>
+              <a:rPr lang="en-US"/>
               <a:t>Click to edit Master text styles</a:t>
             </a:r>
           </a:p>
@@ -1591,38 +1573,37 @@
           <a:p>
             <a:pPr lvl="0"/>
             <a:r>
-              <a:rPr lang="en-US" smtClean="0"/>
+              <a:rPr lang="en-US"/>
               <a:t>Click to edit Master text styles</a:t>
             </a:r>
           </a:p>
           <a:p>
             <a:pPr lvl="1"/>
             <a:r>
-              <a:rPr lang="en-US" smtClean="0"/>
+              <a:rPr lang="en-US"/>
               <a:t>Second level</a:t>
             </a:r>
           </a:p>
           <a:p>
             <a:pPr lvl="2"/>
             <a:r>
-              <a:rPr lang="en-US" smtClean="0"/>
+              <a:rPr lang="en-US"/>
               <a:t>Third level</a:t>
             </a:r>
           </a:p>
           <a:p>
             <a:pPr lvl="3"/>
             <a:r>
-              <a:rPr lang="en-US" smtClean="0"/>
+              <a:rPr lang="en-US"/>
               <a:t>Fourth level</a:t>
             </a:r>
           </a:p>
           <a:p>
             <a:pPr lvl="4"/>
             <a:r>
-              <a:rPr lang="en-US" smtClean="0"/>
+              <a:rPr lang="en-US"/>
               <a:t>Fifth level</a:t>
             </a:r>
-            <a:endParaRPr lang="en-US"/>
           </a:p>
         </p:txBody>
       </p:sp>
@@ -1685,7 +1666,7 @@
           <a:p>
             <a:pPr lvl="0"/>
             <a:r>
-              <a:rPr lang="en-US" smtClean="0"/>
+              <a:rPr lang="en-US"/>
               <a:t>Click to edit Master text styles</a:t>
             </a:r>
           </a:p>
@@ -1741,38 +1722,37 @@
           <a:p>
             <a:pPr lvl="0"/>
             <a:r>
-              <a:rPr lang="en-US" smtClean="0"/>
+              <a:rPr lang="en-US"/>
               <a:t>Click to edit Master text styles</a:t>
             </a:r>
           </a:p>
           <a:p>
             <a:pPr lvl="1"/>
             <a:r>
-              <a:rPr lang="en-US" smtClean="0"/>
+              <a:rPr lang="en-US"/>
               <a:t>Second level</a:t>
             </a:r>
           </a:p>
           <a:p>
             <a:pPr lvl="2"/>
             <a:r>
-              <a:rPr lang="en-US" smtClean="0"/>
+              <a:rPr lang="en-US"/>
               <a:t>Third level</a:t>
             </a:r>
           </a:p>
           <a:p>
             <a:pPr lvl="3"/>
             <a:r>
-              <a:rPr lang="en-US" smtClean="0"/>
+              <a:rPr lang="en-US"/>
               <a:t>Fourth level</a:t>
             </a:r>
           </a:p>
           <a:p>
             <a:pPr lvl="4"/>
             <a:r>
-              <a:rPr lang="en-US" smtClean="0"/>
+              <a:rPr lang="en-US"/>
               <a:t>Fifth level</a:t>
             </a:r>
-            <a:endParaRPr lang="en-US"/>
           </a:p>
         </p:txBody>
       </p:sp>
@@ -1884,10 +1864,9 @@
           <a:lstStyle/>
           <a:p>
             <a:r>
-              <a:rPr lang="en-US" smtClean="0"/>
+              <a:rPr lang="en-US"/>
               <a:t>Click to edit Master title style</a:t>
             </a:r>
-            <a:endParaRPr lang="en-US"/>
           </a:p>
         </p:txBody>
       </p:sp>
@@ -2100,10 +2079,9 @@
           </a:lstStyle>
           <a:p>
             <a:r>
-              <a:rPr lang="en-US" smtClean="0"/>
+              <a:rPr lang="en-US"/>
               <a:t>Click to edit Master title style</a:t>
             </a:r>
-            <a:endParaRPr lang="en-US"/>
           </a:p>
         </p:txBody>
       </p:sp>
@@ -2157,38 +2135,37 @@
           <a:p>
             <a:pPr lvl="0"/>
             <a:r>
-              <a:rPr lang="en-US" smtClean="0"/>
+              <a:rPr lang="en-US"/>
               <a:t>Click to edit Master text styles</a:t>
             </a:r>
           </a:p>
           <a:p>
             <a:pPr lvl="1"/>
             <a:r>
-              <a:rPr lang="en-US" smtClean="0"/>
+              <a:rPr lang="en-US"/>
               <a:t>Second level</a:t>
             </a:r>
           </a:p>
           <a:p>
             <a:pPr lvl="2"/>
             <a:r>
-              <a:rPr lang="en-US" smtClean="0"/>
+              <a:rPr lang="en-US"/>
               <a:t>Third level</a:t>
             </a:r>
           </a:p>
           <a:p>
             <a:pPr lvl="3"/>
             <a:r>
-              <a:rPr lang="en-US" smtClean="0"/>
+              <a:rPr lang="en-US"/>
               <a:t>Fourth level</a:t>
             </a:r>
           </a:p>
           <a:p>
             <a:pPr lvl="4"/>
             <a:r>
-              <a:rPr lang="en-US" smtClean="0"/>
+              <a:rPr lang="en-US"/>
               <a:t>Fifth level</a:t>
             </a:r>
-            <a:endParaRPr lang="en-US"/>
           </a:p>
         </p:txBody>
       </p:sp>
@@ -2251,7 +2228,7 @@
           <a:p>
             <a:pPr lvl="0"/>
             <a:r>
-              <a:rPr lang="en-US" smtClean="0"/>
+              <a:rPr lang="en-US"/>
               <a:t>Click to edit Master text styles</a:t>
             </a:r>
           </a:p>
@@ -2374,10 +2351,9 @@
           </a:lstStyle>
           <a:p>
             <a:r>
-              <a:rPr lang="en-US" smtClean="0"/>
+              <a:rPr lang="en-US"/>
               <a:t>Click to edit Master title style</a:t>
             </a:r>
-            <a:endParaRPr lang="en-US"/>
           </a:p>
         </p:txBody>
       </p:sp>
@@ -2501,7 +2477,7 @@
           <a:p>
             <a:pPr lvl="0"/>
             <a:r>
-              <a:rPr lang="en-US" smtClean="0"/>
+              <a:rPr lang="en-US"/>
               <a:t>Click to edit Master text styles</a:t>
             </a:r>
           </a:p>
@@ -2630,10 +2606,9 @@
           <a:lstStyle/>
           <a:p>
             <a:r>
-              <a:rPr lang="en-US" smtClean="0"/>
+              <a:rPr lang="en-US"/>
               <a:t>Click to edit Master title style</a:t>
             </a:r>
-            <a:endParaRPr lang="en-US"/>
           </a:p>
         </p:txBody>
       </p:sp>
@@ -2664,38 +2639,37 @@
           <a:p>
             <a:pPr lvl="0"/>
             <a:r>
-              <a:rPr lang="en-US" smtClean="0"/>
+              <a:rPr lang="en-US"/>
               <a:t>Click to edit Master text styles</a:t>
             </a:r>
           </a:p>
           <a:p>
             <a:pPr lvl="1"/>
             <a:r>
-              <a:rPr lang="en-US" smtClean="0"/>
+              <a:rPr lang="en-US"/>
               <a:t>Second level</a:t>
             </a:r>
           </a:p>
           <a:p>
             <a:pPr lvl="2"/>
             <a:r>
-              <a:rPr lang="en-US" smtClean="0"/>
+              <a:rPr lang="en-US"/>
               <a:t>Third level</a:t>
             </a:r>
           </a:p>
           <a:p>
             <a:pPr lvl="3"/>
             <a:r>
-              <a:rPr lang="en-US" smtClean="0"/>
+              <a:rPr lang="en-US"/>
               <a:t>Fourth level</a:t>
             </a:r>
           </a:p>
           <a:p>
             <a:pPr lvl="4"/>
             <a:r>
-              <a:rPr lang="en-US" smtClean="0"/>
+              <a:rPr lang="en-US"/>
               <a:t>Fifth level</a:t>
             </a:r>
-            <a:endParaRPr lang="en-US"/>
           </a:p>
         </p:txBody>
       </p:sp>
@@ -3563,13 +3537,6 @@
   <p:clrMapOvr>
     <a:masterClrMapping/>
   </p:clrMapOvr>
-  <p:timing>
-    <p:tnLst>
-      <p:par>
-        <p:cTn id="1" dur="indefinite" restart="never" nodeType="tmRoot"/>
-      </p:par>
-    </p:tnLst>
-  </p:timing>
 </p:sld>
 </file>
 
@@ -4651,311 +4618,10 @@
   <p:clrMapOvr>
     <a:masterClrMapping/>
   </p:clrMapOvr>
-  <p:timing>
-    <p:tnLst>
-      <p:par>
-        <p:cTn id="1" dur="indefinite" restart="never" nodeType="tmRoot"/>
-      </p:par>
-    </p:tnLst>
-  </p:timing>
 </p:sld>
 </file>
 
 <file path=ppt/slides/slide3.xml><?xml version="1.0" encoding="utf-8"?>
-<p:sld xmlns:a="http://schemas.openxmlformats.org/drawingml/2006/main" xmlns:r="http://schemas.openxmlformats.org/officeDocument/2006/relationships" xmlns:p="http://schemas.openxmlformats.org/presentationml/2006/main">
-  <p:cSld>
-    <p:spTree>
-      <p:nvGrpSpPr>
-        <p:cNvPr id="1" name=""/>
-        <p:cNvGrpSpPr/>
-        <p:nvPr/>
-      </p:nvGrpSpPr>
-      <p:grpSpPr>
-        <a:xfrm>
-          <a:off x="0" y="0"/>
-          <a:ext cx="0" cy="0"/>
-          <a:chOff x="0" y="0"/>
-          <a:chExt cx="0" cy="0"/>
-        </a:xfrm>
-      </p:grpSpPr>
-      <p:grpSp>
-        <p:nvGrpSpPr>
-          <p:cNvPr id="2" name="Group 2"/>
-          <p:cNvGrpSpPr/>
-          <p:nvPr/>
-        </p:nvGrpSpPr>
-        <p:grpSpPr>
-          <a:xfrm>
-            <a:off x="1028700" y="1028700"/>
-            <a:ext cx="9320011" cy="5826780"/>
-            <a:chOff x="0" y="0"/>
-            <a:chExt cx="12426681" cy="7769040"/>
-          </a:xfrm>
-        </p:grpSpPr>
-        <p:sp>
-          <p:nvSpPr>
-            <p:cNvPr id="3" name="TextBox 3"/>
-            <p:cNvSpPr txBox="1"/>
-            <p:nvPr/>
-          </p:nvSpPr>
-          <p:spPr>
-            <a:xfrm>
-              <a:off x="0" y="-9525"/>
-              <a:ext cx="12426681" cy="1444625"/>
-            </a:xfrm>
-            <a:prstGeom prst="rect">
-              <a:avLst/>
-            </a:prstGeom>
-          </p:spPr>
-          <p:txBody>
-            <a:bodyPr lIns="0" tIns="0" rIns="0" bIns="0" rtlCol="0" anchor="t">
-              <a:spAutoFit/>
-            </a:bodyPr>
-            <a:lstStyle/>
-            <a:p>
-              <a:pPr algn="l">
-                <a:lnSpc>
-                  <a:spcPts val="8520"/>
-                </a:lnSpc>
-              </a:pPr>
-              <a:r>
-                <a:rPr lang="en-US" sz="7100" b="1">
-                  <a:solidFill>
-                    <a:srgbClr val="0366BF"/>
-                  </a:solidFill>
-                  <a:latin typeface="Cabin Bold"/>
-                  <a:ea typeface="Cabin Bold"/>
-                  <a:cs typeface="Cabin Bold"/>
-                  <a:sym typeface="Cabin Bold"/>
-                </a:rPr>
-                <a:t>Yêu cầu chức năng</a:t>
-              </a:r>
-            </a:p>
-          </p:txBody>
-        </p:sp>
-        <p:sp>
-          <p:nvSpPr>
-            <p:cNvPr id="4" name="TextBox 4"/>
-            <p:cNvSpPr txBox="1"/>
-            <p:nvPr/>
-          </p:nvSpPr>
-          <p:spPr>
-            <a:xfrm>
-              <a:off x="0" y="2565427"/>
-              <a:ext cx="10896401" cy="5203402"/>
-            </a:xfrm>
-            <a:prstGeom prst="rect">
-              <a:avLst/>
-            </a:prstGeom>
-          </p:spPr>
-          <p:txBody>
-            <a:bodyPr lIns="0" tIns="0" rIns="0" bIns="0" rtlCol="0" anchor="t">
-              <a:spAutoFit/>
-            </a:bodyPr>
-            <a:lstStyle/>
-            <a:p>
-              <a:pPr marL="690879" lvl="1" indent="-345439" algn="l">
-                <a:lnSpc>
-                  <a:spcPts val="4479"/>
-                </a:lnSpc>
-                <a:buFont typeface="Arial"/>
-                <a:buChar char="•"/>
-              </a:pPr>
-              <a:r>
-                <a:rPr lang="en-US" sz="3199">
-                  <a:solidFill>
-                    <a:srgbClr val="100F0D"/>
-                  </a:solidFill>
-                  <a:latin typeface="Cabin"/>
-                  <a:ea typeface="Cabin"/>
-                  <a:cs typeface="Cabin"/>
-                  <a:sym typeface="Cabin"/>
-                </a:rPr>
-                <a:t>Chủ trọ: có thể quản lý các thông tin của phòng, khách thuê, hoá đơn, hệ thống tự gửi yêu cầu để khách thuê.</a:t>
-              </a:r>
-            </a:p>
-            <a:p>
-              <a:pPr algn="l">
-                <a:lnSpc>
-                  <a:spcPts val="4479"/>
-                </a:lnSpc>
-              </a:pPr>
-              <a:endParaRPr lang="en-US" sz="3199">
-                <a:solidFill>
-                  <a:srgbClr val="100F0D"/>
-                </a:solidFill>
-                <a:latin typeface="Cabin"/>
-                <a:ea typeface="Cabin"/>
-                <a:cs typeface="Cabin"/>
-                <a:sym typeface="Cabin"/>
-              </a:endParaRPr>
-            </a:p>
-            <a:p>
-              <a:pPr marL="690879" lvl="1" indent="-345439" algn="l">
-                <a:lnSpc>
-                  <a:spcPts val="4479"/>
-                </a:lnSpc>
-                <a:buFont typeface="Arial"/>
-                <a:buChar char="•"/>
-              </a:pPr>
-              <a:r>
-                <a:rPr lang="en-US" sz="3199" u="none">
-                  <a:solidFill>
-                    <a:srgbClr val="100F0D"/>
-                  </a:solidFill>
-                  <a:latin typeface="Cabin"/>
-                  <a:ea typeface="Cabin"/>
-                  <a:cs typeface="Cabin"/>
-                  <a:sym typeface="Cabin"/>
-                </a:rPr>
-                <a:t>Khách thuê: Có thể nhận yêu cầu điền thông tin dịch vụ và điền các thông tin cần thiết, thanh toán và xem hoá đơn</a:t>
-              </a:r>
-            </a:p>
-          </p:txBody>
-        </p:sp>
-      </p:grpSp>
-      <p:sp>
-        <p:nvSpPr>
-          <p:cNvPr id="5" name="TextBox 5"/>
-          <p:cNvSpPr txBox="1"/>
-          <p:nvPr/>
-        </p:nvSpPr>
-        <p:spPr>
-          <a:xfrm>
-            <a:off x="8644524" y="9293172"/>
-            <a:ext cx="5209795" cy="565150"/>
-          </a:xfrm>
-          <a:prstGeom prst="rect">
-            <a:avLst/>
-          </a:prstGeom>
-        </p:spPr>
-        <p:txBody>
-          <a:bodyPr lIns="0" tIns="0" rIns="0" bIns="0" rtlCol="0" anchor="t">
-            <a:spAutoFit/>
-          </a:bodyPr>
-          <a:lstStyle/>
-          <a:p>
-            <a:pPr marL="0" lvl="0" indent="0" algn="r">
-              <a:lnSpc>
-                <a:spcPts val="4549"/>
-              </a:lnSpc>
-              <a:spcBef>
-                <a:spcPct val="0"/>
-              </a:spcBef>
-            </a:pPr>
-            <a:r>
-              <a:rPr lang="en-US" sz="3499">
-                <a:solidFill>
-                  <a:srgbClr val="FFFFFF"/>
-                </a:solidFill>
-                <a:latin typeface="Cabin"/>
-                <a:ea typeface="Cabin"/>
-                <a:cs typeface="Cabin"/>
-                <a:sym typeface="Cabin"/>
-              </a:rPr>
-              <a:t>LÝ DO CHỌN ĐỀ TÀI</a:t>
-            </a:r>
-          </a:p>
-        </p:txBody>
-      </p:sp>
-      <p:sp>
-        <p:nvSpPr>
-          <p:cNvPr id="11" name="TextBox 11"/>
-          <p:cNvSpPr txBox="1"/>
-          <p:nvPr/>
-        </p:nvSpPr>
-        <p:spPr>
-          <a:xfrm>
-            <a:off x="1362317" y="9445572"/>
-            <a:ext cx="2891617" cy="298450"/>
-          </a:xfrm>
-          <a:prstGeom prst="rect">
-            <a:avLst/>
-          </a:prstGeom>
-        </p:spPr>
-        <p:txBody>
-          <a:bodyPr lIns="0" tIns="0" rIns="0" bIns="0" rtlCol="0" anchor="t">
-            <a:spAutoFit/>
-          </a:bodyPr>
-          <a:lstStyle/>
-          <a:p>
-            <a:pPr algn="l">
-              <a:lnSpc>
-                <a:spcPts val="2300"/>
-              </a:lnSpc>
-            </a:pPr>
-            <a:r>
-              <a:rPr lang="en-US" sz="2000" b="1" spc="160">
-                <a:solidFill>
-                  <a:srgbClr val="FFFFFF"/>
-                </a:solidFill>
-                <a:latin typeface="Cabin Bold"/>
-                <a:ea typeface="Cabin Bold"/>
-                <a:cs typeface="Cabin Bold"/>
-                <a:sym typeface="Cabin Bold"/>
-              </a:rPr>
-              <a:t>PHẠM QUANG HƯNG</a:t>
-            </a:r>
-          </a:p>
-        </p:txBody>
-      </p:sp>
-      <p:pic>
-        <p:nvPicPr>
-          <p:cNvPr id="2050" name="Picture 2" descr="Kinh nghiệm quản lý nhà trọ hiệu quả dành cho mọi chủ nhà"/>
-          <p:cNvPicPr>
-            <a:picLocks noChangeAspect="1" noChangeArrowheads="1"/>
-          </p:cNvPicPr>
-          <p:nvPr/>
-        </p:nvPicPr>
-        <p:blipFill>
-          <a:blip r:embed="rId2">
-            <a:extLst>
-              <a:ext uri="{28A0092B-C50C-407E-A947-70E740481C1C}">
-                <a14:useLocalDpi xmlns:a14="http://schemas.microsoft.com/office/drawing/2010/main" val="0"/>
-              </a:ext>
-            </a:extLst>
-          </a:blip>
-          <a:srcRect/>
-          <a:stretch>
-            <a:fillRect/>
-          </a:stretch>
-        </p:blipFill>
-        <p:spPr bwMode="auto">
-          <a:xfrm>
-            <a:off x="8966200" y="3695700"/>
-            <a:ext cx="9329120" cy="5597472"/>
-          </a:xfrm>
-          <a:prstGeom prst="rect">
-            <a:avLst/>
-          </a:prstGeom>
-          <a:noFill/>
-          <a:extLst>
-            <a:ext uri="{909E8E84-426E-40DD-AFC4-6F175D3DCCD1}">
-              <a14:hiddenFill xmlns:a14="http://schemas.microsoft.com/office/drawing/2010/main">
-                <a:solidFill>
-                  <a:srgbClr val="FFFFFF"/>
-                </a:solidFill>
-              </a14:hiddenFill>
-            </a:ext>
-          </a:extLst>
-        </p:spPr>
-      </p:pic>
-    </p:spTree>
-  </p:cSld>
-  <p:clrMapOvr>
-    <a:masterClrMapping/>
-  </p:clrMapOvr>
-  <p:timing>
-    <p:tnLst>
-      <p:par>
-        <p:cTn id="1" dur="indefinite" restart="never" nodeType="tmRoot"/>
-      </p:par>
-    </p:tnLst>
-  </p:timing>
-</p:sld>
-</file>
-
-<file path=ppt/slides/slide4.xml><?xml version="1.0" encoding="utf-8"?>
 <p:sld xmlns:a="http://schemas.openxmlformats.org/drawingml/2006/main" xmlns:r="http://schemas.openxmlformats.org/officeDocument/2006/relationships" xmlns:p="http://schemas.openxmlformats.org/presentationml/2006/main">
   <p:cSld>
     <p:spTree>
@@ -5014,7 +4680,7 @@
             <a:blip r:embed="rId2">
               <a:extLst>
                 <a:ext uri="{96DAC541-7B7A-43D3-8B79-37D633B846F1}">
-                  <asvg:svgBlip xmlns:asvg="http://schemas.microsoft.com/office/drawing/2016/SVG/main" xmlns="" r:embed="rId4"/>
+                  <asvg:svgBlip xmlns:asvg="http://schemas.microsoft.com/office/drawing/2016/SVG/main" r:embed="rId3"/>
                 </a:ext>
               </a:extLst>
             </a:blip>
@@ -5365,7 +5031,7 @@
           <p:nvPr/>
         </p:nvPicPr>
         <p:blipFill>
-          <a:blip r:embed="rId5">
+          <a:blip r:embed="rId4">
             <a:extLst>
               <a:ext uri="{28A0092B-C50C-407E-A947-70E740481C1C}">
                 <a14:useLocalDpi xmlns:a14="http://schemas.microsoft.com/office/drawing/2010/main" val="0"/>
@@ -5402,17 +5068,10 @@
   <p:clrMapOvr>
     <a:masterClrMapping/>
   </p:clrMapOvr>
-  <p:timing>
-    <p:tnLst>
-      <p:par>
-        <p:cTn id="1" dur="indefinite" restart="never" nodeType="tmRoot"/>
-      </p:par>
-    </p:tnLst>
-  </p:timing>
 </p:sld>
 </file>
 
-<file path=ppt/slides/slide5.xml><?xml version="1.0" encoding="utf-8"?>
+<file path=ppt/slides/slide4.xml><?xml version="1.0" encoding="utf-8"?>
 <p:sld xmlns:a="http://schemas.openxmlformats.org/drawingml/2006/main" xmlns:r="http://schemas.openxmlformats.org/officeDocument/2006/relationships" xmlns:p="http://schemas.openxmlformats.org/presentationml/2006/main">
   <p:cSld>
     <p:bg>
@@ -6621,17 +6280,10 @@
   <p:clrMapOvr>
     <a:masterClrMapping/>
   </p:clrMapOvr>
-  <p:timing>
-    <p:tnLst>
-      <p:par>
-        <p:cTn id="1" dur="indefinite" restart="never" nodeType="tmRoot"/>
-      </p:par>
-    </p:tnLst>
-  </p:timing>
 </p:sld>
 </file>
 
-<file path=ppt/slides/slide6.xml><?xml version="1.0" encoding="utf-8"?>
+<file path=ppt/slides/slide5.xml><?xml version="1.0" encoding="utf-8"?>
 <p:sld xmlns:a="http://schemas.openxmlformats.org/drawingml/2006/main" xmlns:r="http://schemas.openxmlformats.org/officeDocument/2006/relationships" xmlns:p="http://schemas.openxmlformats.org/presentationml/2006/main">
   <p:cSld>
     <p:spTree>
@@ -6953,7 +6605,7 @@
 </p:sld>
 </file>
 
-<file path=ppt/slides/slide7.xml><?xml version="1.0" encoding="utf-8"?>
+<file path=ppt/slides/slide6.xml><?xml version="1.0" encoding="utf-8"?>
 <p:sld xmlns:a="http://schemas.openxmlformats.org/drawingml/2006/main" xmlns:r="http://schemas.openxmlformats.org/officeDocument/2006/relationships" xmlns:p="http://schemas.openxmlformats.org/presentationml/2006/main">
   <p:cSld>
     <p:bg>
@@ -7045,7 +6697,7 @@
               </a:lnSpc>
             </a:pPr>
             <a:r>
-              <a:rPr lang="en-US" sz="8000" b="1" dirty="0" err="1" smtClean="0">
+              <a:rPr lang="en-US" sz="8000" b="1" dirty="0" err="1">
                 <a:solidFill>
                   <a:srgbClr val="FFFFFF"/>
                 </a:solidFill>
@@ -7057,7 +6709,7 @@
               <a:t>Kết</a:t>
             </a:r>
             <a:r>
-              <a:rPr lang="en-US" sz="8000" b="1" dirty="0" smtClean="0">
+              <a:rPr lang="en-US" sz="8000" b="1" dirty="0">
                 <a:solidFill>
                   <a:srgbClr val="FFFFFF"/>
                 </a:solidFill>
@@ -7069,7 +6721,7 @@
               <a:t> </a:t>
             </a:r>
             <a:r>
-              <a:rPr lang="en-US" sz="8000" b="1" dirty="0" err="1" smtClean="0">
+              <a:rPr lang="en-US" sz="8000" b="1" dirty="0" err="1">
                 <a:solidFill>
                   <a:srgbClr val="FFFFFF"/>
                 </a:solidFill>
@@ -7100,10 +6752,10 @@
         </p:nvGrpSpPr>
         <p:grpSpPr>
           <a:xfrm>
-            <a:off x="9144000" y="5094930"/>
-            <a:ext cx="8115300" cy="3988110"/>
-            <a:chOff x="0" y="0"/>
-            <a:chExt cx="10820400" cy="5317481"/>
+            <a:off x="6934200" y="4517603"/>
+            <a:ext cx="10325100" cy="2876094"/>
+            <a:chOff x="-80449" y="-19050"/>
+            <a:chExt cx="10900849" cy="3361861"/>
           </a:xfrm>
         </p:grpSpPr>
         <p:sp>
@@ -7115,7 +6767,7 @@
           <p:spPr>
             <a:xfrm>
               <a:off x="0" y="-19050"/>
-              <a:ext cx="10820400" cy="464361"/>
+              <a:ext cx="10820400" cy="492570"/>
             </a:xfrm>
             <a:prstGeom prst="rect">
               <a:avLst/>
@@ -7136,7 +6788,7 @@
                 </a:spcBef>
               </a:pPr>
               <a:r>
-                <a:rPr lang="en-US" sz="2199" b="1" u="none" spc="131" dirty="0">
+                <a:rPr lang="en-US" sz="4500" b="1" u="none" spc="131" dirty="0" err="1">
                   <a:solidFill>
                     <a:srgbClr val="FFFFFF"/>
                   </a:solidFill>
@@ -7145,21 +6797,66 @@
                   <a:cs typeface="Cabin Bold"/>
                   <a:sym typeface="Cabin Bold"/>
                 </a:rPr>
-                <a:t>EMAIL</a:t>
+                <a:t>Ưu</a:t>
               </a:r>
+              <a:r>
+                <a:rPr lang="en-US" sz="4500" b="1" u="none" spc="131" dirty="0">
+                  <a:solidFill>
+                    <a:srgbClr val="FFFFFF"/>
+                  </a:solidFill>
+                  <a:latin typeface="Cabin Bold"/>
+                  <a:ea typeface="Cabin Bold"/>
+                  <a:cs typeface="Cabin Bold"/>
+                  <a:sym typeface="Cabin Bold"/>
+                </a:rPr>
+                <a:t> </a:t>
+              </a:r>
+              <a:r>
+                <a:rPr lang="en-US" sz="4500" b="1" spc="131" dirty="0" err="1">
+                  <a:solidFill>
+                    <a:srgbClr val="FFFFFF"/>
+                  </a:solidFill>
+                  <a:latin typeface="Cabin Bold"/>
+                  <a:ea typeface="Cabin Bold"/>
+                  <a:cs typeface="Cabin Bold"/>
+                  <a:sym typeface="Cabin Bold"/>
+                </a:rPr>
+                <a:t>điểm</a:t>
+              </a:r>
+              <a:r>
+                <a:rPr lang="en-US" sz="4500" b="1" spc="131" dirty="0">
+                  <a:solidFill>
+                    <a:srgbClr val="FFFFFF"/>
+                  </a:solidFill>
+                  <a:latin typeface="Cabin Bold"/>
+                  <a:ea typeface="Cabin Bold"/>
+                  <a:cs typeface="Cabin Bold"/>
+                  <a:sym typeface="Cabin Bold"/>
+                </a:rPr>
+                <a:t>:</a:t>
+              </a:r>
+              <a:endParaRPr lang="en-US" sz="4500" b="1" u="none" spc="131" dirty="0">
+                <a:solidFill>
+                  <a:srgbClr val="FFFFFF"/>
+                </a:solidFill>
+                <a:latin typeface="Cabin Bold"/>
+                <a:ea typeface="Cabin Bold"/>
+                <a:cs typeface="Cabin Bold"/>
+                <a:sym typeface="Cabin Bold"/>
+              </a:endParaRPr>
             </a:p>
           </p:txBody>
         </p:sp>
         <p:sp>
           <p:nvSpPr>
-            <p:cNvPr id="7" name="TextBox 7"/>
+            <p:cNvPr id="8" name="TextBox 8"/>
             <p:cNvSpPr txBox="1"/>
             <p:nvPr/>
           </p:nvSpPr>
           <p:spPr>
             <a:xfrm>
-              <a:off x="0" y="505424"/>
-              <a:ext cx="10820400" cy="707584"/>
+              <a:off x="-80449" y="2850241"/>
+              <a:ext cx="10820400" cy="492570"/>
             </a:xfrm>
             <a:prstGeom prst="rect">
               <a:avLst/>
@@ -7171,51 +6868,7 @@
             </a:bodyPr>
             <a:lstStyle/>
             <a:p>
-              <a:pPr marL="0" lvl="0" indent="0" algn="l">
-                <a:lnSpc>
-                  <a:spcPts val="4479"/>
-                </a:lnSpc>
-                <a:spcBef>
-                  <a:spcPct val="0"/>
-                </a:spcBef>
-              </a:pPr>
-              <a:r>
-                <a:rPr lang="en-US" sz="3199" u="none">
-                  <a:solidFill>
-                    <a:srgbClr val="FFFFFF"/>
-                  </a:solidFill>
-                  <a:latin typeface="Cabin"/>
-                  <a:ea typeface="Cabin"/>
-                  <a:cs typeface="Cabin"/>
-                  <a:sym typeface="Cabin"/>
-                </a:rPr>
-                <a:t>xinchao@trangwebhay.vn</a:t>
-              </a:r>
-            </a:p>
-          </p:txBody>
-        </p:sp>
-        <p:sp>
-          <p:nvSpPr>
-            <p:cNvPr id="8" name="TextBox 8"/>
-            <p:cNvSpPr txBox="1"/>
-            <p:nvPr/>
-          </p:nvSpPr>
-          <p:spPr>
-            <a:xfrm>
-              <a:off x="0" y="2033089"/>
-              <a:ext cx="10820400" cy="464361"/>
-            </a:xfrm>
-            <a:prstGeom prst="rect">
-              <a:avLst/>
-            </a:prstGeom>
-          </p:spPr>
-          <p:txBody>
-            <a:bodyPr lIns="0" tIns="0" rIns="0" bIns="0" rtlCol="0" anchor="t">
-              <a:spAutoFit/>
-            </a:bodyPr>
-            <a:lstStyle/>
-            <a:p>
-              <a:pPr marL="0" lvl="0" indent="0" algn="l">
+              <a:pPr lvl="0">
                 <a:lnSpc>
                   <a:spcPts val="2859"/>
                 </a:lnSpc>
@@ -7224,7 +6877,7 @@
                 </a:spcBef>
               </a:pPr>
               <a:r>
-                <a:rPr lang="en-US" sz="2199" b="1" u="none" spc="131">
+                <a:rPr lang="en-US" sz="4500" b="1" u="none" spc="131" dirty="0" err="1">
                   <a:solidFill>
                     <a:srgbClr val="FFFFFF"/>
                   </a:solidFill>
@@ -7233,86 +6886,10 @@
                   <a:cs typeface="Cabin Bold"/>
                   <a:sym typeface="Cabin Bold"/>
                 </a:rPr>
-                <a:t>MẠNG XÃ HỘI</a:t>
+                <a:t>Cần</a:t>
               </a:r>
-            </a:p>
-          </p:txBody>
-        </p:sp>
-        <p:sp>
-          <p:nvSpPr>
-            <p:cNvPr id="9" name="TextBox 9"/>
-            <p:cNvSpPr txBox="1"/>
-            <p:nvPr/>
-          </p:nvSpPr>
-          <p:spPr>
-            <a:xfrm>
-              <a:off x="0" y="2557564"/>
-              <a:ext cx="10820400" cy="707584"/>
-            </a:xfrm>
-            <a:prstGeom prst="rect">
-              <a:avLst/>
-            </a:prstGeom>
-          </p:spPr>
-          <p:txBody>
-            <a:bodyPr lIns="0" tIns="0" rIns="0" bIns="0" rtlCol="0" anchor="t">
-              <a:spAutoFit/>
-            </a:bodyPr>
-            <a:lstStyle/>
-            <a:p>
-              <a:pPr marL="0" lvl="0" indent="0" algn="l">
-                <a:lnSpc>
-                  <a:spcPts val="4479"/>
-                </a:lnSpc>
-                <a:spcBef>
-                  <a:spcPct val="0"/>
-                </a:spcBef>
-              </a:pPr>
               <a:r>
-                <a:rPr lang="en-US" sz="3199" u="none">
-                  <a:solidFill>
-                    <a:srgbClr val="FFFFFF"/>
-                  </a:solidFill>
-                  <a:latin typeface="Cabin"/>
-                  <a:ea typeface="Cabin"/>
-                  <a:cs typeface="Cabin"/>
-                  <a:sym typeface="Cabin"/>
-                </a:rPr>
-                <a:t>@trangwebhay</a:t>
-              </a:r>
-            </a:p>
-          </p:txBody>
-        </p:sp>
-        <p:sp>
-          <p:nvSpPr>
-            <p:cNvPr id="10" name="TextBox 10"/>
-            <p:cNvSpPr txBox="1"/>
-            <p:nvPr/>
-          </p:nvSpPr>
-          <p:spPr>
-            <a:xfrm>
-              <a:off x="0" y="4085229"/>
-              <a:ext cx="10820400" cy="464361"/>
-            </a:xfrm>
-            <a:prstGeom prst="rect">
-              <a:avLst/>
-            </a:prstGeom>
-          </p:spPr>
-          <p:txBody>
-            <a:bodyPr lIns="0" tIns="0" rIns="0" bIns="0" rtlCol="0" anchor="t">
-              <a:spAutoFit/>
-            </a:bodyPr>
-            <a:lstStyle/>
-            <a:p>
-              <a:pPr marL="0" lvl="0" indent="0" algn="l">
-                <a:lnSpc>
-                  <a:spcPts val="2859"/>
-                </a:lnSpc>
-                <a:spcBef>
-                  <a:spcPct val="0"/>
-                </a:spcBef>
-              </a:pPr>
-              <a:r>
-                <a:rPr lang="en-US" sz="2199" b="1" u="none" spc="131">
+                <a:rPr lang="en-US" sz="4500" b="1" u="none" spc="131" dirty="0">
                   <a:solidFill>
                     <a:srgbClr val="FFFFFF"/>
                   </a:solidFill>
@@ -7321,56 +6898,628 @@
                   <a:cs typeface="Cabin Bold"/>
                   <a:sym typeface="Cabin Bold"/>
                 </a:rPr>
-                <a:t>GỌI CHO CHÚNG TÔI</a:t>
+                <a:t> </a:t>
               </a:r>
-            </a:p>
-          </p:txBody>
-        </p:sp>
-        <p:sp>
-          <p:nvSpPr>
-            <p:cNvPr id="11" name="TextBox 11"/>
-            <p:cNvSpPr txBox="1"/>
-            <p:nvPr/>
-          </p:nvSpPr>
-          <p:spPr>
-            <a:xfrm>
-              <a:off x="0" y="4629600"/>
-              <a:ext cx="10820400" cy="687881"/>
-            </a:xfrm>
-            <a:prstGeom prst="rect">
-              <a:avLst/>
-            </a:prstGeom>
-          </p:spPr>
-          <p:txBody>
-            <a:bodyPr lIns="0" tIns="0" rIns="0" bIns="0" rtlCol="0" anchor="t">
-              <a:spAutoFit/>
-            </a:bodyPr>
-            <a:lstStyle/>
-            <a:p>
-              <a:pPr marL="0" lvl="0" indent="0" algn="l">
-                <a:lnSpc>
-                  <a:spcPts val="4374"/>
-                </a:lnSpc>
-                <a:spcBef>
-                  <a:spcPct val="0"/>
-                </a:spcBef>
-              </a:pPr>
               <a:r>
-                <a:rPr lang="en-US" sz="3124" u="none">
+                <a:rPr lang="en-US" sz="4500" b="1" u="none" spc="131" dirty="0" err="1">
                   <a:solidFill>
                     <a:srgbClr val="FFFFFF"/>
                   </a:solidFill>
-                  <a:latin typeface="Cabin"/>
-                  <a:ea typeface="Cabin"/>
-                  <a:cs typeface="Cabin"/>
-                  <a:sym typeface="Cabin"/>
+                  <a:latin typeface="Cabin Bold"/>
+                  <a:ea typeface="Cabin Bold"/>
+                  <a:cs typeface="Cabin Bold"/>
+                  <a:sym typeface="Cabin Bold"/>
                 </a:rPr>
-                <a:t>+84 912 345 678</a:t>
+                <a:t>phát</a:t>
+              </a:r>
+              <a:r>
+                <a:rPr lang="en-US" sz="4500" b="1" u="none" spc="131" dirty="0">
+                  <a:solidFill>
+                    <a:srgbClr val="FFFFFF"/>
+                  </a:solidFill>
+                  <a:latin typeface="Cabin Bold"/>
+                  <a:ea typeface="Cabin Bold"/>
+                  <a:cs typeface="Cabin Bold"/>
+                  <a:sym typeface="Cabin Bold"/>
+                </a:rPr>
+                <a:t> </a:t>
+              </a:r>
+              <a:r>
+                <a:rPr lang="en-US" sz="4500" b="1" u="none" spc="131" dirty="0" err="1">
+                  <a:solidFill>
+                    <a:srgbClr val="FFFFFF"/>
+                  </a:solidFill>
+                  <a:latin typeface="Cabin Bold"/>
+                  <a:ea typeface="Cabin Bold"/>
+                  <a:cs typeface="Cabin Bold"/>
+                  <a:sym typeface="Cabin Bold"/>
+                </a:rPr>
+                <a:t>triển</a:t>
+              </a:r>
+              <a:r>
+                <a:rPr lang="en-US" sz="4500" b="1" u="none" spc="131" dirty="0">
+                  <a:solidFill>
+                    <a:srgbClr val="FFFFFF"/>
+                  </a:solidFill>
+                  <a:latin typeface="Cabin Bold"/>
+                  <a:ea typeface="Cabin Bold"/>
+                  <a:cs typeface="Cabin Bold"/>
+                  <a:sym typeface="Cabin Bold"/>
+                </a:rPr>
+                <a:t> </a:t>
+              </a:r>
+              <a:r>
+                <a:rPr lang="en-US" sz="4500" b="1" u="none" spc="131" dirty="0" err="1">
+                  <a:solidFill>
+                    <a:srgbClr val="FFFFFF"/>
+                  </a:solidFill>
+                  <a:latin typeface="Cabin Bold"/>
+                  <a:ea typeface="Cabin Bold"/>
+                  <a:cs typeface="Cabin Bold"/>
+                  <a:sym typeface="Cabin Bold"/>
+                </a:rPr>
+                <a:t>thêm</a:t>
+              </a:r>
+              <a:r>
+                <a:rPr lang="en-US" sz="4500" b="1" u="none" spc="131" dirty="0">
+                  <a:solidFill>
+                    <a:srgbClr val="FFFFFF"/>
+                  </a:solidFill>
+                  <a:latin typeface="Cabin Bold"/>
+                  <a:ea typeface="Cabin Bold"/>
+                  <a:cs typeface="Cabin Bold"/>
+                  <a:sym typeface="Cabin Bold"/>
+                </a:rPr>
+                <a:t>: </a:t>
               </a:r>
             </a:p>
           </p:txBody>
         </p:sp>
       </p:grpSp>
+      <p:sp>
+        <p:nvSpPr>
+          <p:cNvPr id="13" name="TextBox 12">
+            <a:extLst>
+              <a:ext uri="{FF2B5EF4-FFF2-40B4-BE49-F238E27FC236}">
+                <a16:creationId xmlns:a16="http://schemas.microsoft.com/office/drawing/2014/main" id="{27D96491-B946-2207-E9D5-0C0A4401F777}"/>
+              </a:ext>
+            </a:extLst>
+          </p:cNvPr>
+          <p:cNvSpPr txBox="1"/>
+          <p:nvPr/>
+        </p:nvSpPr>
+        <p:spPr>
+          <a:xfrm>
+            <a:off x="6934200" y="5143500"/>
+            <a:ext cx="10325100" cy="1200329"/>
+          </a:xfrm>
+          <a:prstGeom prst="rect">
+            <a:avLst/>
+          </a:prstGeom>
+          <a:noFill/>
+        </p:spPr>
+        <p:txBody>
+          <a:bodyPr wrap="square" rtlCol="0">
+            <a:spAutoFit/>
+          </a:bodyPr>
+          <a:lstStyle/>
+          <a:p>
+            <a:r>
+              <a:rPr lang="en-US" sz="2400" dirty="0">
+                <a:solidFill>
+                  <a:schemeClr val="bg1"/>
+                </a:solidFill>
+                <a:latin typeface="Cabin Bold" panose="020B0604020202020204" charset="0"/>
+              </a:rPr>
+              <a:t>+ </a:t>
+            </a:r>
+            <a:r>
+              <a:rPr lang="en-US" sz="2400" dirty="0" err="1">
+                <a:solidFill>
+                  <a:schemeClr val="bg1"/>
+                </a:solidFill>
+                <a:latin typeface="Cabin Bold" panose="020B0604020202020204" charset="0"/>
+              </a:rPr>
+              <a:t>Có</a:t>
+            </a:r>
+            <a:r>
+              <a:rPr lang="en-US" sz="2400" dirty="0">
+                <a:solidFill>
+                  <a:schemeClr val="bg1"/>
+                </a:solidFill>
+                <a:latin typeface="Cabin Bold" panose="020B0604020202020204" charset="0"/>
+              </a:rPr>
+              <a:t> </a:t>
+            </a:r>
+            <a:r>
+              <a:rPr lang="en-US" sz="2400" dirty="0" err="1">
+                <a:solidFill>
+                  <a:schemeClr val="bg1"/>
+                </a:solidFill>
+                <a:latin typeface="Cabin Bold" panose="020B0604020202020204" charset="0"/>
+              </a:rPr>
+              <a:t>hệ</a:t>
+            </a:r>
+            <a:r>
+              <a:rPr lang="en-US" sz="2400" dirty="0">
+                <a:solidFill>
+                  <a:schemeClr val="bg1"/>
+                </a:solidFill>
+                <a:latin typeface="Cabin Bold" panose="020B0604020202020204" charset="0"/>
+              </a:rPr>
+              <a:t> </a:t>
+            </a:r>
+            <a:r>
+              <a:rPr lang="en-US" sz="2400" dirty="0" err="1">
+                <a:solidFill>
+                  <a:schemeClr val="bg1"/>
+                </a:solidFill>
+                <a:latin typeface="Cabin Bold" panose="020B0604020202020204" charset="0"/>
+              </a:rPr>
+              <a:t>thông</a:t>
+            </a:r>
+            <a:r>
+              <a:rPr lang="en-US" sz="2400" dirty="0">
+                <a:solidFill>
+                  <a:schemeClr val="bg1"/>
+                </a:solidFill>
+                <a:latin typeface="Cabin Bold" panose="020B0604020202020204" charset="0"/>
+              </a:rPr>
+              <a:t> </a:t>
+            </a:r>
+            <a:r>
+              <a:rPr lang="en-US" sz="2400" dirty="0" err="1">
+                <a:solidFill>
+                  <a:schemeClr val="bg1"/>
+                </a:solidFill>
+                <a:latin typeface="Cabin Bold" panose="020B0604020202020204" charset="0"/>
+              </a:rPr>
+              <a:t>gửi</a:t>
+            </a:r>
+            <a:r>
+              <a:rPr lang="en-US" sz="2400" dirty="0">
+                <a:solidFill>
+                  <a:schemeClr val="bg1"/>
+                </a:solidFill>
+                <a:latin typeface="Cabin Bold" panose="020B0604020202020204" charset="0"/>
+              </a:rPr>
+              <a:t> </a:t>
+            </a:r>
+            <a:r>
+              <a:rPr lang="en-US" sz="2400" dirty="0" err="1">
+                <a:solidFill>
+                  <a:schemeClr val="bg1"/>
+                </a:solidFill>
+                <a:latin typeface="Cabin Bold" panose="020B0604020202020204" charset="0"/>
+              </a:rPr>
+              <a:t>yêu</a:t>
+            </a:r>
+            <a:r>
+              <a:rPr lang="en-US" sz="2400" dirty="0">
+                <a:solidFill>
+                  <a:schemeClr val="bg1"/>
+                </a:solidFill>
+                <a:latin typeface="Cabin Bold" panose="020B0604020202020204" charset="0"/>
+              </a:rPr>
+              <a:t> </a:t>
+            </a:r>
+            <a:r>
+              <a:rPr lang="en-US" sz="2400" dirty="0" err="1">
+                <a:solidFill>
+                  <a:schemeClr val="bg1"/>
+                </a:solidFill>
+                <a:latin typeface="Cabin Bold" panose="020B0604020202020204" charset="0"/>
+              </a:rPr>
+              <a:t>cầu</a:t>
+            </a:r>
+            <a:r>
+              <a:rPr lang="en-US" sz="2400" dirty="0">
+                <a:solidFill>
+                  <a:schemeClr val="bg1"/>
+                </a:solidFill>
+                <a:latin typeface="Cabin Bold" panose="020B0604020202020204" charset="0"/>
+              </a:rPr>
+              <a:t> </a:t>
+            </a:r>
+            <a:r>
+              <a:rPr lang="en-US" sz="2400" dirty="0" err="1">
+                <a:solidFill>
+                  <a:schemeClr val="bg1"/>
+                </a:solidFill>
+                <a:latin typeface="Cabin Bold" panose="020B0604020202020204" charset="0"/>
+              </a:rPr>
+              <a:t>nhập</a:t>
+            </a:r>
+            <a:r>
+              <a:rPr lang="en-US" sz="2400" dirty="0">
+                <a:solidFill>
+                  <a:schemeClr val="bg1"/>
+                </a:solidFill>
+                <a:latin typeface="Cabin Bold" panose="020B0604020202020204" charset="0"/>
+              </a:rPr>
+              <a:t> </a:t>
+            </a:r>
+            <a:r>
+              <a:rPr lang="en-US" sz="2400" dirty="0" err="1">
+                <a:solidFill>
+                  <a:schemeClr val="bg1"/>
+                </a:solidFill>
+                <a:latin typeface="Cabin Bold" panose="020B0604020202020204" charset="0"/>
+              </a:rPr>
+              <a:t>thông</a:t>
+            </a:r>
+            <a:r>
+              <a:rPr lang="en-US" sz="2400" dirty="0">
+                <a:solidFill>
+                  <a:schemeClr val="bg1"/>
+                </a:solidFill>
+                <a:latin typeface="Cabin Bold" panose="020B0604020202020204" charset="0"/>
+              </a:rPr>
+              <a:t> tin </a:t>
+            </a:r>
+            <a:r>
+              <a:rPr lang="en-US" sz="2400" dirty="0" err="1">
+                <a:solidFill>
+                  <a:schemeClr val="bg1"/>
+                </a:solidFill>
+                <a:latin typeface="Cabin Bold" panose="020B0604020202020204" charset="0"/>
+              </a:rPr>
+              <a:t>hóa</a:t>
+            </a:r>
+            <a:r>
+              <a:rPr lang="en-US" sz="2400" dirty="0">
+                <a:solidFill>
+                  <a:schemeClr val="bg1"/>
+                </a:solidFill>
+                <a:latin typeface="Cabin Bold" panose="020B0604020202020204" charset="0"/>
+              </a:rPr>
+              <a:t> </a:t>
+            </a:r>
+            <a:r>
+              <a:rPr lang="en-US" sz="2400" dirty="0" err="1">
+                <a:solidFill>
+                  <a:schemeClr val="bg1"/>
+                </a:solidFill>
+                <a:latin typeface="Cabin Bold" panose="020B0604020202020204" charset="0"/>
+              </a:rPr>
+              <a:t>đơn</a:t>
+            </a:r>
+            <a:r>
+              <a:rPr lang="en-US" sz="2400" dirty="0">
+                <a:solidFill>
+                  <a:schemeClr val="bg1"/>
+                </a:solidFill>
+                <a:latin typeface="Cabin Bold" panose="020B0604020202020204" charset="0"/>
+              </a:rPr>
+              <a:t> </a:t>
+            </a:r>
+            <a:r>
+              <a:rPr lang="en-US" sz="2400" dirty="0" err="1">
+                <a:solidFill>
+                  <a:schemeClr val="bg1"/>
+                </a:solidFill>
+                <a:latin typeface="Cabin Bold" panose="020B0604020202020204" charset="0"/>
+              </a:rPr>
+              <a:t>đến</a:t>
+            </a:r>
+            <a:r>
+              <a:rPr lang="en-US" sz="2400" dirty="0">
+                <a:solidFill>
+                  <a:schemeClr val="bg1"/>
+                </a:solidFill>
+                <a:latin typeface="Cabin Bold" panose="020B0604020202020204" charset="0"/>
+              </a:rPr>
+              <a:t> </a:t>
+            </a:r>
+            <a:r>
+              <a:rPr lang="en-US" sz="2400" dirty="0" err="1">
+                <a:solidFill>
+                  <a:schemeClr val="bg1"/>
+                </a:solidFill>
+                <a:latin typeface="Cabin Bold" panose="020B0604020202020204" charset="0"/>
+              </a:rPr>
+              <a:t>khách</a:t>
+            </a:r>
+            <a:r>
+              <a:rPr lang="en-US" sz="2400" dirty="0">
+                <a:solidFill>
+                  <a:schemeClr val="bg1"/>
+                </a:solidFill>
+                <a:latin typeface="Cabin Bold" panose="020B0604020202020204" charset="0"/>
+              </a:rPr>
+              <a:t> </a:t>
+            </a:r>
+            <a:r>
+              <a:rPr lang="en-US" sz="2400" dirty="0" err="1">
+                <a:solidFill>
+                  <a:schemeClr val="bg1"/>
+                </a:solidFill>
+                <a:latin typeface="Cabin Bold" panose="020B0604020202020204" charset="0"/>
+              </a:rPr>
+              <a:t>thuê</a:t>
+            </a:r>
+            <a:r>
+              <a:rPr lang="en-US" sz="2400" dirty="0">
+                <a:solidFill>
+                  <a:schemeClr val="bg1"/>
+                </a:solidFill>
+                <a:latin typeface="Cabin Bold" panose="020B0604020202020204" charset="0"/>
+              </a:rPr>
+              <a:t> </a:t>
+            </a:r>
+            <a:r>
+              <a:rPr lang="en-US" sz="2400" dirty="0" err="1">
+                <a:solidFill>
+                  <a:schemeClr val="bg1"/>
+                </a:solidFill>
+                <a:latin typeface="Cabin Bold" panose="020B0604020202020204" charset="0"/>
+              </a:rPr>
+              <a:t>tự</a:t>
+            </a:r>
+            <a:r>
+              <a:rPr lang="en-US" sz="2400" dirty="0">
+                <a:solidFill>
+                  <a:schemeClr val="bg1"/>
+                </a:solidFill>
+                <a:latin typeface="Cabin Bold" panose="020B0604020202020204" charset="0"/>
+              </a:rPr>
+              <a:t> </a:t>
+            </a:r>
+            <a:r>
+              <a:rPr lang="en-US" sz="2400" dirty="0" err="1">
+                <a:solidFill>
+                  <a:schemeClr val="bg1"/>
+                </a:solidFill>
+                <a:latin typeface="Cabin Bold" panose="020B0604020202020204" charset="0"/>
+              </a:rPr>
+              <a:t>động</a:t>
+            </a:r>
+            <a:endParaRPr lang="en-US" sz="2400" dirty="0">
+              <a:solidFill>
+                <a:schemeClr val="bg1"/>
+              </a:solidFill>
+              <a:latin typeface="Cabin Bold" panose="020B0604020202020204" charset="0"/>
+            </a:endParaRPr>
+          </a:p>
+          <a:p>
+            <a:endParaRPr lang="en-US" sz="2400" dirty="0">
+              <a:solidFill>
+                <a:schemeClr val="bg1"/>
+              </a:solidFill>
+              <a:latin typeface="Cabin Bold" panose="020B0604020202020204" charset="0"/>
+            </a:endParaRPr>
+          </a:p>
+          <a:p>
+            <a:r>
+              <a:rPr lang="en-US" sz="2400" dirty="0">
+                <a:solidFill>
+                  <a:schemeClr val="bg1"/>
+                </a:solidFill>
+                <a:latin typeface="Cabin Bold" panose="020B0604020202020204" charset="0"/>
+              </a:rPr>
+              <a:t>+ H</a:t>
+            </a:r>
+            <a:r>
+              <a:rPr lang="vi-VN" sz="2400" dirty="0">
+                <a:solidFill>
+                  <a:schemeClr val="bg1"/>
+                </a:solidFill>
+                <a:latin typeface="Cabin Bold" panose="020B0604020202020204" charset="0"/>
+              </a:rPr>
+              <a:t>ệ thông báo cáo hàng tháng tự động người dùng không cần vào hệ thống</a:t>
+            </a:r>
+          </a:p>
+        </p:txBody>
+      </p:sp>
+      <p:sp>
+        <p:nvSpPr>
+          <p:cNvPr id="14" name="TextBox 13">
+            <a:extLst>
+              <a:ext uri="{FF2B5EF4-FFF2-40B4-BE49-F238E27FC236}">
+                <a16:creationId xmlns:a16="http://schemas.microsoft.com/office/drawing/2014/main" id="{FD4A1CB1-DF36-BF5D-96E8-ABC38B2E3256}"/>
+              </a:ext>
+            </a:extLst>
+          </p:cNvPr>
+          <p:cNvSpPr txBox="1"/>
+          <p:nvPr/>
+        </p:nvSpPr>
+        <p:spPr>
+          <a:xfrm>
+            <a:off x="6896100" y="7658100"/>
+            <a:ext cx="10325100" cy="1200329"/>
+          </a:xfrm>
+          <a:prstGeom prst="rect">
+            <a:avLst/>
+          </a:prstGeom>
+          <a:noFill/>
+        </p:spPr>
+        <p:txBody>
+          <a:bodyPr wrap="square" rtlCol="0">
+            <a:spAutoFit/>
+          </a:bodyPr>
+          <a:lstStyle/>
+          <a:p>
+            <a:r>
+              <a:rPr lang="en-US" sz="2400" dirty="0">
+                <a:solidFill>
+                  <a:schemeClr val="bg1"/>
+                </a:solidFill>
+                <a:latin typeface="Cabin Bold" panose="020B0604020202020204" charset="0"/>
+              </a:rPr>
+              <a:t>+ </a:t>
+            </a:r>
+            <a:r>
+              <a:rPr lang="en-US" sz="2400" dirty="0" err="1">
+                <a:solidFill>
+                  <a:schemeClr val="bg1"/>
+                </a:solidFill>
+                <a:latin typeface="Cabin Bold" panose="020B0604020202020204" charset="0"/>
+              </a:rPr>
+              <a:t>Hệ</a:t>
+            </a:r>
+            <a:r>
+              <a:rPr lang="en-US" sz="2400" dirty="0">
+                <a:solidFill>
+                  <a:schemeClr val="bg1"/>
+                </a:solidFill>
+                <a:latin typeface="Cabin Bold" panose="020B0604020202020204" charset="0"/>
+              </a:rPr>
+              <a:t> </a:t>
+            </a:r>
+            <a:r>
+              <a:rPr lang="en-US" sz="2400" dirty="0" err="1">
+                <a:solidFill>
+                  <a:schemeClr val="bg1"/>
+                </a:solidFill>
+                <a:latin typeface="Cabin Bold" panose="020B0604020202020204" charset="0"/>
+              </a:rPr>
+              <a:t>thống</a:t>
+            </a:r>
+            <a:r>
+              <a:rPr lang="en-US" sz="2400" dirty="0">
+                <a:solidFill>
+                  <a:schemeClr val="bg1"/>
+                </a:solidFill>
+                <a:latin typeface="Cabin Bold" panose="020B0604020202020204" charset="0"/>
+              </a:rPr>
+              <a:t> </a:t>
+            </a:r>
+            <a:r>
+              <a:rPr lang="en-US" sz="2400" dirty="0" err="1">
+                <a:solidFill>
+                  <a:schemeClr val="bg1"/>
+                </a:solidFill>
+                <a:latin typeface="Cabin Bold" panose="020B0604020202020204" charset="0"/>
+              </a:rPr>
+              <a:t>xác</a:t>
+            </a:r>
+            <a:r>
+              <a:rPr lang="en-US" sz="2400" dirty="0">
+                <a:solidFill>
+                  <a:schemeClr val="bg1"/>
+                </a:solidFill>
+                <a:latin typeface="Cabin Bold" panose="020B0604020202020204" charset="0"/>
+              </a:rPr>
+              <a:t> </a:t>
+            </a:r>
+            <a:r>
+              <a:rPr lang="en-US" sz="2400" dirty="0" err="1">
+                <a:solidFill>
+                  <a:schemeClr val="bg1"/>
+                </a:solidFill>
+                <a:latin typeface="Cabin Bold" panose="020B0604020202020204" charset="0"/>
+              </a:rPr>
+              <a:t>nhận</a:t>
+            </a:r>
+            <a:r>
+              <a:rPr lang="en-US" sz="2400" dirty="0">
+                <a:solidFill>
+                  <a:schemeClr val="bg1"/>
+                </a:solidFill>
+                <a:latin typeface="Cabin Bold" panose="020B0604020202020204" charset="0"/>
+              </a:rPr>
+              <a:t> </a:t>
+            </a:r>
+            <a:r>
+              <a:rPr lang="en-US" sz="2400" dirty="0" err="1">
+                <a:solidFill>
+                  <a:schemeClr val="bg1"/>
+                </a:solidFill>
+                <a:latin typeface="Cabin Bold" panose="020B0604020202020204" charset="0"/>
+              </a:rPr>
+              <a:t>thanh</a:t>
+            </a:r>
+            <a:r>
+              <a:rPr lang="en-US" sz="2400" dirty="0">
+                <a:solidFill>
+                  <a:schemeClr val="bg1"/>
+                </a:solidFill>
+                <a:latin typeface="Cabin Bold" panose="020B0604020202020204" charset="0"/>
+              </a:rPr>
+              <a:t> </a:t>
+            </a:r>
+            <a:r>
+              <a:rPr lang="en-US" sz="2400" dirty="0" err="1">
+                <a:solidFill>
+                  <a:schemeClr val="bg1"/>
+                </a:solidFill>
+                <a:latin typeface="Cabin Bold" panose="020B0604020202020204" charset="0"/>
+              </a:rPr>
+              <a:t>toán</a:t>
+            </a:r>
+            <a:r>
+              <a:rPr lang="en-US" sz="2400" dirty="0">
+                <a:solidFill>
+                  <a:schemeClr val="bg1"/>
+                </a:solidFill>
+                <a:latin typeface="Cabin Bold" panose="020B0604020202020204" charset="0"/>
+              </a:rPr>
+              <a:t> </a:t>
+            </a:r>
+            <a:r>
+              <a:rPr lang="en-US" sz="2400" dirty="0" err="1">
+                <a:solidFill>
+                  <a:schemeClr val="bg1"/>
+                </a:solidFill>
+                <a:latin typeface="Cabin Bold" panose="020B0604020202020204" charset="0"/>
+              </a:rPr>
+              <a:t>tự</a:t>
+            </a:r>
+            <a:r>
+              <a:rPr lang="en-US" sz="2400" dirty="0">
+                <a:solidFill>
+                  <a:schemeClr val="bg1"/>
+                </a:solidFill>
+                <a:latin typeface="Cabin Bold" panose="020B0604020202020204" charset="0"/>
+              </a:rPr>
+              <a:t> </a:t>
+            </a:r>
+            <a:r>
+              <a:rPr lang="en-US" sz="2400" dirty="0" err="1">
+                <a:solidFill>
+                  <a:schemeClr val="bg1"/>
+                </a:solidFill>
+                <a:latin typeface="Cabin Bold" panose="020B0604020202020204" charset="0"/>
+              </a:rPr>
+              <a:t>động</a:t>
+            </a:r>
+            <a:endParaRPr lang="en-US" sz="2400" dirty="0">
+              <a:solidFill>
+                <a:schemeClr val="bg1"/>
+              </a:solidFill>
+              <a:latin typeface="Cabin Bold" panose="020B0604020202020204" charset="0"/>
+            </a:endParaRPr>
+          </a:p>
+          <a:p>
+            <a:endParaRPr lang="en-US" sz="2400" dirty="0">
+              <a:solidFill>
+                <a:schemeClr val="bg1"/>
+              </a:solidFill>
+              <a:latin typeface="Cabin Bold" panose="020B0604020202020204" charset="0"/>
+            </a:endParaRPr>
+          </a:p>
+          <a:p>
+            <a:r>
+              <a:rPr lang="en-US" sz="2400" dirty="0">
+                <a:solidFill>
+                  <a:schemeClr val="bg1"/>
+                </a:solidFill>
+                <a:latin typeface="Cabin Bold" panose="020B0604020202020204" charset="0"/>
+              </a:rPr>
+              <a:t>+ H</a:t>
+            </a:r>
+            <a:r>
+              <a:rPr lang="vi-VN" sz="2400" dirty="0">
+                <a:solidFill>
+                  <a:schemeClr val="bg1"/>
+                </a:solidFill>
+                <a:latin typeface="Cabin Bold" panose="020B0604020202020204" charset="0"/>
+              </a:rPr>
+              <a:t>ệ thống quét ảnh để ra các thông tin số dịch vụ mới như số điện, nước</a:t>
+            </a:r>
+          </a:p>
+        </p:txBody>
+      </p:sp>
     </p:spTree>
   </p:cSld>
   <p:clrMapOvr>

--- a/Tài liệu/Bài thuyết trình doanh nghiệp Đề xuất nghiên cứu Phong cách khối màu Sắc màu Xanh dương Đen.pptx
+++ b/Tài liệu/Bài thuyết trình doanh nghiệp Đề xuất nghiên cứu Phong cách khối màu Sắc màu Xanh dương Đen.pptx
@@ -4,6 +4,9 @@
   <p:sldMasterIdLst>
     <p:sldMasterId id="2147483648" r:id="rId1"/>
   </p:sldMasterIdLst>
+  <p:notesMasterIdLst>
+    <p:notesMasterId r:id="rId8"/>
+  </p:notesMasterIdLst>
   <p:sldIdLst>
     <p:sldId id="256" r:id="rId2"/>
     <p:sldId id="257" r:id="rId3"/>
@@ -17,22 +20,29 @@
   <p:embeddedFontLst>
     <p:embeddedFont>
       <p:font typeface="Cabin" panose="020B0604020202020204" charset="0"/>
-      <p:regular r:id="rId8"/>
-    </p:embeddedFont>
-    <p:embeddedFont>
-      <p:font typeface="Cabin Bold" panose="020B0604020202020204" charset="0"/>
       <p:regular r:id="rId9"/>
     </p:embeddedFont>
     <p:embeddedFont>
-      <p:font typeface="Montserrat" panose="00000500000000000000" pitchFamily="2" charset="0"/>
+      <p:font typeface="Calibri" panose="020F0502020204030204" pitchFamily="34" charset="0"/>
       <p:regular r:id="rId10"/>
       <p:bold r:id="rId11"/>
       <p:italic r:id="rId12"/>
       <p:boldItalic r:id="rId13"/>
     </p:embeddedFont>
     <p:embeddedFont>
-      <p:font typeface="Montserrat Bold" panose="00000800000000000000" charset="0"/>
+      <p:font typeface="Cabin Bold" panose="020B0604020202020204" charset="0"/>
       <p:regular r:id="rId14"/>
+    </p:embeddedFont>
+    <p:embeddedFont>
+      <p:font typeface="Montserrat" panose="020B0604020202020204" charset="0"/>
+      <p:regular r:id="rId15"/>
+      <p:bold r:id="rId16"/>
+      <p:italic r:id="rId17"/>
+      <p:boldItalic r:id="rId18"/>
+    </p:embeddedFont>
+    <p:embeddedFont>
+      <p:font typeface="Montserrat Bold" panose="020B0604020202020204" charset="0"/>
+      <p:regular r:id="rId19"/>
     </p:embeddedFont>
   </p:embeddedFontLst>
   <p:defaultTextStyle>
@@ -149,6 +159,440 @@
 </p:presentation>
 </file>
 
+<file path=ppt/notesMasters/notesMaster1.xml><?xml version="1.0" encoding="utf-8"?>
+<p:notesMaster xmlns:a="http://schemas.openxmlformats.org/drawingml/2006/main" xmlns:r="http://schemas.openxmlformats.org/officeDocument/2006/relationships" xmlns:p="http://schemas.openxmlformats.org/presentationml/2006/main">
+  <p:cSld>
+    <p:bg>
+      <p:bgRef idx="1001">
+        <a:schemeClr val="bg1"/>
+      </p:bgRef>
+    </p:bg>
+    <p:spTree>
+      <p:nvGrpSpPr>
+        <p:cNvPr id="1" name=""/>
+        <p:cNvGrpSpPr/>
+        <p:nvPr/>
+      </p:nvGrpSpPr>
+      <p:grpSpPr>
+        <a:xfrm>
+          <a:off x="0" y="0"/>
+          <a:ext cx="0" cy="0"/>
+          <a:chOff x="0" y="0"/>
+          <a:chExt cx="0" cy="0"/>
+        </a:xfrm>
+      </p:grpSpPr>
+      <p:sp>
+        <p:nvSpPr>
+          <p:cNvPr id="2" name="Header Placeholder 1"/>
+          <p:cNvSpPr>
+            <a:spLocks noGrp="1"/>
+          </p:cNvSpPr>
+          <p:nvPr>
+            <p:ph type="hdr" sz="quarter"/>
+          </p:nvPr>
+        </p:nvSpPr>
+        <p:spPr>
+          <a:xfrm>
+            <a:off x="0" y="0"/>
+            <a:ext cx="2971800" cy="458788"/>
+          </a:xfrm>
+          <a:prstGeom prst="rect">
+            <a:avLst/>
+          </a:prstGeom>
+        </p:spPr>
+        <p:txBody>
+          <a:bodyPr vert="horz" lIns="91440" tIns="45720" rIns="91440" bIns="45720" rtlCol="0"/>
+          <a:lstStyle>
+            <a:lvl1pPr algn="l">
+              <a:defRPr sz="1200"/>
+            </a:lvl1pPr>
+          </a:lstStyle>
+          <a:p>
+            <a:endParaRPr lang="en-US"/>
+          </a:p>
+        </p:txBody>
+      </p:sp>
+      <p:sp>
+        <p:nvSpPr>
+          <p:cNvPr id="3" name="Date Placeholder 2"/>
+          <p:cNvSpPr>
+            <a:spLocks noGrp="1"/>
+          </p:cNvSpPr>
+          <p:nvPr>
+            <p:ph type="dt" idx="1"/>
+          </p:nvPr>
+        </p:nvSpPr>
+        <p:spPr>
+          <a:xfrm>
+            <a:off x="3884613" y="0"/>
+            <a:ext cx="2971800" cy="458788"/>
+          </a:xfrm>
+          <a:prstGeom prst="rect">
+            <a:avLst/>
+          </a:prstGeom>
+        </p:spPr>
+        <p:txBody>
+          <a:bodyPr vert="horz" lIns="91440" tIns="45720" rIns="91440" bIns="45720" rtlCol="0"/>
+          <a:lstStyle>
+            <a:lvl1pPr algn="r">
+              <a:defRPr sz="1200"/>
+            </a:lvl1pPr>
+          </a:lstStyle>
+          <a:p>
+            <a:fld id="{0713C7BE-39D2-454C-ACFC-68D74835887E}" type="datetimeFigureOut">
+              <a:rPr lang="en-US" smtClean="0"/>
+              <a:t>1/17/2025</a:t>
+            </a:fld>
+            <a:endParaRPr lang="en-US"/>
+          </a:p>
+        </p:txBody>
+      </p:sp>
+      <p:sp>
+        <p:nvSpPr>
+          <p:cNvPr id="4" name="Slide Image Placeholder 3"/>
+          <p:cNvSpPr>
+            <a:spLocks noGrp="1" noRot="1" noChangeAspect="1"/>
+          </p:cNvSpPr>
+          <p:nvPr>
+            <p:ph type="sldImg" idx="2"/>
+          </p:nvPr>
+        </p:nvSpPr>
+        <p:spPr>
+          <a:xfrm>
+            <a:off x="685800" y="1143000"/>
+            <a:ext cx="5486400" cy="3086100"/>
+          </a:xfrm>
+          <a:prstGeom prst="rect">
+            <a:avLst/>
+          </a:prstGeom>
+          <a:noFill/>
+          <a:ln w="12700">
+            <a:solidFill>
+              <a:prstClr val="black"/>
+            </a:solidFill>
+          </a:ln>
+        </p:spPr>
+        <p:txBody>
+          <a:bodyPr vert="horz" lIns="91440" tIns="45720" rIns="91440" bIns="45720" rtlCol="0" anchor="ctr"/>
+          <a:lstStyle/>
+          <a:p>
+            <a:endParaRPr lang="en-US"/>
+          </a:p>
+        </p:txBody>
+      </p:sp>
+      <p:sp>
+        <p:nvSpPr>
+          <p:cNvPr id="5" name="Notes Placeholder 4"/>
+          <p:cNvSpPr>
+            <a:spLocks noGrp="1"/>
+          </p:cNvSpPr>
+          <p:nvPr>
+            <p:ph type="body" sz="quarter" idx="3"/>
+          </p:nvPr>
+        </p:nvSpPr>
+        <p:spPr>
+          <a:xfrm>
+            <a:off x="685800" y="4400550"/>
+            <a:ext cx="5486400" cy="3600450"/>
+          </a:xfrm>
+          <a:prstGeom prst="rect">
+            <a:avLst/>
+          </a:prstGeom>
+        </p:spPr>
+        <p:txBody>
+          <a:bodyPr vert="horz" lIns="91440" tIns="45720" rIns="91440" bIns="45720" rtlCol="0"/>
+          <a:lstStyle/>
+          <a:p>
+            <a:pPr lvl="0"/>
+            <a:r>
+              <a:rPr lang="en-US" smtClean="0"/>
+              <a:t>Edit Master text styles</a:t>
+            </a:r>
+          </a:p>
+          <a:p>
+            <a:pPr lvl="1"/>
+            <a:r>
+              <a:rPr lang="en-US" smtClean="0"/>
+              <a:t>Second level</a:t>
+            </a:r>
+          </a:p>
+          <a:p>
+            <a:pPr lvl="2"/>
+            <a:r>
+              <a:rPr lang="en-US" smtClean="0"/>
+              <a:t>Third level</a:t>
+            </a:r>
+          </a:p>
+          <a:p>
+            <a:pPr lvl="3"/>
+            <a:r>
+              <a:rPr lang="en-US" smtClean="0"/>
+              <a:t>Fourth level</a:t>
+            </a:r>
+          </a:p>
+          <a:p>
+            <a:pPr lvl="4"/>
+            <a:r>
+              <a:rPr lang="en-US" smtClean="0"/>
+              <a:t>Fifth level</a:t>
+            </a:r>
+            <a:endParaRPr lang="en-US"/>
+          </a:p>
+        </p:txBody>
+      </p:sp>
+      <p:sp>
+        <p:nvSpPr>
+          <p:cNvPr id="6" name="Footer Placeholder 5"/>
+          <p:cNvSpPr>
+            <a:spLocks noGrp="1"/>
+          </p:cNvSpPr>
+          <p:nvPr>
+            <p:ph type="ftr" sz="quarter" idx="4"/>
+          </p:nvPr>
+        </p:nvSpPr>
+        <p:spPr>
+          <a:xfrm>
+            <a:off x="0" y="8685213"/>
+            <a:ext cx="2971800" cy="458787"/>
+          </a:xfrm>
+          <a:prstGeom prst="rect">
+            <a:avLst/>
+          </a:prstGeom>
+        </p:spPr>
+        <p:txBody>
+          <a:bodyPr vert="horz" lIns="91440" tIns="45720" rIns="91440" bIns="45720" rtlCol="0" anchor="b"/>
+          <a:lstStyle>
+            <a:lvl1pPr algn="l">
+              <a:defRPr sz="1200"/>
+            </a:lvl1pPr>
+          </a:lstStyle>
+          <a:p>
+            <a:endParaRPr lang="en-US"/>
+          </a:p>
+        </p:txBody>
+      </p:sp>
+      <p:sp>
+        <p:nvSpPr>
+          <p:cNvPr id="7" name="Slide Number Placeholder 6"/>
+          <p:cNvSpPr>
+            <a:spLocks noGrp="1"/>
+          </p:cNvSpPr>
+          <p:nvPr>
+            <p:ph type="sldNum" sz="quarter" idx="5"/>
+          </p:nvPr>
+        </p:nvSpPr>
+        <p:spPr>
+          <a:xfrm>
+            <a:off x="3884613" y="8685213"/>
+            <a:ext cx="2971800" cy="458787"/>
+          </a:xfrm>
+          <a:prstGeom prst="rect">
+            <a:avLst/>
+          </a:prstGeom>
+        </p:spPr>
+        <p:txBody>
+          <a:bodyPr vert="horz" lIns="91440" tIns="45720" rIns="91440" bIns="45720" rtlCol="0" anchor="b"/>
+          <a:lstStyle>
+            <a:lvl1pPr algn="r">
+              <a:defRPr sz="1200"/>
+            </a:lvl1pPr>
+          </a:lstStyle>
+          <a:p>
+            <a:fld id="{1F843A09-DBB8-4FE5-970B-7373D0E003FE}" type="slidenum">
+              <a:rPr lang="en-US" smtClean="0"/>
+              <a:t>‹#›</a:t>
+            </a:fld>
+            <a:endParaRPr lang="en-US"/>
+          </a:p>
+        </p:txBody>
+      </p:sp>
+    </p:spTree>
+    <p:extLst>
+      <p:ext uri="{BB962C8B-B14F-4D97-AF65-F5344CB8AC3E}">
+        <p14:creationId xmlns:p14="http://schemas.microsoft.com/office/powerpoint/2010/main" val="2972378393"/>
+      </p:ext>
+    </p:extLst>
+  </p:cSld>
+  <p:clrMap bg1="lt1" tx1="dk1" bg2="lt2" tx2="dk2" accent1="accent1" accent2="accent2" accent3="accent3" accent4="accent4" accent5="accent5" accent6="accent6" hlink="hlink" folHlink="folHlink"/>
+  <p:notesStyle>
+    <a:lvl1pPr marL="0" algn="l" defTabSz="914400" rtl="0" eaLnBrk="1" latinLnBrk="0" hangingPunct="1">
+      <a:defRPr sz="1200" kern="1200">
+        <a:solidFill>
+          <a:schemeClr val="tx1"/>
+        </a:solidFill>
+        <a:latin typeface="+mn-lt"/>
+        <a:ea typeface="+mn-ea"/>
+        <a:cs typeface="+mn-cs"/>
+      </a:defRPr>
+    </a:lvl1pPr>
+    <a:lvl2pPr marL="457200" algn="l" defTabSz="914400" rtl="0" eaLnBrk="1" latinLnBrk="0" hangingPunct="1">
+      <a:defRPr sz="1200" kern="1200">
+        <a:solidFill>
+          <a:schemeClr val="tx1"/>
+        </a:solidFill>
+        <a:latin typeface="+mn-lt"/>
+        <a:ea typeface="+mn-ea"/>
+        <a:cs typeface="+mn-cs"/>
+      </a:defRPr>
+    </a:lvl2pPr>
+    <a:lvl3pPr marL="914400" algn="l" defTabSz="914400" rtl="0" eaLnBrk="1" latinLnBrk="0" hangingPunct="1">
+      <a:defRPr sz="1200" kern="1200">
+        <a:solidFill>
+          <a:schemeClr val="tx1"/>
+        </a:solidFill>
+        <a:latin typeface="+mn-lt"/>
+        <a:ea typeface="+mn-ea"/>
+        <a:cs typeface="+mn-cs"/>
+      </a:defRPr>
+    </a:lvl3pPr>
+    <a:lvl4pPr marL="1371600" algn="l" defTabSz="914400" rtl="0" eaLnBrk="1" latinLnBrk="0" hangingPunct="1">
+      <a:defRPr sz="1200" kern="1200">
+        <a:solidFill>
+          <a:schemeClr val="tx1"/>
+        </a:solidFill>
+        <a:latin typeface="+mn-lt"/>
+        <a:ea typeface="+mn-ea"/>
+        <a:cs typeface="+mn-cs"/>
+      </a:defRPr>
+    </a:lvl4pPr>
+    <a:lvl5pPr marL="1828800" algn="l" defTabSz="914400" rtl="0" eaLnBrk="1" latinLnBrk="0" hangingPunct="1">
+      <a:defRPr sz="1200" kern="1200">
+        <a:solidFill>
+          <a:schemeClr val="tx1"/>
+        </a:solidFill>
+        <a:latin typeface="+mn-lt"/>
+        <a:ea typeface="+mn-ea"/>
+        <a:cs typeface="+mn-cs"/>
+      </a:defRPr>
+    </a:lvl5pPr>
+    <a:lvl6pPr marL="2286000" algn="l" defTabSz="914400" rtl="0" eaLnBrk="1" latinLnBrk="0" hangingPunct="1">
+      <a:defRPr sz="1200" kern="1200">
+        <a:solidFill>
+          <a:schemeClr val="tx1"/>
+        </a:solidFill>
+        <a:latin typeface="+mn-lt"/>
+        <a:ea typeface="+mn-ea"/>
+        <a:cs typeface="+mn-cs"/>
+      </a:defRPr>
+    </a:lvl6pPr>
+    <a:lvl7pPr marL="2743200" algn="l" defTabSz="914400" rtl="0" eaLnBrk="1" latinLnBrk="0" hangingPunct="1">
+      <a:defRPr sz="1200" kern="1200">
+        <a:solidFill>
+          <a:schemeClr val="tx1"/>
+        </a:solidFill>
+        <a:latin typeface="+mn-lt"/>
+        <a:ea typeface="+mn-ea"/>
+        <a:cs typeface="+mn-cs"/>
+      </a:defRPr>
+    </a:lvl7pPr>
+    <a:lvl8pPr marL="3200400" algn="l" defTabSz="914400" rtl="0" eaLnBrk="1" latinLnBrk="0" hangingPunct="1">
+      <a:defRPr sz="1200" kern="1200">
+        <a:solidFill>
+          <a:schemeClr val="tx1"/>
+        </a:solidFill>
+        <a:latin typeface="+mn-lt"/>
+        <a:ea typeface="+mn-ea"/>
+        <a:cs typeface="+mn-cs"/>
+      </a:defRPr>
+    </a:lvl8pPr>
+    <a:lvl9pPr marL="3657600" algn="l" defTabSz="914400" rtl="0" eaLnBrk="1" latinLnBrk="0" hangingPunct="1">
+      <a:defRPr sz="1200" kern="1200">
+        <a:solidFill>
+          <a:schemeClr val="tx1"/>
+        </a:solidFill>
+        <a:latin typeface="+mn-lt"/>
+        <a:ea typeface="+mn-ea"/>
+        <a:cs typeface="+mn-cs"/>
+      </a:defRPr>
+    </a:lvl9pPr>
+  </p:notesStyle>
+</p:notesMaster>
+</file>
+
+<file path=ppt/notesSlides/notesSlide1.xml><?xml version="1.0" encoding="utf-8"?>
+<p:notes xmlns:a="http://schemas.openxmlformats.org/drawingml/2006/main" xmlns:r="http://schemas.openxmlformats.org/officeDocument/2006/relationships" xmlns:p="http://schemas.openxmlformats.org/presentationml/2006/main">
+  <p:cSld>
+    <p:spTree>
+      <p:nvGrpSpPr>
+        <p:cNvPr id="1" name=""/>
+        <p:cNvGrpSpPr/>
+        <p:nvPr/>
+      </p:nvGrpSpPr>
+      <p:grpSpPr>
+        <a:xfrm>
+          <a:off x="0" y="0"/>
+          <a:ext cx="0" cy="0"/>
+          <a:chOff x="0" y="0"/>
+          <a:chExt cx="0" cy="0"/>
+        </a:xfrm>
+      </p:grpSpPr>
+      <p:sp>
+        <p:nvSpPr>
+          <p:cNvPr id="2" name="Slide Image Placeholder 1"/>
+          <p:cNvSpPr>
+            <a:spLocks noGrp="1" noRot="1" noChangeAspect="1"/>
+          </p:cNvSpPr>
+          <p:nvPr>
+            <p:ph type="sldImg"/>
+          </p:nvPr>
+        </p:nvSpPr>
+        <p:spPr/>
+      </p:sp>
+      <p:sp>
+        <p:nvSpPr>
+          <p:cNvPr id="3" name="Notes Placeholder 2"/>
+          <p:cNvSpPr>
+            <a:spLocks noGrp="1"/>
+          </p:cNvSpPr>
+          <p:nvPr>
+            <p:ph type="body" idx="1"/>
+          </p:nvPr>
+        </p:nvSpPr>
+        <p:spPr/>
+        <p:txBody>
+          <a:bodyPr/>
+          <a:lstStyle/>
+          <a:p>
+            <a:endParaRPr lang="en-US" dirty="0"/>
+          </a:p>
+        </p:txBody>
+      </p:sp>
+      <p:sp>
+        <p:nvSpPr>
+          <p:cNvPr id="4" name="Slide Number Placeholder 3"/>
+          <p:cNvSpPr>
+            <a:spLocks noGrp="1"/>
+          </p:cNvSpPr>
+          <p:nvPr>
+            <p:ph type="sldNum" sz="quarter" idx="10"/>
+          </p:nvPr>
+        </p:nvSpPr>
+        <p:spPr/>
+        <p:txBody>
+          <a:bodyPr/>
+          <a:lstStyle/>
+          <a:p>
+            <a:fld id="{1F843A09-DBB8-4FE5-970B-7373D0E003FE}" type="slidenum">
+              <a:rPr lang="en-US" smtClean="0"/>
+              <a:t>1</a:t>
+            </a:fld>
+            <a:endParaRPr lang="en-US"/>
+          </a:p>
+        </p:txBody>
+      </p:sp>
+    </p:spTree>
+    <p:extLst>
+      <p:ext uri="{BB962C8B-B14F-4D97-AF65-F5344CB8AC3E}">
+        <p14:creationId xmlns:p14="http://schemas.microsoft.com/office/powerpoint/2010/main" val="3283258530"/>
+      </p:ext>
+    </p:extLst>
+  </p:cSld>
+  <p:clrMapOvr>
+    <a:masterClrMapping/>
+  </p:clrMapOvr>
+</p:notes>
+</file>
+
 <file path=ppt/slideLayouts/slideLayout1.xml><?xml version="1.0" encoding="utf-8"?>
 <p:sldLayout xmlns:a="http://schemas.openxmlformats.org/drawingml/2006/main" xmlns:r="http://schemas.openxmlformats.org/officeDocument/2006/relationships" xmlns:p="http://schemas.openxmlformats.org/presentationml/2006/main" type="title" preserve="1">
   <p:cSld name="Title Slide">
@@ -329,7 +773,7 @@
             <a:fld id="{1D8BD707-D9CF-40AE-B4C6-C98DA3205C09}" type="datetimeFigureOut">
               <a:rPr lang="en-US" smtClean="0"/>
               <a:pPr/>
-              <a:t>1/8/2025</a:t>
+              <a:t>1/17/2025</a:t>
             </a:fld>
             <a:endParaRPr lang="en-US"/>
           </a:p>
@@ -494,7 +938,7 @@
             <a:fld id="{1D8BD707-D9CF-40AE-B4C6-C98DA3205C09}" type="datetimeFigureOut">
               <a:rPr lang="en-US" smtClean="0"/>
               <a:pPr/>
-              <a:t>1/8/2025</a:t>
+              <a:t>1/17/2025</a:t>
             </a:fld>
             <a:endParaRPr lang="en-US"/>
           </a:p>
@@ -669,7 +1113,7 @@
             <a:fld id="{1D8BD707-D9CF-40AE-B4C6-C98DA3205C09}" type="datetimeFigureOut">
               <a:rPr lang="en-US" smtClean="0"/>
               <a:pPr/>
-              <a:t>1/8/2025</a:t>
+              <a:t>1/17/2025</a:t>
             </a:fld>
             <a:endParaRPr lang="en-US"/>
           </a:p>
@@ -834,7 +1278,7 @@
             <a:fld id="{1D8BD707-D9CF-40AE-B4C6-C98DA3205C09}" type="datetimeFigureOut">
               <a:rPr lang="en-US" smtClean="0"/>
               <a:pPr/>
-              <a:t>1/8/2025</a:t>
+              <a:t>1/17/2025</a:t>
             </a:fld>
             <a:endParaRPr lang="en-US"/>
           </a:p>
@@ -1076,7 +1520,7 @@
             <a:fld id="{1D8BD707-D9CF-40AE-B4C6-C98DA3205C09}" type="datetimeFigureOut">
               <a:rPr lang="en-US" smtClean="0"/>
               <a:pPr/>
-              <a:t>1/8/2025</a:t>
+              <a:t>1/17/2025</a:t>
             </a:fld>
             <a:endParaRPr lang="en-US"/>
           </a:p>
@@ -1358,7 +1802,7 @@
             <a:fld id="{1D8BD707-D9CF-40AE-B4C6-C98DA3205C09}" type="datetimeFigureOut">
               <a:rPr lang="en-US" smtClean="0"/>
               <a:pPr/>
-              <a:t>1/8/2025</a:t>
+              <a:t>1/17/2025</a:t>
             </a:fld>
             <a:endParaRPr lang="en-US"/>
           </a:p>
@@ -1774,7 +2218,7 @@
             <a:fld id="{1D8BD707-D9CF-40AE-B4C6-C98DA3205C09}" type="datetimeFigureOut">
               <a:rPr lang="en-US" smtClean="0"/>
               <a:pPr/>
-              <a:t>1/8/2025</a:t>
+              <a:t>1/17/2025</a:t>
             </a:fld>
             <a:endParaRPr lang="en-US"/>
           </a:p>
@@ -1888,7 +2332,7 @@
             <a:fld id="{1D8BD707-D9CF-40AE-B4C6-C98DA3205C09}" type="datetimeFigureOut">
               <a:rPr lang="en-US" smtClean="0"/>
               <a:pPr/>
-              <a:t>1/8/2025</a:t>
+              <a:t>1/17/2025</a:t>
             </a:fld>
             <a:endParaRPr lang="en-US"/>
           </a:p>
@@ -1980,7 +2424,7 @@
             <a:fld id="{1D8BD707-D9CF-40AE-B4C6-C98DA3205C09}" type="datetimeFigureOut">
               <a:rPr lang="en-US" smtClean="0"/>
               <a:pPr/>
-              <a:t>1/8/2025</a:t>
+              <a:t>1/17/2025</a:t>
             </a:fld>
             <a:endParaRPr lang="en-US"/>
           </a:p>
@@ -2252,7 +2696,7 @@
             <a:fld id="{1D8BD707-D9CF-40AE-B4C6-C98DA3205C09}" type="datetimeFigureOut">
               <a:rPr lang="en-US" smtClean="0"/>
               <a:pPr/>
-              <a:t>1/8/2025</a:t>
+              <a:t>1/17/2025</a:t>
             </a:fld>
             <a:endParaRPr lang="en-US"/>
           </a:p>
@@ -2501,7 +2945,7 @@
             <a:fld id="{1D8BD707-D9CF-40AE-B4C6-C98DA3205C09}" type="datetimeFigureOut">
               <a:rPr lang="en-US" smtClean="0"/>
               <a:pPr/>
-              <a:t>1/8/2025</a:t>
+              <a:t>1/17/2025</a:t>
             </a:fld>
             <a:endParaRPr lang="en-US"/>
           </a:p>
@@ -2709,7 +3153,7 @@
             <a:fld id="{1D8BD707-D9CF-40AE-B4C6-C98DA3205C09}" type="datetimeFigureOut">
               <a:rPr lang="en-US" smtClean="0"/>
               <a:pPr/>
-              <a:t>1/8/2025</a:t>
+              <a:t>1/17/2025</a:t>
             </a:fld>
             <a:endParaRPr lang="en-US"/>
           </a:p>
@@ -3194,7 +3638,7 @@
             <p:nvPr/>
           </p:nvPicPr>
           <p:blipFill>
-            <a:blip r:embed="rId2"/>
+            <a:blip r:embed="rId3"/>
             <a:srcRect l="19308" r="19308"/>
             <a:stretch>
               <a:fillRect/>
@@ -3302,10 +3746,10 @@
         </p:nvGrpSpPr>
         <p:grpSpPr>
           <a:xfrm>
-            <a:off x="2249542" y="1028700"/>
-            <a:ext cx="9135626" cy="5213673"/>
-            <a:chOff x="0" y="0"/>
-            <a:chExt cx="12180835" cy="6951564"/>
+            <a:off x="2249542" y="971550"/>
+            <a:ext cx="9135626" cy="5939762"/>
+            <a:chOff x="0" y="-76200"/>
+            <a:chExt cx="12180835" cy="7919682"/>
           </a:xfrm>
         </p:grpSpPr>
         <p:sp>
@@ -3357,8 +3801,8 @@
           </p:nvSpPr>
           <p:spPr>
             <a:xfrm>
-              <a:off x="0" y="3996274"/>
-              <a:ext cx="9276196" cy="2955502"/>
+              <a:off x="0" y="3996275"/>
+              <a:ext cx="9276196" cy="3847207"/>
             </a:xfrm>
             <a:prstGeom prst="rect">
               <a:avLst/>
@@ -3376,7 +3820,7 @@
                 </a:lnSpc>
               </a:pPr>
               <a:r>
-                <a:rPr lang="en-US" sz="3199">
+                <a:rPr lang="en-US" sz="3199" dirty="0">
                   <a:solidFill>
                     <a:srgbClr val="FFFFFF"/>
                   </a:solidFill>
@@ -3385,8 +3829,785 @@
                   <a:cs typeface="Cabin"/>
                   <a:sym typeface="Cabin"/>
                 </a:rPr>
-                <a:t>Website quản lý nhà trọ cung cấp các chức năng chính như: quản lý phòng, hợp đồng, hoá đơn và tính tiền phòng hàng tháng</a:t>
-              </a:r>
+                <a:t>Website </a:t>
+              </a:r>
+              <a:r>
+                <a:rPr lang="en-US" sz="3199" dirty="0" err="1">
+                  <a:solidFill>
+                    <a:srgbClr val="FFFFFF"/>
+                  </a:solidFill>
+                  <a:latin typeface="Cabin"/>
+                  <a:ea typeface="Cabin"/>
+                  <a:cs typeface="Cabin"/>
+                  <a:sym typeface="Cabin"/>
+                </a:rPr>
+                <a:t>quản</a:t>
+              </a:r>
+              <a:r>
+                <a:rPr lang="en-US" sz="3199" dirty="0">
+                  <a:solidFill>
+                    <a:srgbClr val="FFFFFF"/>
+                  </a:solidFill>
+                  <a:latin typeface="Cabin"/>
+                  <a:ea typeface="Cabin"/>
+                  <a:cs typeface="Cabin"/>
+                  <a:sym typeface="Cabin"/>
+                </a:rPr>
+                <a:t> </a:t>
+              </a:r>
+              <a:r>
+                <a:rPr lang="en-US" sz="3199" dirty="0" err="1">
+                  <a:solidFill>
+                    <a:srgbClr val="FFFFFF"/>
+                  </a:solidFill>
+                  <a:latin typeface="Cabin"/>
+                  <a:ea typeface="Cabin"/>
+                  <a:cs typeface="Cabin"/>
+                  <a:sym typeface="Cabin"/>
+                </a:rPr>
+                <a:t>lý</a:t>
+              </a:r>
+              <a:r>
+                <a:rPr lang="en-US" sz="3199" dirty="0">
+                  <a:solidFill>
+                    <a:srgbClr val="FFFFFF"/>
+                  </a:solidFill>
+                  <a:latin typeface="Cabin"/>
+                  <a:ea typeface="Cabin"/>
+                  <a:cs typeface="Cabin"/>
+                  <a:sym typeface="Cabin"/>
+                </a:rPr>
+                <a:t> </a:t>
+              </a:r>
+              <a:r>
+                <a:rPr lang="en-US" sz="3199" dirty="0" err="1">
+                  <a:solidFill>
+                    <a:srgbClr val="FFFFFF"/>
+                  </a:solidFill>
+                  <a:latin typeface="Cabin"/>
+                  <a:ea typeface="Cabin"/>
+                  <a:cs typeface="Cabin"/>
+                  <a:sym typeface="Cabin"/>
+                </a:rPr>
+                <a:t>nhà</a:t>
+              </a:r>
+              <a:r>
+                <a:rPr lang="en-US" sz="3199" dirty="0">
+                  <a:solidFill>
+                    <a:srgbClr val="FFFFFF"/>
+                  </a:solidFill>
+                  <a:latin typeface="Cabin"/>
+                  <a:ea typeface="Cabin"/>
+                  <a:cs typeface="Cabin"/>
+                  <a:sym typeface="Cabin"/>
+                </a:rPr>
+                <a:t> </a:t>
+              </a:r>
+              <a:r>
+                <a:rPr lang="en-US" sz="3199" dirty="0" err="1">
+                  <a:solidFill>
+                    <a:srgbClr val="FFFFFF"/>
+                  </a:solidFill>
+                  <a:latin typeface="Cabin"/>
+                  <a:ea typeface="Cabin"/>
+                  <a:cs typeface="Cabin"/>
+                  <a:sym typeface="Cabin"/>
+                </a:rPr>
+                <a:t>trọ</a:t>
+              </a:r>
+              <a:r>
+                <a:rPr lang="en-US" sz="3199" dirty="0">
+                  <a:solidFill>
+                    <a:srgbClr val="FFFFFF"/>
+                  </a:solidFill>
+                  <a:latin typeface="Cabin"/>
+                  <a:ea typeface="Cabin"/>
+                  <a:cs typeface="Cabin"/>
+                  <a:sym typeface="Cabin"/>
+                </a:rPr>
+                <a:t> </a:t>
+              </a:r>
+              <a:r>
+                <a:rPr lang="en-US" sz="3199" dirty="0" err="1">
+                  <a:solidFill>
+                    <a:srgbClr val="FFFFFF"/>
+                  </a:solidFill>
+                  <a:latin typeface="Cabin"/>
+                  <a:ea typeface="Cabin"/>
+                  <a:cs typeface="Cabin"/>
+                  <a:sym typeface="Cabin"/>
+                </a:rPr>
+                <a:t>cung</a:t>
+              </a:r>
+              <a:r>
+                <a:rPr lang="en-US" sz="3199" dirty="0">
+                  <a:solidFill>
+                    <a:srgbClr val="FFFFFF"/>
+                  </a:solidFill>
+                  <a:latin typeface="Cabin"/>
+                  <a:ea typeface="Cabin"/>
+                  <a:cs typeface="Cabin"/>
+                  <a:sym typeface="Cabin"/>
+                </a:rPr>
+                <a:t> </a:t>
+              </a:r>
+              <a:r>
+                <a:rPr lang="en-US" sz="3199" dirty="0" err="1">
+                  <a:solidFill>
+                    <a:srgbClr val="FFFFFF"/>
+                  </a:solidFill>
+                  <a:latin typeface="Cabin"/>
+                  <a:ea typeface="Cabin"/>
+                  <a:cs typeface="Cabin"/>
+                  <a:sym typeface="Cabin"/>
+                </a:rPr>
+                <a:t>cấp</a:t>
+              </a:r>
+              <a:r>
+                <a:rPr lang="en-US" sz="3199" dirty="0">
+                  <a:solidFill>
+                    <a:srgbClr val="FFFFFF"/>
+                  </a:solidFill>
+                  <a:latin typeface="Cabin"/>
+                  <a:ea typeface="Cabin"/>
+                  <a:cs typeface="Cabin"/>
+                  <a:sym typeface="Cabin"/>
+                </a:rPr>
+                <a:t> </a:t>
+              </a:r>
+              <a:r>
+                <a:rPr lang="en-US" sz="3199" dirty="0" err="1">
+                  <a:solidFill>
+                    <a:srgbClr val="FFFFFF"/>
+                  </a:solidFill>
+                  <a:latin typeface="Cabin"/>
+                  <a:ea typeface="Cabin"/>
+                  <a:cs typeface="Cabin"/>
+                  <a:sym typeface="Cabin"/>
+                </a:rPr>
+                <a:t>các</a:t>
+              </a:r>
+              <a:r>
+                <a:rPr lang="en-US" sz="3199" dirty="0">
+                  <a:solidFill>
+                    <a:srgbClr val="FFFFFF"/>
+                  </a:solidFill>
+                  <a:latin typeface="Cabin"/>
+                  <a:ea typeface="Cabin"/>
+                  <a:cs typeface="Cabin"/>
+                  <a:sym typeface="Cabin"/>
+                </a:rPr>
+                <a:t> </a:t>
+              </a:r>
+              <a:r>
+                <a:rPr lang="en-US" sz="3199" dirty="0" err="1">
+                  <a:solidFill>
+                    <a:srgbClr val="FFFFFF"/>
+                  </a:solidFill>
+                  <a:latin typeface="Cabin"/>
+                  <a:ea typeface="Cabin"/>
+                  <a:cs typeface="Cabin"/>
+                  <a:sym typeface="Cabin"/>
+                </a:rPr>
+                <a:t>chức</a:t>
+              </a:r>
+              <a:r>
+                <a:rPr lang="en-US" sz="3199" dirty="0">
+                  <a:solidFill>
+                    <a:srgbClr val="FFFFFF"/>
+                  </a:solidFill>
+                  <a:latin typeface="Cabin"/>
+                  <a:ea typeface="Cabin"/>
+                  <a:cs typeface="Cabin"/>
+                  <a:sym typeface="Cabin"/>
+                </a:rPr>
+                <a:t> </a:t>
+              </a:r>
+              <a:r>
+                <a:rPr lang="en-US" sz="3199" dirty="0" err="1">
+                  <a:solidFill>
+                    <a:srgbClr val="FFFFFF"/>
+                  </a:solidFill>
+                  <a:latin typeface="Cabin"/>
+                  <a:ea typeface="Cabin"/>
+                  <a:cs typeface="Cabin"/>
+                  <a:sym typeface="Cabin"/>
+                </a:rPr>
+                <a:t>năng</a:t>
+              </a:r>
+              <a:r>
+                <a:rPr lang="en-US" sz="3199" dirty="0">
+                  <a:solidFill>
+                    <a:srgbClr val="FFFFFF"/>
+                  </a:solidFill>
+                  <a:latin typeface="Cabin"/>
+                  <a:ea typeface="Cabin"/>
+                  <a:cs typeface="Cabin"/>
+                  <a:sym typeface="Cabin"/>
+                </a:rPr>
+                <a:t> </a:t>
+              </a:r>
+              <a:r>
+                <a:rPr lang="en-US" sz="3199" dirty="0" err="1">
+                  <a:solidFill>
+                    <a:srgbClr val="FFFFFF"/>
+                  </a:solidFill>
+                  <a:latin typeface="Cabin"/>
+                  <a:ea typeface="Cabin"/>
+                  <a:cs typeface="Cabin"/>
+                  <a:sym typeface="Cabin"/>
+                </a:rPr>
+                <a:t>chính</a:t>
+              </a:r>
+              <a:r>
+                <a:rPr lang="en-US" sz="3199" dirty="0">
+                  <a:solidFill>
+                    <a:srgbClr val="FFFFFF"/>
+                  </a:solidFill>
+                  <a:latin typeface="Cabin"/>
+                  <a:ea typeface="Cabin"/>
+                  <a:cs typeface="Cabin"/>
+                  <a:sym typeface="Cabin"/>
+                </a:rPr>
+                <a:t> </a:t>
+              </a:r>
+              <a:r>
+                <a:rPr lang="en-US" sz="3199" dirty="0" err="1">
+                  <a:solidFill>
+                    <a:srgbClr val="FFFFFF"/>
+                  </a:solidFill>
+                  <a:latin typeface="Cabin"/>
+                  <a:ea typeface="Cabin"/>
+                  <a:cs typeface="Cabin"/>
+                  <a:sym typeface="Cabin"/>
+                </a:rPr>
+                <a:t>như</a:t>
+              </a:r>
+              <a:r>
+                <a:rPr lang="en-US" sz="3199" dirty="0">
+                  <a:solidFill>
+                    <a:srgbClr val="FFFFFF"/>
+                  </a:solidFill>
+                  <a:latin typeface="Cabin"/>
+                  <a:ea typeface="Cabin"/>
+                  <a:cs typeface="Cabin"/>
+                  <a:sym typeface="Cabin"/>
+                </a:rPr>
+                <a:t>: </a:t>
+              </a:r>
+              <a:r>
+                <a:rPr lang="en-US" sz="3199" dirty="0" err="1">
+                  <a:solidFill>
+                    <a:srgbClr val="FFFFFF"/>
+                  </a:solidFill>
+                  <a:latin typeface="Cabin"/>
+                  <a:ea typeface="Cabin"/>
+                  <a:cs typeface="Cabin"/>
+                  <a:sym typeface="Cabin"/>
+                </a:rPr>
+                <a:t>quản</a:t>
+              </a:r>
+              <a:r>
+                <a:rPr lang="en-US" sz="3199" dirty="0">
+                  <a:solidFill>
+                    <a:srgbClr val="FFFFFF"/>
+                  </a:solidFill>
+                  <a:latin typeface="Cabin"/>
+                  <a:ea typeface="Cabin"/>
+                  <a:cs typeface="Cabin"/>
+                  <a:sym typeface="Cabin"/>
+                </a:rPr>
+                <a:t> </a:t>
+              </a:r>
+              <a:r>
+                <a:rPr lang="en-US" sz="3199" dirty="0" err="1">
+                  <a:solidFill>
+                    <a:srgbClr val="FFFFFF"/>
+                  </a:solidFill>
+                  <a:latin typeface="Cabin"/>
+                  <a:ea typeface="Cabin"/>
+                  <a:cs typeface="Cabin"/>
+                  <a:sym typeface="Cabin"/>
+                </a:rPr>
+                <a:t>lý</a:t>
+              </a:r>
+              <a:r>
+                <a:rPr lang="en-US" sz="3199" dirty="0">
+                  <a:solidFill>
+                    <a:srgbClr val="FFFFFF"/>
+                  </a:solidFill>
+                  <a:latin typeface="Cabin"/>
+                  <a:ea typeface="Cabin"/>
+                  <a:cs typeface="Cabin"/>
+                  <a:sym typeface="Cabin"/>
+                </a:rPr>
+                <a:t> </a:t>
+              </a:r>
+              <a:r>
+                <a:rPr lang="en-US" sz="3199" dirty="0" err="1">
+                  <a:solidFill>
+                    <a:srgbClr val="FFFFFF"/>
+                  </a:solidFill>
+                  <a:latin typeface="Cabin"/>
+                  <a:ea typeface="Cabin"/>
+                  <a:cs typeface="Cabin"/>
+                  <a:sym typeface="Cabin"/>
+                </a:rPr>
+                <a:t>phòng</a:t>
+              </a:r>
+              <a:r>
+                <a:rPr lang="en-US" sz="3199" dirty="0">
+                  <a:solidFill>
+                    <a:srgbClr val="FFFFFF"/>
+                  </a:solidFill>
+                  <a:latin typeface="Cabin"/>
+                  <a:ea typeface="Cabin"/>
+                  <a:cs typeface="Cabin"/>
+                  <a:sym typeface="Cabin"/>
+                </a:rPr>
+                <a:t>, </a:t>
+              </a:r>
+              <a:r>
+                <a:rPr lang="en-US" sz="3199" dirty="0" err="1">
+                  <a:solidFill>
+                    <a:srgbClr val="FFFFFF"/>
+                  </a:solidFill>
+                  <a:latin typeface="Cabin"/>
+                  <a:ea typeface="Cabin"/>
+                  <a:cs typeface="Cabin"/>
+                  <a:sym typeface="Cabin"/>
+                </a:rPr>
+                <a:t>hợp</a:t>
+              </a:r>
+              <a:r>
+                <a:rPr lang="en-US" sz="3199" dirty="0">
+                  <a:solidFill>
+                    <a:srgbClr val="FFFFFF"/>
+                  </a:solidFill>
+                  <a:latin typeface="Cabin"/>
+                  <a:ea typeface="Cabin"/>
+                  <a:cs typeface="Cabin"/>
+                  <a:sym typeface="Cabin"/>
+                </a:rPr>
+                <a:t> </a:t>
+              </a:r>
+              <a:r>
+                <a:rPr lang="en-US" sz="3199" dirty="0" err="1">
+                  <a:solidFill>
+                    <a:srgbClr val="FFFFFF"/>
+                  </a:solidFill>
+                  <a:latin typeface="Cabin"/>
+                  <a:ea typeface="Cabin"/>
+                  <a:cs typeface="Cabin"/>
+                  <a:sym typeface="Cabin"/>
+                </a:rPr>
+                <a:t>đồng</a:t>
+              </a:r>
+              <a:r>
+                <a:rPr lang="en-US" sz="3199" dirty="0">
+                  <a:solidFill>
+                    <a:srgbClr val="FFFFFF"/>
+                  </a:solidFill>
+                  <a:latin typeface="Cabin"/>
+                  <a:ea typeface="Cabin"/>
+                  <a:cs typeface="Cabin"/>
+                  <a:sym typeface="Cabin"/>
+                </a:rPr>
+                <a:t>, </a:t>
+              </a:r>
+              <a:r>
+                <a:rPr lang="en-US" sz="3199" dirty="0" err="1">
+                  <a:solidFill>
+                    <a:srgbClr val="FFFFFF"/>
+                  </a:solidFill>
+                  <a:latin typeface="Cabin"/>
+                  <a:ea typeface="Cabin"/>
+                  <a:cs typeface="Cabin"/>
+                  <a:sym typeface="Cabin"/>
+                </a:rPr>
+                <a:t>hoá</a:t>
+              </a:r>
+              <a:r>
+                <a:rPr lang="en-US" sz="3199" dirty="0">
+                  <a:solidFill>
+                    <a:srgbClr val="FFFFFF"/>
+                  </a:solidFill>
+                  <a:latin typeface="Cabin"/>
+                  <a:ea typeface="Cabin"/>
+                  <a:cs typeface="Cabin"/>
+                  <a:sym typeface="Cabin"/>
+                </a:rPr>
+                <a:t> </a:t>
+              </a:r>
+              <a:r>
+                <a:rPr lang="en-US" sz="3199" dirty="0" err="1">
+                  <a:solidFill>
+                    <a:srgbClr val="FFFFFF"/>
+                  </a:solidFill>
+                  <a:latin typeface="Cabin"/>
+                  <a:ea typeface="Cabin"/>
+                  <a:cs typeface="Cabin"/>
+                  <a:sym typeface="Cabin"/>
+                </a:rPr>
+                <a:t>đơn</a:t>
+              </a:r>
+              <a:r>
+                <a:rPr lang="en-US" sz="3199" dirty="0">
+                  <a:solidFill>
+                    <a:srgbClr val="FFFFFF"/>
+                  </a:solidFill>
+                  <a:latin typeface="Cabin"/>
+                  <a:ea typeface="Cabin"/>
+                  <a:cs typeface="Cabin"/>
+                  <a:sym typeface="Cabin"/>
+                </a:rPr>
+                <a:t> </a:t>
+              </a:r>
+              <a:r>
+                <a:rPr lang="en-US" sz="3199" dirty="0" err="1">
+                  <a:solidFill>
+                    <a:srgbClr val="FFFFFF"/>
+                  </a:solidFill>
+                  <a:latin typeface="Cabin"/>
+                  <a:ea typeface="Cabin"/>
+                  <a:cs typeface="Cabin"/>
+                  <a:sym typeface="Cabin"/>
+                </a:rPr>
+                <a:t>và</a:t>
+              </a:r>
+              <a:r>
+                <a:rPr lang="en-US" sz="3199" dirty="0">
+                  <a:solidFill>
+                    <a:srgbClr val="FFFFFF"/>
+                  </a:solidFill>
+                  <a:latin typeface="Cabin"/>
+                  <a:ea typeface="Cabin"/>
+                  <a:cs typeface="Cabin"/>
+                  <a:sym typeface="Cabin"/>
+                </a:rPr>
+                <a:t> </a:t>
+              </a:r>
+              <a:r>
+                <a:rPr lang="en-US" sz="3199" dirty="0" err="1">
+                  <a:solidFill>
+                    <a:srgbClr val="FFFFFF"/>
+                  </a:solidFill>
+                  <a:latin typeface="Cabin"/>
+                  <a:ea typeface="Cabin"/>
+                  <a:cs typeface="Cabin"/>
+                  <a:sym typeface="Cabin"/>
+                </a:rPr>
+                <a:t>tính</a:t>
+              </a:r>
+              <a:r>
+                <a:rPr lang="en-US" sz="3199" dirty="0">
+                  <a:solidFill>
+                    <a:srgbClr val="FFFFFF"/>
+                  </a:solidFill>
+                  <a:latin typeface="Cabin"/>
+                  <a:ea typeface="Cabin"/>
+                  <a:cs typeface="Cabin"/>
+                  <a:sym typeface="Cabin"/>
+                </a:rPr>
+                <a:t> </a:t>
+              </a:r>
+              <a:r>
+                <a:rPr lang="en-US" sz="3199" dirty="0" err="1">
+                  <a:solidFill>
+                    <a:srgbClr val="FFFFFF"/>
+                  </a:solidFill>
+                  <a:latin typeface="Cabin"/>
+                  <a:ea typeface="Cabin"/>
+                  <a:cs typeface="Cabin"/>
+                  <a:sym typeface="Cabin"/>
+                </a:rPr>
+                <a:t>tiền</a:t>
+              </a:r>
+              <a:r>
+                <a:rPr lang="en-US" sz="3199" dirty="0">
+                  <a:solidFill>
+                    <a:srgbClr val="FFFFFF"/>
+                  </a:solidFill>
+                  <a:latin typeface="Cabin"/>
+                  <a:ea typeface="Cabin"/>
+                  <a:cs typeface="Cabin"/>
+                  <a:sym typeface="Cabin"/>
+                </a:rPr>
+                <a:t> </a:t>
+              </a:r>
+              <a:r>
+                <a:rPr lang="en-US" sz="3199" dirty="0" err="1">
+                  <a:solidFill>
+                    <a:srgbClr val="FFFFFF"/>
+                  </a:solidFill>
+                  <a:latin typeface="Cabin"/>
+                  <a:ea typeface="Cabin"/>
+                  <a:cs typeface="Cabin"/>
+                  <a:sym typeface="Cabin"/>
+                </a:rPr>
+                <a:t>phòng</a:t>
+              </a:r>
+              <a:r>
+                <a:rPr lang="en-US" sz="3199" dirty="0">
+                  <a:solidFill>
+                    <a:srgbClr val="FFFFFF"/>
+                  </a:solidFill>
+                  <a:latin typeface="Cabin"/>
+                  <a:ea typeface="Cabin"/>
+                  <a:cs typeface="Cabin"/>
+                  <a:sym typeface="Cabin"/>
+                </a:rPr>
+                <a:t> </a:t>
+              </a:r>
+              <a:r>
+                <a:rPr lang="en-US" sz="3199" dirty="0" err="1">
+                  <a:solidFill>
+                    <a:srgbClr val="FFFFFF"/>
+                  </a:solidFill>
+                  <a:latin typeface="Cabin"/>
+                  <a:ea typeface="Cabin"/>
+                  <a:cs typeface="Cabin"/>
+                  <a:sym typeface="Cabin"/>
+                </a:rPr>
+                <a:t>hàng</a:t>
+              </a:r>
+              <a:r>
+                <a:rPr lang="en-US" sz="3199" dirty="0">
+                  <a:solidFill>
+                    <a:srgbClr val="FFFFFF"/>
+                  </a:solidFill>
+                  <a:latin typeface="Cabin"/>
+                  <a:ea typeface="Cabin"/>
+                  <a:cs typeface="Cabin"/>
+                  <a:sym typeface="Cabin"/>
+                </a:rPr>
+                <a:t> </a:t>
+              </a:r>
+              <a:r>
+                <a:rPr lang="en-US" sz="3199" dirty="0" err="1" smtClean="0">
+                  <a:solidFill>
+                    <a:srgbClr val="FFFFFF"/>
+                  </a:solidFill>
+                  <a:latin typeface="Cabin"/>
+                  <a:ea typeface="Cabin"/>
+                  <a:cs typeface="Cabin"/>
+                  <a:sym typeface="Cabin"/>
+                </a:rPr>
+                <a:t>tháng</a:t>
+              </a:r>
+              <a:r>
+                <a:rPr lang="en-US" sz="3199" dirty="0" smtClean="0">
+                  <a:solidFill>
+                    <a:srgbClr val="FFFFFF"/>
+                  </a:solidFill>
+                  <a:latin typeface="Cabin"/>
+                  <a:ea typeface="Cabin"/>
+                  <a:cs typeface="Cabin"/>
+                  <a:sym typeface="Cabin"/>
+                </a:rPr>
+                <a:t>, </a:t>
+              </a:r>
+              <a:r>
+                <a:rPr lang="en-US" sz="3199" dirty="0" err="1" smtClean="0">
+                  <a:solidFill>
+                    <a:srgbClr val="FFFFFF"/>
+                  </a:solidFill>
+                  <a:latin typeface="Cabin"/>
+                  <a:ea typeface="Cabin"/>
+                  <a:cs typeface="Cabin"/>
+                  <a:sym typeface="Cabin"/>
+                </a:rPr>
+                <a:t>tìm</a:t>
+              </a:r>
+              <a:r>
+                <a:rPr lang="en-US" sz="3199" dirty="0" smtClean="0">
+                  <a:solidFill>
+                    <a:srgbClr val="FFFFFF"/>
+                  </a:solidFill>
+                  <a:latin typeface="Cabin"/>
+                  <a:ea typeface="Cabin"/>
+                  <a:cs typeface="Cabin"/>
+                  <a:sym typeface="Cabin"/>
+                </a:rPr>
+                <a:t> </a:t>
+              </a:r>
+              <a:r>
+                <a:rPr lang="en-US" sz="3199" dirty="0" err="1" smtClean="0">
+                  <a:solidFill>
+                    <a:srgbClr val="FFFFFF"/>
+                  </a:solidFill>
+                  <a:latin typeface="Cabin"/>
+                  <a:ea typeface="Cabin"/>
+                  <a:cs typeface="Cabin"/>
+                  <a:sym typeface="Cabin"/>
+                </a:rPr>
+                <a:t>kiếm</a:t>
+              </a:r>
+              <a:r>
+                <a:rPr lang="en-US" sz="3199" dirty="0" smtClean="0">
+                  <a:solidFill>
+                    <a:srgbClr val="FFFFFF"/>
+                  </a:solidFill>
+                  <a:latin typeface="Cabin"/>
+                  <a:ea typeface="Cabin"/>
+                  <a:cs typeface="Cabin"/>
+                  <a:sym typeface="Cabin"/>
+                </a:rPr>
+                <a:t> </a:t>
+              </a:r>
+              <a:r>
+                <a:rPr lang="en-US" sz="3199" dirty="0" err="1" smtClean="0">
+                  <a:solidFill>
+                    <a:srgbClr val="FFFFFF"/>
+                  </a:solidFill>
+                  <a:latin typeface="Cabin"/>
+                  <a:ea typeface="Cabin"/>
+                  <a:cs typeface="Cabin"/>
+                  <a:sym typeface="Cabin"/>
+                </a:rPr>
+                <a:t>phòng</a:t>
+              </a:r>
+              <a:r>
+                <a:rPr lang="en-US" sz="3199" dirty="0" smtClean="0">
+                  <a:solidFill>
+                    <a:srgbClr val="FFFFFF"/>
+                  </a:solidFill>
+                  <a:latin typeface="Cabin"/>
+                  <a:ea typeface="Cabin"/>
+                  <a:cs typeface="Cabin"/>
+                  <a:sym typeface="Cabin"/>
+                </a:rPr>
+                <a:t> </a:t>
+              </a:r>
+              <a:r>
+                <a:rPr lang="en-US" sz="3199" dirty="0" err="1" smtClean="0">
+                  <a:solidFill>
+                    <a:srgbClr val="FFFFFF"/>
+                  </a:solidFill>
+                  <a:latin typeface="Cabin"/>
+                  <a:ea typeface="Cabin"/>
+                  <a:cs typeface="Cabin"/>
+                  <a:sym typeface="Cabin"/>
+                </a:rPr>
+                <a:t>trọ</a:t>
+              </a:r>
+              <a:r>
+                <a:rPr lang="en-US" sz="3199" dirty="0" smtClean="0">
+                  <a:solidFill>
+                    <a:srgbClr val="FFFFFF"/>
+                  </a:solidFill>
+                  <a:latin typeface="Cabin"/>
+                  <a:ea typeface="Cabin"/>
+                  <a:cs typeface="Cabin"/>
+                  <a:sym typeface="Cabin"/>
+                </a:rPr>
+                <a:t>, </a:t>
+              </a:r>
+              <a:r>
+                <a:rPr lang="en-US" sz="3199" dirty="0" err="1" smtClean="0">
+                  <a:solidFill>
+                    <a:srgbClr val="FFFFFF"/>
+                  </a:solidFill>
+                  <a:latin typeface="Cabin"/>
+                  <a:ea typeface="Cabin"/>
+                  <a:cs typeface="Cabin"/>
+                  <a:sym typeface="Cabin"/>
+                </a:rPr>
+                <a:t>tìm</a:t>
+              </a:r>
+              <a:r>
+                <a:rPr lang="en-US" sz="3199" dirty="0" smtClean="0">
+                  <a:solidFill>
+                    <a:srgbClr val="FFFFFF"/>
+                  </a:solidFill>
+                  <a:latin typeface="Cabin"/>
+                  <a:ea typeface="Cabin"/>
+                  <a:cs typeface="Cabin"/>
+                  <a:sym typeface="Cabin"/>
+                </a:rPr>
+                <a:t> </a:t>
+              </a:r>
+              <a:r>
+                <a:rPr lang="en-US" sz="3199" dirty="0" err="1" smtClean="0">
+                  <a:solidFill>
+                    <a:srgbClr val="FFFFFF"/>
+                  </a:solidFill>
+                  <a:latin typeface="Cabin"/>
+                  <a:ea typeface="Cabin"/>
+                  <a:cs typeface="Cabin"/>
+                  <a:sym typeface="Cabin"/>
+                </a:rPr>
+                <a:t>kiếm</a:t>
+              </a:r>
+              <a:r>
+                <a:rPr lang="en-US" sz="3199" dirty="0" smtClean="0">
+                  <a:solidFill>
+                    <a:srgbClr val="FFFFFF"/>
+                  </a:solidFill>
+                  <a:latin typeface="Cabin"/>
+                  <a:ea typeface="Cabin"/>
+                  <a:cs typeface="Cabin"/>
+                  <a:sym typeface="Cabin"/>
+                </a:rPr>
+                <a:t> </a:t>
+              </a:r>
+              <a:r>
+                <a:rPr lang="en-US" sz="3199" dirty="0" err="1" smtClean="0">
+                  <a:solidFill>
+                    <a:srgbClr val="FFFFFF"/>
+                  </a:solidFill>
+                  <a:latin typeface="Cabin"/>
+                  <a:ea typeface="Cabin"/>
+                  <a:cs typeface="Cabin"/>
+                  <a:sym typeface="Cabin"/>
+                </a:rPr>
+                <a:t>người</a:t>
+              </a:r>
+              <a:r>
+                <a:rPr lang="en-US" sz="3199" dirty="0" smtClean="0">
+                  <a:solidFill>
+                    <a:srgbClr val="FFFFFF"/>
+                  </a:solidFill>
+                  <a:latin typeface="Cabin"/>
+                  <a:ea typeface="Cabin"/>
+                  <a:cs typeface="Cabin"/>
+                  <a:sym typeface="Cabin"/>
+                </a:rPr>
+                <a:t> ở </a:t>
+              </a:r>
+              <a:r>
+                <a:rPr lang="en-US" sz="3199" dirty="0" err="1" smtClean="0">
+                  <a:solidFill>
+                    <a:srgbClr val="FFFFFF"/>
+                  </a:solidFill>
+                  <a:latin typeface="Cabin"/>
+                  <a:ea typeface="Cabin"/>
+                  <a:cs typeface="Cabin"/>
+                  <a:sym typeface="Cabin"/>
+                </a:rPr>
+                <a:t>ghép</a:t>
+              </a:r>
+              <a:r>
+                <a:rPr lang="en-US" sz="3199" dirty="0" smtClean="0">
+                  <a:solidFill>
+                    <a:srgbClr val="FFFFFF"/>
+                  </a:solidFill>
+                  <a:latin typeface="Cabin"/>
+                  <a:ea typeface="Cabin"/>
+                  <a:cs typeface="Cabin"/>
+                  <a:sym typeface="Cabin"/>
+                </a:rPr>
+                <a:t>, </a:t>
+              </a:r>
+              <a:endParaRPr lang="en-US" sz="3199" dirty="0">
+                <a:solidFill>
+                  <a:srgbClr val="FFFFFF"/>
+                </a:solidFill>
+                <a:latin typeface="Cabin"/>
+                <a:ea typeface="Cabin"/>
+                <a:cs typeface="Cabin"/>
+                <a:sym typeface="Cabin"/>
+              </a:endParaRPr>
             </a:p>
           </p:txBody>
         </p:sp>
@@ -3537,6 +4758,13 @@
   <p:clrMapOvr>
     <a:masterClrMapping/>
   </p:clrMapOvr>
+  <p:timing>
+    <p:tnLst>
+      <p:par>
+        <p:cTn id="1" dur="indefinite" restart="never" nodeType="tmRoot"/>
+      </p:par>
+    </p:tnLst>
+  </p:timing>
 </p:sld>
 </file>
 
@@ -3565,10 +4793,10 @@
         </p:nvGrpSpPr>
         <p:grpSpPr>
           <a:xfrm>
-            <a:off x="1028700" y="1028700"/>
-            <a:ext cx="9320011" cy="5264805"/>
-            <a:chOff x="0" y="0"/>
-            <a:chExt cx="12426681" cy="7019740"/>
+            <a:off x="472223" y="1021556"/>
+            <a:ext cx="9876488" cy="7666431"/>
+            <a:chOff x="-741969" y="-9525"/>
+            <a:chExt cx="13168650" cy="10221909"/>
           </a:xfrm>
         </p:grpSpPr>
         <p:sp>
@@ -3598,7 +4826,7 @@
                 </a:lnSpc>
               </a:pPr>
               <a:r>
-                <a:rPr lang="en-US" sz="7100" b="1">
+                <a:rPr lang="en-US" sz="7100" b="1" dirty="0" err="1">
                   <a:solidFill>
                     <a:srgbClr val="0366BF"/>
                   </a:solidFill>
@@ -3607,8 +4835,89 @@
                   <a:cs typeface="Cabin Bold"/>
                   <a:sym typeface="Cabin Bold"/>
                 </a:rPr>
-                <a:t>Lý do chọn đề tài</a:t>
-              </a:r>
+                <a:t>Lý</a:t>
+              </a:r>
+              <a:r>
+                <a:rPr lang="en-US" sz="7100" b="1" dirty="0">
+                  <a:solidFill>
+                    <a:srgbClr val="0366BF"/>
+                  </a:solidFill>
+                  <a:latin typeface="Cabin Bold"/>
+                  <a:ea typeface="Cabin Bold"/>
+                  <a:cs typeface="Cabin Bold"/>
+                  <a:sym typeface="Cabin Bold"/>
+                </a:rPr>
+                <a:t> do </a:t>
+              </a:r>
+              <a:r>
+                <a:rPr lang="en-US" sz="7100" b="1" dirty="0" err="1">
+                  <a:solidFill>
+                    <a:srgbClr val="0366BF"/>
+                  </a:solidFill>
+                  <a:latin typeface="Cabin Bold"/>
+                  <a:ea typeface="Cabin Bold"/>
+                  <a:cs typeface="Cabin Bold"/>
+                  <a:sym typeface="Cabin Bold"/>
+                </a:rPr>
+                <a:t>chọn</a:t>
+              </a:r>
+              <a:r>
+                <a:rPr lang="en-US" sz="7100" b="1" dirty="0">
+                  <a:solidFill>
+                    <a:srgbClr val="0366BF"/>
+                  </a:solidFill>
+                  <a:latin typeface="Cabin Bold"/>
+                  <a:ea typeface="Cabin Bold"/>
+                  <a:cs typeface="Cabin Bold"/>
+                  <a:sym typeface="Cabin Bold"/>
+                </a:rPr>
+                <a:t> </a:t>
+              </a:r>
+              <a:r>
+                <a:rPr lang="en-US" sz="7100" b="1" dirty="0" err="1">
+                  <a:solidFill>
+                    <a:srgbClr val="0366BF"/>
+                  </a:solidFill>
+                  <a:latin typeface="Cabin Bold"/>
+                  <a:ea typeface="Cabin Bold"/>
+                  <a:cs typeface="Cabin Bold"/>
+                  <a:sym typeface="Cabin Bold"/>
+                </a:rPr>
+                <a:t>đề</a:t>
+              </a:r>
+              <a:r>
+                <a:rPr lang="en-US" sz="7100" b="1" dirty="0">
+                  <a:solidFill>
+                    <a:srgbClr val="0366BF"/>
+                  </a:solidFill>
+                  <a:latin typeface="Cabin Bold"/>
+                  <a:ea typeface="Cabin Bold"/>
+                  <a:cs typeface="Cabin Bold"/>
+                  <a:sym typeface="Cabin Bold"/>
+                </a:rPr>
+                <a:t> </a:t>
+              </a:r>
+              <a:r>
+                <a:rPr lang="en-US" sz="7100" b="1" dirty="0" err="1">
+                  <a:solidFill>
+                    <a:srgbClr val="0366BF"/>
+                  </a:solidFill>
+                  <a:latin typeface="Cabin Bold"/>
+                  <a:ea typeface="Cabin Bold"/>
+                  <a:cs typeface="Cabin Bold"/>
+                  <a:sym typeface="Cabin Bold"/>
+                </a:rPr>
+                <a:t>tài</a:t>
+              </a:r>
+              <a:endParaRPr lang="en-US" sz="7100" b="1" dirty="0">
+                <a:solidFill>
+                  <a:srgbClr val="0366BF"/>
+                </a:solidFill>
+                <a:latin typeface="Cabin Bold"/>
+                <a:ea typeface="Cabin Bold"/>
+                <a:cs typeface="Cabin Bold"/>
+                <a:sym typeface="Cabin Bold"/>
+              </a:endParaRPr>
             </a:p>
           </p:txBody>
         </p:sp>
@@ -3620,8 +4929,8 @@
           </p:nvSpPr>
           <p:spPr>
             <a:xfrm>
-              <a:off x="0" y="2565427"/>
-              <a:ext cx="10896401" cy="4454102"/>
+              <a:off x="-741969" y="2445214"/>
+              <a:ext cx="10896401" cy="7767170"/>
             </a:xfrm>
             <a:prstGeom prst="rect">
               <a:avLst/>
@@ -3633,15 +4942,15 @@
             </a:bodyPr>
             <a:lstStyle/>
             <a:p>
-              <a:pPr marL="690879" lvl="1" indent="-345439" algn="l">
+              <a:pPr marL="690879" lvl="1" indent="-345439" algn="just">
                 <a:lnSpc>
-                  <a:spcPts val="4479"/>
+                  <a:spcPct val="150000"/>
                 </a:lnSpc>
                 <a:buFont typeface="Arial"/>
                 <a:buChar char="•"/>
               </a:pPr>
               <a:r>
-                <a:rPr lang="en-US" sz="3199">
+                <a:rPr lang="en-US" sz="3199" dirty="0" err="1" smtClean="0">
                   <a:solidFill>
                     <a:srgbClr val="100F0D"/>
                   </a:solidFill>
@@ -3650,10 +4959,526 @@
                   <a:cs typeface="Cabin"/>
                   <a:sym typeface="Cabin"/>
                 </a:rPr>
-                <a:t>Hiện nay như cầu thuê nhà đang ngày càng gia tăng, đặc biệt là ở các khu vục đô thị</a:t>
-              </a:r>
-              <a:r>
-                <a:rPr lang="en-US" sz="3199" u="none">
+                <a:t>Hiện</a:t>
+              </a:r>
+              <a:r>
+                <a:rPr lang="en-US" sz="3199" dirty="0" smtClean="0">
+                  <a:solidFill>
+                    <a:srgbClr val="100F0D"/>
+                  </a:solidFill>
+                  <a:latin typeface="Cabin"/>
+                  <a:ea typeface="Cabin"/>
+                  <a:cs typeface="Cabin"/>
+                  <a:sym typeface="Cabin"/>
+                </a:rPr>
+                <a:t> </a:t>
+              </a:r>
+              <a:r>
+                <a:rPr lang="en-US" sz="3199" dirty="0">
+                  <a:solidFill>
+                    <a:srgbClr val="100F0D"/>
+                  </a:solidFill>
+                  <a:latin typeface="Cabin"/>
+                  <a:ea typeface="Cabin"/>
+                  <a:cs typeface="Cabin"/>
+                  <a:sym typeface="Cabin"/>
+                </a:rPr>
+                <a:t>nay </a:t>
+              </a:r>
+              <a:r>
+                <a:rPr lang="en-US" sz="3199" dirty="0" err="1" smtClean="0">
+                  <a:solidFill>
+                    <a:srgbClr val="100F0D"/>
+                  </a:solidFill>
+                  <a:latin typeface="Cabin"/>
+                  <a:ea typeface="Cabin"/>
+                  <a:cs typeface="Cabin"/>
+                  <a:sym typeface="Cabin"/>
+                </a:rPr>
+                <a:t>nhu</a:t>
+              </a:r>
+              <a:r>
+                <a:rPr lang="en-US" sz="3199" dirty="0" smtClean="0">
+                  <a:solidFill>
+                    <a:srgbClr val="100F0D"/>
+                  </a:solidFill>
+                  <a:latin typeface="Cabin"/>
+                  <a:ea typeface="Cabin"/>
+                  <a:cs typeface="Cabin"/>
+                  <a:sym typeface="Cabin"/>
+                </a:rPr>
+                <a:t> </a:t>
+              </a:r>
+              <a:r>
+                <a:rPr lang="en-US" sz="3199" dirty="0" err="1" smtClean="0">
+                  <a:solidFill>
+                    <a:srgbClr val="100F0D"/>
+                  </a:solidFill>
+                  <a:latin typeface="Cabin"/>
+                  <a:ea typeface="Cabin"/>
+                  <a:cs typeface="Cabin"/>
+                  <a:sym typeface="Cabin"/>
+                </a:rPr>
+                <a:t>cầu</a:t>
+              </a:r>
+              <a:r>
+                <a:rPr lang="en-US" sz="3199" dirty="0" smtClean="0">
+                  <a:solidFill>
+                    <a:srgbClr val="100F0D"/>
+                  </a:solidFill>
+                  <a:latin typeface="Cabin"/>
+                  <a:ea typeface="Cabin"/>
+                  <a:cs typeface="Cabin"/>
+                  <a:sym typeface="Cabin"/>
+                </a:rPr>
+                <a:t> </a:t>
+              </a:r>
+              <a:r>
+                <a:rPr lang="en-US" sz="3199" dirty="0" err="1" smtClean="0">
+                  <a:solidFill>
+                    <a:srgbClr val="100F0D"/>
+                  </a:solidFill>
+                  <a:latin typeface="Cabin"/>
+                  <a:ea typeface="Cabin"/>
+                  <a:cs typeface="Cabin"/>
+                  <a:sym typeface="Cabin"/>
+                </a:rPr>
+                <a:t>tìm</a:t>
+              </a:r>
+              <a:r>
+                <a:rPr lang="en-US" sz="3199" dirty="0" smtClean="0">
+                  <a:solidFill>
+                    <a:srgbClr val="100F0D"/>
+                  </a:solidFill>
+                  <a:latin typeface="Cabin"/>
+                  <a:ea typeface="Cabin"/>
+                  <a:cs typeface="Cabin"/>
+                  <a:sym typeface="Cabin"/>
+                </a:rPr>
+                <a:t> </a:t>
+              </a:r>
+              <a:r>
+                <a:rPr lang="en-US" sz="3199" dirty="0" err="1" smtClean="0">
+                  <a:solidFill>
+                    <a:srgbClr val="100F0D"/>
+                  </a:solidFill>
+                  <a:latin typeface="Cabin"/>
+                  <a:ea typeface="Cabin"/>
+                  <a:cs typeface="Cabin"/>
+                  <a:sym typeface="Cabin"/>
+                </a:rPr>
+                <a:t>kiếm</a:t>
+              </a:r>
+              <a:r>
+                <a:rPr lang="en-US" sz="3199" dirty="0">
+                  <a:solidFill>
+                    <a:srgbClr val="100F0D"/>
+                  </a:solidFill>
+                  <a:latin typeface="Cabin"/>
+                  <a:ea typeface="Cabin"/>
+                  <a:cs typeface="Cabin"/>
+                  <a:sym typeface="Cabin"/>
+                </a:rPr>
+                <a:t> </a:t>
+              </a:r>
+              <a:r>
+                <a:rPr lang="en-US" sz="3199" dirty="0" err="1" smtClean="0">
+                  <a:solidFill>
+                    <a:srgbClr val="100F0D"/>
+                  </a:solidFill>
+                  <a:latin typeface="Cabin"/>
+                  <a:ea typeface="Cabin"/>
+                  <a:cs typeface="Cabin"/>
+                  <a:sym typeface="Cabin"/>
+                </a:rPr>
+                <a:t>phòng</a:t>
+              </a:r>
+              <a:r>
+                <a:rPr lang="en-US" sz="3199" dirty="0" smtClean="0">
+                  <a:solidFill>
+                    <a:srgbClr val="100F0D"/>
+                  </a:solidFill>
+                  <a:latin typeface="Cabin"/>
+                  <a:ea typeface="Cabin"/>
+                  <a:cs typeface="Cabin"/>
+                  <a:sym typeface="Cabin"/>
+                </a:rPr>
+                <a:t> </a:t>
+              </a:r>
+              <a:r>
+                <a:rPr lang="en-US" sz="3199" dirty="0" err="1" smtClean="0">
+                  <a:solidFill>
+                    <a:srgbClr val="100F0D"/>
+                  </a:solidFill>
+                  <a:latin typeface="Cabin"/>
+                  <a:ea typeface="Cabin"/>
+                  <a:cs typeface="Cabin"/>
+                  <a:sym typeface="Cabin"/>
+                </a:rPr>
+                <a:t>trọ</a:t>
+              </a:r>
+              <a:r>
+                <a:rPr lang="en-US" sz="3199" dirty="0" smtClean="0">
+                  <a:solidFill>
+                    <a:srgbClr val="100F0D"/>
+                  </a:solidFill>
+                  <a:latin typeface="Cabin"/>
+                  <a:ea typeface="Cabin"/>
+                  <a:cs typeface="Cabin"/>
+                  <a:sym typeface="Cabin"/>
+                </a:rPr>
+                <a:t> ở </a:t>
+              </a:r>
+              <a:r>
+                <a:rPr lang="en-US" sz="3199" dirty="0" err="1">
+                  <a:solidFill>
+                    <a:srgbClr val="100F0D"/>
+                  </a:solidFill>
+                  <a:latin typeface="Cabin"/>
+                  <a:ea typeface="Cabin"/>
+                  <a:cs typeface="Cabin"/>
+                  <a:sym typeface="Cabin"/>
+                </a:rPr>
+                <a:t>các</a:t>
+              </a:r>
+              <a:r>
+                <a:rPr lang="en-US" sz="3199" dirty="0">
+                  <a:solidFill>
+                    <a:srgbClr val="100F0D"/>
+                  </a:solidFill>
+                  <a:latin typeface="Cabin"/>
+                  <a:ea typeface="Cabin"/>
+                  <a:cs typeface="Cabin"/>
+                  <a:sym typeface="Cabin"/>
+                </a:rPr>
+                <a:t> </a:t>
+              </a:r>
+              <a:r>
+                <a:rPr lang="en-US" sz="3199" dirty="0" err="1" smtClean="0">
+                  <a:solidFill>
+                    <a:srgbClr val="100F0D"/>
+                  </a:solidFill>
+                  <a:latin typeface="Cabin"/>
+                  <a:ea typeface="Cabin"/>
+                  <a:cs typeface="Cabin"/>
+                  <a:sym typeface="Cabin"/>
+                </a:rPr>
+                <a:t>thành</a:t>
+              </a:r>
+              <a:r>
+                <a:rPr lang="en-US" sz="3199" dirty="0" smtClean="0">
+                  <a:solidFill>
+                    <a:srgbClr val="100F0D"/>
+                  </a:solidFill>
+                  <a:latin typeface="Cabin"/>
+                  <a:ea typeface="Cabin"/>
+                  <a:cs typeface="Cabin"/>
+                  <a:sym typeface="Cabin"/>
+                </a:rPr>
+                <a:t> </a:t>
+              </a:r>
+              <a:r>
+                <a:rPr lang="en-US" sz="3199" dirty="0" err="1" smtClean="0">
+                  <a:solidFill>
+                    <a:srgbClr val="100F0D"/>
+                  </a:solidFill>
+                  <a:latin typeface="Cabin"/>
+                  <a:ea typeface="Cabin"/>
+                  <a:cs typeface="Cabin"/>
+                  <a:sym typeface="Cabin"/>
+                </a:rPr>
+                <a:t>phố</a:t>
+              </a:r>
+              <a:r>
+                <a:rPr lang="en-US" sz="3199" dirty="0" smtClean="0">
+                  <a:solidFill>
+                    <a:srgbClr val="100F0D"/>
+                  </a:solidFill>
+                  <a:latin typeface="Cabin"/>
+                  <a:ea typeface="Cabin"/>
+                  <a:cs typeface="Cabin"/>
+                  <a:sym typeface="Cabin"/>
+                </a:rPr>
+                <a:t> </a:t>
+              </a:r>
+              <a:r>
+                <a:rPr lang="en-US" sz="3199" dirty="0" err="1" smtClean="0">
+                  <a:solidFill>
+                    <a:srgbClr val="100F0D"/>
+                  </a:solidFill>
+                  <a:latin typeface="Cabin"/>
+                  <a:ea typeface="Cabin"/>
+                  <a:cs typeface="Cabin"/>
+                  <a:sym typeface="Cabin"/>
+                </a:rPr>
+                <a:t>lớn</a:t>
+              </a:r>
+              <a:r>
+                <a:rPr lang="en-US" sz="3199" dirty="0" smtClean="0">
+                  <a:solidFill>
+                    <a:srgbClr val="100F0D"/>
+                  </a:solidFill>
+                  <a:latin typeface="Cabin"/>
+                  <a:ea typeface="Cabin"/>
+                  <a:cs typeface="Cabin"/>
+                  <a:sym typeface="Cabin"/>
+                </a:rPr>
+                <a:t> </a:t>
+              </a:r>
+              <a:r>
+                <a:rPr lang="en-US" sz="3199" dirty="0" err="1" smtClean="0">
+                  <a:solidFill>
+                    <a:srgbClr val="100F0D"/>
+                  </a:solidFill>
+                  <a:latin typeface="Cabin"/>
+                  <a:ea typeface="Cabin"/>
+                  <a:cs typeface="Cabin"/>
+                  <a:sym typeface="Cabin"/>
+                </a:rPr>
+                <a:t>như</a:t>
+              </a:r>
+              <a:r>
+                <a:rPr lang="en-US" sz="3199" dirty="0" smtClean="0">
+                  <a:solidFill>
+                    <a:srgbClr val="100F0D"/>
+                  </a:solidFill>
+                  <a:latin typeface="Cabin"/>
+                  <a:ea typeface="Cabin"/>
+                  <a:cs typeface="Cabin"/>
+                  <a:sym typeface="Cabin"/>
+                </a:rPr>
+                <a:t> </a:t>
+              </a:r>
+              <a:r>
+                <a:rPr lang="en-US" sz="3199" dirty="0" err="1" smtClean="0">
+                  <a:solidFill>
+                    <a:srgbClr val="100F0D"/>
+                  </a:solidFill>
+                  <a:latin typeface="Cabin"/>
+                  <a:ea typeface="Cabin"/>
+                  <a:cs typeface="Cabin"/>
+                  <a:sym typeface="Cabin"/>
+                </a:rPr>
+                <a:t>Hà</a:t>
+              </a:r>
+              <a:r>
+                <a:rPr lang="en-US" sz="3199" dirty="0" smtClean="0">
+                  <a:solidFill>
+                    <a:srgbClr val="100F0D"/>
+                  </a:solidFill>
+                  <a:latin typeface="Cabin"/>
+                  <a:ea typeface="Cabin"/>
+                  <a:cs typeface="Cabin"/>
+                  <a:sym typeface="Cabin"/>
+                </a:rPr>
+                <a:t> </a:t>
+              </a:r>
+              <a:r>
+                <a:rPr lang="en-US" sz="3199" dirty="0" err="1" smtClean="0">
+                  <a:solidFill>
+                    <a:srgbClr val="100F0D"/>
+                  </a:solidFill>
+                  <a:latin typeface="Cabin"/>
+                  <a:ea typeface="Cabin"/>
+                  <a:cs typeface="Cabin"/>
+                  <a:sym typeface="Cabin"/>
+                </a:rPr>
+                <a:t>Nội</a:t>
+              </a:r>
+              <a:r>
+                <a:rPr lang="en-US" sz="3199" dirty="0" smtClean="0">
+                  <a:solidFill>
+                    <a:srgbClr val="100F0D"/>
+                  </a:solidFill>
+                  <a:latin typeface="Cabin"/>
+                  <a:ea typeface="Cabin"/>
+                  <a:cs typeface="Cabin"/>
+                  <a:sym typeface="Cabin"/>
+                </a:rPr>
+                <a:t> </a:t>
+              </a:r>
+              <a:r>
+                <a:rPr lang="en-US" sz="3199" dirty="0" err="1" smtClean="0">
+                  <a:solidFill>
+                    <a:srgbClr val="100F0D"/>
+                  </a:solidFill>
+                  <a:latin typeface="Cabin"/>
+                  <a:ea typeface="Cabin"/>
+                  <a:cs typeface="Cabin"/>
+                  <a:sym typeface="Cabin"/>
+                </a:rPr>
+                <a:t>và</a:t>
+              </a:r>
+              <a:r>
+                <a:rPr lang="en-US" sz="3199" dirty="0" smtClean="0">
+                  <a:solidFill>
+                    <a:srgbClr val="100F0D"/>
+                  </a:solidFill>
+                  <a:latin typeface="Cabin"/>
+                  <a:ea typeface="Cabin"/>
+                  <a:cs typeface="Cabin"/>
+                  <a:sym typeface="Cabin"/>
+                </a:rPr>
+                <a:t> </a:t>
+              </a:r>
+              <a:r>
+                <a:rPr lang="en-US" sz="3199" dirty="0" err="1" smtClean="0">
+                  <a:solidFill>
+                    <a:srgbClr val="100F0D"/>
+                  </a:solidFill>
+                  <a:latin typeface="Cabin"/>
+                  <a:ea typeface="Cabin"/>
+                  <a:cs typeface="Cabin"/>
+                  <a:sym typeface="Cabin"/>
+                </a:rPr>
+                <a:t>Hồ</a:t>
+              </a:r>
+              <a:r>
+                <a:rPr lang="en-US" sz="3199" dirty="0" smtClean="0">
+                  <a:solidFill>
+                    <a:srgbClr val="100F0D"/>
+                  </a:solidFill>
+                  <a:latin typeface="Cabin"/>
+                  <a:ea typeface="Cabin"/>
+                  <a:cs typeface="Cabin"/>
+                  <a:sym typeface="Cabin"/>
+                </a:rPr>
+                <a:t> </a:t>
+              </a:r>
+              <a:r>
+                <a:rPr lang="en-US" sz="3199" dirty="0" err="1" smtClean="0">
+                  <a:solidFill>
+                    <a:srgbClr val="100F0D"/>
+                  </a:solidFill>
+                  <a:latin typeface="Cabin"/>
+                  <a:ea typeface="Cabin"/>
+                  <a:cs typeface="Cabin"/>
+                  <a:sym typeface="Cabin"/>
+                </a:rPr>
+                <a:t>Chí</a:t>
+              </a:r>
+              <a:r>
+                <a:rPr lang="en-US" sz="3199" dirty="0" smtClean="0">
+                  <a:solidFill>
+                    <a:srgbClr val="100F0D"/>
+                  </a:solidFill>
+                  <a:latin typeface="Cabin"/>
+                  <a:ea typeface="Cabin"/>
+                  <a:cs typeface="Cabin"/>
+                  <a:sym typeface="Cabin"/>
+                </a:rPr>
+                <a:t> Minh </a:t>
+              </a:r>
+              <a:r>
+                <a:rPr lang="en-US" sz="3199" dirty="0" err="1">
+                  <a:solidFill>
+                    <a:srgbClr val="100F0D"/>
+                  </a:solidFill>
+                  <a:latin typeface="Cabin"/>
+                  <a:ea typeface="Cabin"/>
+                  <a:cs typeface="Cabin"/>
+                  <a:sym typeface="Cabin"/>
+                </a:rPr>
+                <a:t>đang</a:t>
+              </a:r>
+              <a:r>
+                <a:rPr lang="en-US" sz="3199" dirty="0">
+                  <a:solidFill>
+                    <a:srgbClr val="100F0D"/>
+                  </a:solidFill>
+                  <a:latin typeface="Cabin"/>
+                  <a:ea typeface="Cabin"/>
+                  <a:cs typeface="Cabin"/>
+                  <a:sym typeface="Cabin"/>
+                </a:rPr>
+                <a:t> </a:t>
+              </a:r>
+              <a:r>
+                <a:rPr lang="en-US" sz="3199" dirty="0" err="1">
+                  <a:solidFill>
+                    <a:srgbClr val="100F0D"/>
+                  </a:solidFill>
+                  <a:latin typeface="Cabin"/>
+                  <a:ea typeface="Cabin"/>
+                  <a:cs typeface="Cabin"/>
+                  <a:sym typeface="Cabin"/>
+                </a:rPr>
+                <a:t>ngày</a:t>
+              </a:r>
+              <a:r>
+                <a:rPr lang="en-US" sz="3199" dirty="0">
+                  <a:solidFill>
+                    <a:srgbClr val="100F0D"/>
+                  </a:solidFill>
+                  <a:latin typeface="Cabin"/>
+                  <a:ea typeface="Cabin"/>
+                  <a:cs typeface="Cabin"/>
+                  <a:sym typeface="Cabin"/>
+                </a:rPr>
+                <a:t> </a:t>
+              </a:r>
+              <a:r>
+                <a:rPr lang="en-US" sz="3199" dirty="0" err="1">
+                  <a:solidFill>
+                    <a:srgbClr val="100F0D"/>
+                  </a:solidFill>
+                  <a:latin typeface="Cabin"/>
+                  <a:ea typeface="Cabin"/>
+                  <a:cs typeface="Cabin"/>
+                  <a:sym typeface="Cabin"/>
+                </a:rPr>
+                <a:t>càng</a:t>
+              </a:r>
+              <a:r>
+                <a:rPr lang="en-US" sz="3199" dirty="0">
+                  <a:solidFill>
+                    <a:srgbClr val="100F0D"/>
+                  </a:solidFill>
+                  <a:latin typeface="Cabin"/>
+                  <a:ea typeface="Cabin"/>
+                  <a:cs typeface="Cabin"/>
+                  <a:sym typeface="Cabin"/>
+                </a:rPr>
+                <a:t> </a:t>
+              </a:r>
+              <a:r>
+                <a:rPr lang="en-US" sz="3199" dirty="0" err="1">
+                  <a:solidFill>
+                    <a:srgbClr val="100F0D"/>
+                  </a:solidFill>
+                  <a:latin typeface="Cabin"/>
+                  <a:ea typeface="Cabin"/>
+                  <a:cs typeface="Cabin"/>
+                  <a:sym typeface="Cabin"/>
+                </a:rPr>
+                <a:t>gia</a:t>
+              </a:r>
+              <a:r>
+                <a:rPr lang="en-US" sz="3199" dirty="0">
+                  <a:solidFill>
+                    <a:srgbClr val="100F0D"/>
+                  </a:solidFill>
+                  <a:latin typeface="Cabin"/>
+                  <a:ea typeface="Cabin"/>
+                  <a:cs typeface="Cabin"/>
+                  <a:sym typeface="Cabin"/>
+                </a:rPr>
+                <a:t> </a:t>
+              </a:r>
+              <a:r>
+                <a:rPr lang="en-US" sz="3199" dirty="0" err="1" smtClean="0">
+                  <a:solidFill>
+                    <a:srgbClr val="100F0D"/>
+                  </a:solidFill>
+                  <a:latin typeface="Cabin"/>
+                  <a:ea typeface="Cabin"/>
+                  <a:cs typeface="Cabin"/>
+                  <a:sym typeface="Cabin"/>
+                </a:rPr>
+                <a:t>tăng</a:t>
+              </a:r>
+              <a:r>
+                <a:rPr lang="en-US" sz="3199" u="none" dirty="0" smtClean="0">
                   <a:solidFill>
                     <a:srgbClr val="100F0D"/>
                   </a:solidFill>
@@ -3666,12 +5491,290 @@
               </a:r>
             </a:p>
             <a:p>
-              <a:pPr algn="l">
+              <a:pPr marL="690879" lvl="1" indent="-345439" algn="just">
                 <a:lnSpc>
-                  <a:spcPts val="4479"/>
+                  <a:spcPct val="150000"/>
                 </a:lnSpc>
+                <a:buFont typeface="Arial"/>
+                <a:buChar char="•"/>
               </a:pPr>
-              <a:endParaRPr lang="en-US" sz="3199" u="none">
+              <a:r>
+                <a:rPr lang="vi-VN" sz="3200" dirty="0">
+                  <a:latin typeface="Cabin" panose="020B0604020202020204" charset="0"/>
+                </a:rPr>
+                <a:t>Bên cạnh đó, </a:t>
+              </a:r>
+              <a:r>
+                <a:rPr lang="en-US" sz="3200" dirty="0" err="1" smtClean="0">
+                  <a:latin typeface="Cabin" panose="020B0604020202020204" charset="0"/>
+                </a:rPr>
+                <a:t>các</a:t>
+              </a:r>
+              <a:r>
+                <a:rPr lang="en-US" sz="3200" dirty="0" smtClean="0">
+                  <a:latin typeface="Cabin" panose="020B0604020202020204" charset="0"/>
+                </a:rPr>
+                <a:t> </a:t>
+              </a:r>
+              <a:r>
+                <a:rPr lang="vi-VN" sz="3200" dirty="0" smtClean="0">
+                  <a:latin typeface="Cabin" panose="020B0604020202020204" charset="0"/>
+                </a:rPr>
+                <a:t>chủ </a:t>
+              </a:r>
+              <a:r>
+                <a:rPr lang="vi-VN" sz="3200" dirty="0">
+                  <a:latin typeface="Cabin" panose="020B0604020202020204" charset="0"/>
+                </a:rPr>
+                <a:t>nhà trọ </a:t>
+              </a:r>
+              <a:r>
+                <a:rPr lang="vi-VN" sz="3200" dirty="0" smtClean="0">
+                  <a:latin typeface="Cabin" panose="020B0604020202020204" charset="0"/>
+                </a:rPr>
+                <a:t>cũng</a:t>
+              </a:r>
+              <a:r>
+                <a:rPr lang="en-US" sz="3200" dirty="0" smtClean="0">
+                  <a:latin typeface="Cabin" panose="020B0604020202020204" charset="0"/>
+                </a:rPr>
+                <a:t> </a:t>
+              </a:r>
+              <a:r>
+                <a:rPr lang="en-US" sz="3200" dirty="0" err="1" smtClean="0">
+                  <a:latin typeface="Cabin" panose="020B0604020202020204" charset="0"/>
+                </a:rPr>
+                <a:t>đang</a:t>
+              </a:r>
+              <a:r>
+                <a:rPr lang="vi-VN" sz="3200" dirty="0" smtClean="0">
+                  <a:latin typeface="Cabin" panose="020B0604020202020204" charset="0"/>
+                </a:rPr>
+                <a:t> </a:t>
+              </a:r>
+              <a:r>
+                <a:rPr lang="vi-VN" sz="3200" dirty="0">
+                  <a:latin typeface="Cabin" panose="020B0604020202020204" charset="0"/>
+                </a:rPr>
+                <a:t>gặp phải </a:t>
+              </a:r>
+              <a:r>
+                <a:rPr lang="en-US" sz="3200" dirty="0" err="1" smtClean="0">
+                  <a:latin typeface="Cabin" panose="020B0604020202020204" charset="0"/>
+                </a:rPr>
+                <a:t>nhiều</a:t>
+              </a:r>
+              <a:r>
+                <a:rPr lang="vi-VN" sz="3200" dirty="0" smtClean="0">
+                  <a:latin typeface="Cabin" panose="020B0604020202020204" charset="0"/>
+                </a:rPr>
+                <a:t> </a:t>
+              </a:r>
+              <a:r>
+                <a:rPr lang="vi-VN" sz="3200" dirty="0">
+                  <a:latin typeface="Cabin" panose="020B0604020202020204" charset="0"/>
+                </a:rPr>
+                <a:t>thách thức trong việc quản lý </a:t>
+              </a:r>
+              <a:r>
+                <a:rPr lang="vi-VN" sz="3200" dirty="0" smtClean="0">
+                  <a:latin typeface="Cabin" panose="020B0604020202020204" charset="0"/>
+                </a:rPr>
+                <a:t>phòng </a:t>
+              </a:r>
+              <a:r>
+                <a:rPr lang="en-US" sz="3200" dirty="0" err="1" smtClean="0">
+                  <a:latin typeface="Cabin" panose="020B0604020202020204" charset="0"/>
+                </a:rPr>
+                <a:t>như</a:t>
+              </a:r>
+              <a:r>
+                <a:rPr lang="en-US" sz="3200" dirty="0" smtClean="0">
+                  <a:latin typeface="Cabin" panose="020B0604020202020204" charset="0"/>
+                </a:rPr>
+                <a:t>:</a:t>
+              </a:r>
+              <a:r>
+                <a:rPr lang="vi-VN" sz="3200" dirty="0" smtClean="0">
+                  <a:latin typeface="Cabin" panose="020B0604020202020204" charset="0"/>
+                </a:rPr>
+                <a:t> </a:t>
+              </a:r>
+              <a:r>
+                <a:rPr lang="vi-VN" sz="3200" dirty="0">
+                  <a:latin typeface="Cabin" panose="020B0604020202020204" charset="0"/>
+                </a:rPr>
+                <a:t>hợp </a:t>
+              </a:r>
+              <a:r>
+                <a:rPr lang="vi-VN" sz="3200" dirty="0" smtClean="0">
+                  <a:latin typeface="Cabin" panose="020B0604020202020204" charset="0"/>
+                </a:rPr>
+                <a:t>đồng</a:t>
+              </a:r>
+              <a:r>
+                <a:rPr lang="en-US" sz="3200" dirty="0" smtClean="0">
+                  <a:latin typeface="Cabin" panose="020B0604020202020204" charset="0"/>
+                </a:rPr>
+                <a:t>,</a:t>
+              </a:r>
+              <a:r>
+                <a:rPr lang="vi-VN" sz="3200" dirty="0" smtClean="0">
+                  <a:latin typeface="Cabin" panose="020B0604020202020204" charset="0"/>
+                </a:rPr>
+                <a:t> </a:t>
+              </a:r>
+              <a:r>
+                <a:rPr lang="vi-VN" sz="3200" dirty="0">
+                  <a:latin typeface="Cabin" panose="020B0604020202020204" charset="0"/>
+                </a:rPr>
+                <a:t>hóa </a:t>
+              </a:r>
+              <a:r>
+                <a:rPr lang="vi-VN" sz="3200" dirty="0" smtClean="0">
+                  <a:latin typeface="Cabin" panose="020B0604020202020204" charset="0"/>
+                </a:rPr>
+                <a:t>đơn</a:t>
+              </a:r>
+              <a:r>
+                <a:rPr lang="en-US" sz="3200" dirty="0" smtClean="0">
+                  <a:latin typeface="Cabin" panose="020B0604020202020204" charset="0"/>
+                </a:rPr>
+                <a:t>, </a:t>
+              </a:r>
+              <a:r>
+                <a:rPr lang="en-US" sz="3200" dirty="0" err="1" smtClean="0">
+                  <a:latin typeface="Cabin" panose="020B0604020202020204" charset="0"/>
+                </a:rPr>
+                <a:t>thông</a:t>
+              </a:r>
+              <a:r>
+                <a:rPr lang="en-US" sz="3200" dirty="0" smtClean="0">
+                  <a:latin typeface="Cabin" panose="020B0604020202020204" charset="0"/>
+                </a:rPr>
+                <a:t> tin </a:t>
+              </a:r>
+              <a:r>
+                <a:rPr lang="vi-VN" sz="3200" dirty="0" smtClean="0">
+                  <a:latin typeface="Cabin" panose="020B0604020202020204" charset="0"/>
+                </a:rPr>
+                <a:t>người thuê</a:t>
+              </a:r>
+              <a:r>
+                <a:rPr lang="en-US" sz="3200" dirty="0">
+                  <a:latin typeface="Cabin" panose="020B0604020202020204" charset="0"/>
+                </a:rPr>
+                <a:t> </a:t>
+              </a:r>
+              <a:r>
+                <a:rPr lang="en-US" sz="3200" dirty="0" err="1" smtClean="0">
+                  <a:latin typeface="Cabin" panose="020B0604020202020204" charset="0"/>
+                </a:rPr>
+                <a:t>và</a:t>
+              </a:r>
+              <a:r>
+                <a:rPr lang="en-US" sz="3200" dirty="0" smtClean="0">
+                  <a:latin typeface="Cabin" panose="020B0604020202020204" charset="0"/>
+                </a:rPr>
+                <a:t> </a:t>
+              </a:r>
+              <a:r>
+                <a:rPr lang="en-US" sz="3200" dirty="0" err="1" smtClean="0">
+                  <a:latin typeface="Cabin" panose="020B0604020202020204" charset="0"/>
+                </a:rPr>
+                <a:t>việc</a:t>
+              </a:r>
+              <a:r>
+                <a:rPr lang="en-US" sz="3200" dirty="0" smtClean="0">
+                  <a:latin typeface="Cabin" panose="020B0604020202020204" charset="0"/>
+                </a:rPr>
+                <a:t> </a:t>
+              </a:r>
+              <a:r>
+                <a:rPr lang="en-US" sz="3200" dirty="0" err="1" smtClean="0">
+                  <a:latin typeface="Cabin" panose="020B0604020202020204" charset="0"/>
+                </a:rPr>
+                <a:t>tìm</a:t>
+              </a:r>
+              <a:r>
+                <a:rPr lang="en-US" sz="3200" dirty="0" smtClean="0">
+                  <a:latin typeface="Cabin" panose="020B0604020202020204" charset="0"/>
+                </a:rPr>
+                <a:t> </a:t>
+              </a:r>
+              <a:r>
+                <a:rPr lang="en-US" sz="3200" dirty="0" err="1" smtClean="0">
+                  <a:latin typeface="Cabin" panose="020B0604020202020204" charset="0"/>
+                </a:rPr>
+                <a:t>kiếm</a:t>
+              </a:r>
+              <a:r>
+                <a:rPr lang="en-US" sz="3200" dirty="0" smtClean="0">
+                  <a:latin typeface="Cabin" panose="020B0604020202020204" charset="0"/>
+                </a:rPr>
+                <a:t> </a:t>
+              </a:r>
+              <a:r>
+                <a:rPr lang="en-US" sz="3200" dirty="0" err="1" smtClean="0">
+                  <a:latin typeface="Cabin" panose="020B0604020202020204" charset="0"/>
+                </a:rPr>
+                <a:t>tiếp</a:t>
+              </a:r>
+              <a:r>
+                <a:rPr lang="en-US" sz="3200" dirty="0" smtClean="0">
+                  <a:latin typeface="Cabin" panose="020B0604020202020204" charset="0"/>
+                </a:rPr>
+                <a:t> </a:t>
+              </a:r>
+              <a:r>
+                <a:rPr lang="en-US" sz="3200" dirty="0" err="1" smtClean="0">
+                  <a:latin typeface="Cabin" panose="020B0604020202020204" charset="0"/>
+                </a:rPr>
+                <a:t>cận</a:t>
+              </a:r>
+              <a:r>
+                <a:rPr lang="en-US" sz="3200" dirty="0" smtClean="0">
+                  <a:latin typeface="Cabin" panose="020B0604020202020204" charset="0"/>
+                </a:rPr>
+                <a:t> </a:t>
+              </a:r>
+              <a:r>
+                <a:rPr lang="en-US" sz="3200" dirty="0" err="1" smtClean="0">
+                  <a:latin typeface="Cabin" panose="020B0604020202020204" charset="0"/>
+                </a:rPr>
+                <a:t>khách</a:t>
+              </a:r>
+              <a:r>
+                <a:rPr lang="en-US" sz="3200" dirty="0" smtClean="0">
+                  <a:latin typeface="Cabin" panose="020B0604020202020204" charset="0"/>
+                </a:rPr>
+                <a:t> </a:t>
+              </a:r>
+              <a:r>
+                <a:rPr lang="en-US" sz="3200" dirty="0" err="1" smtClean="0">
+                  <a:latin typeface="Cabin" panose="020B0604020202020204" charset="0"/>
+                </a:rPr>
+                <a:t>thuê</a:t>
+              </a:r>
+              <a:r>
+                <a:rPr lang="en-US" sz="3200" dirty="0" smtClean="0">
+                  <a:latin typeface="Cabin" panose="020B0604020202020204" charset="0"/>
+                </a:rPr>
+                <a:t> </a:t>
+              </a:r>
+              <a:r>
+                <a:rPr lang="en-US" sz="3200" dirty="0" err="1" smtClean="0">
+                  <a:latin typeface="Cabin" panose="020B0604020202020204" charset="0"/>
+                </a:rPr>
+                <a:t>mới</a:t>
+              </a:r>
+              <a:r>
+                <a:rPr lang="vi-VN" sz="3200" dirty="0" smtClean="0">
+                  <a:latin typeface="Cabin" panose="020B0604020202020204" charset="0"/>
+                </a:rPr>
+                <a:t>.</a:t>
+              </a:r>
+              <a:endParaRPr lang="en-US" sz="3199" u="none" dirty="0">
                 <a:solidFill>
                   <a:srgbClr val="100F0D"/>
                 </a:solidFill>
@@ -3680,27 +5783,6 @@
                 <a:cs typeface="Cabin"/>
                 <a:sym typeface="Cabin"/>
               </a:endParaRPr>
-            </a:p>
-            <a:p>
-              <a:pPr marL="690879" lvl="1" indent="-345439" algn="l">
-                <a:lnSpc>
-                  <a:spcPts val="4479"/>
-                </a:lnSpc>
-                <a:buFont typeface="Arial"/>
-                <a:buChar char="•"/>
-              </a:pPr>
-              <a:r>
-                <a:rPr lang="en-US" sz="3199" u="none">
-                  <a:solidFill>
-                    <a:srgbClr val="100F0D"/>
-                  </a:solidFill>
-                  <a:latin typeface="Cabin"/>
-                  <a:ea typeface="Cabin"/>
-                  <a:cs typeface="Cabin"/>
-                  <a:sym typeface="Cabin"/>
-                </a:rPr>
-                <a:t>Mặc dù có nhiều trang web và ứng dụng hỗ trợ việc quản lý nhà trọ nhưng vẫn tồn tại một khoảng trống</a:t>
-              </a:r>
             </a:p>
           </p:txBody>
         </p:sp>
@@ -3735,7 +5817,7 @@
               </a:spcBef>
             </a:pPr>
             <a:r>
-              <a:rPr lang="en-US" sz="3499">
+              <a:rPr lang="en-US" sz="3499" dirty="0">
                 <a:solidFill>
                   <a:srgbClr val="FFFFFF"/>
                 </a:solidFill>
@@ -4618,6 +6700,13 @@
   <p:clrMapOvr>
     <a:masterClrMapping/>
   </p:clrMapOvr>
+  <p:timing>
+    <p:tnLst>
+      <p:par>
+        <p:cTn id="1" dur="indefinite" restart="never" nodeType="tmRoot"/>
+      </p:par>
+    </p:tnLst>
+  </p:timing>
 </p:sld>
 </file>
 
@@ -4680,7 +6769,7 @@
             <a:blip r:embed="rId2">
               <a:extLst>
                 <a:ext uri="{96DAC541-7B7A-43D3-8B79-37D633B846F1}">
-                  <asvg:svgBlip xmlns:asvg="http://schemas.microsoft.com/office/drawing/2016/SVG/main" r:embed="rId3"/>
+                  <asvg:svgBlip xmlns:asvg="http://schemas.microsoft.com/office/drawing/2016/SVG/main" xmlns="" r:embed="rId3"/>
                 </a:ext>
               </a:extLst>
             </a:blip>
@@ -5068,6 +7157,13 @@
   <p:clrMapOvr>
     <a:masterClrMapping/>
   </p:clrMapOvr>
+  <p:timing>
+    <p:tnLst>
+      <p:par>
+        <p:cTn id="1" dur="indefinite" restart="never" nodeType="tmRoot"/>
+      </p:par>
+    </p:tnLst>
+  </p:timing>
 </p:sld>
 </file>
 
@@ -5143,7 +7239,13 @@
           <p:cNvGraphicFramePr>
             <a:graphicFrameLocks noGrp="1"/>
           </p:cNvGraphicFramePr>
-          <p:nvPr/>
+          <p:nvPr>
+            <p:extLst>
+              <p:ext uri="{D42A27DB-BD31-4B8C-83A1-F6EECF244321}">
+                <p14:modId xmlns:p14="http://schemas.microsoft.com/office/powerpoint/2010/main" val="3202236880"/>
+              </p:ext>
+            </p:extLst>
+          </p:nvPr>
         </p:nvGraphicFramePr>
         <p:xfrm>
           <a:off x="1028700" y="1648639"/>
@@ -5390,18 +7492,96 @@
                         <a:defRPr/>
                       </a:pPr>
                       <a:r>
-                        <a:rPr lang="en-US" sz="2399">
+                        <a:rPr lang="en-US" sz="2399" dirty="0" err="1" smtClean="0">
                           <a:solidFill>
                             <a:srgbClr val="FFFFFF"/>
                           </a:solidFill>
                           <a:latin typeface="Cabin"/>
-                          <a:ea typeface="Cabin"/>
-                          <a:cs typeface="Cabin"/>
                           <a:sym typeface="Cabin"/>
                         </a:rPr>
-                        <a:t>Xem hoá đơn</a:t>
+                        <a:t>Quản</a:t>
                       </a:r>
-                      <a:endParaRPr lang="en-US" sz="1100"/>
+                      <a:r>
+                        <a:rPr lang="en-US" sz="2399" baseline="0" dirty="0" smtClean="0">
+                          <a:solidFill>
+                            <a:srgbClr val="FFFFFF"/>
+                          </a:solidFill>
+                          <a:latin typeface="Cabin"/>
+                          <a:sym typeface="Cabin"/>
+                        </a:rPr>
+                        <a:t> </a:t>
+                      </a:r>
+                      <a:r>
+                        <a:rPr lang="en-US" sz="2399" baseline="0" dirty="0" err="1" smtClean="0">
+                          <a:solidFill>
+                            <a:srgbClr val="FFFFFF"/>
+                          </a:solidFill>
+                          <a:latin typeface="Cabin"/>
+                          <a:sym typeface="Cabin"/>
+                        </a:rPr>
+                        <a:t>lý</a:t>
+                      </a:r>
+                      <a:r>
+                        <a:rPr lang="en-US" sz="2399" baseline="0" dirty="0" smtClean="0">
+                          <a:solidFill>
+                            <a:srgbClr val="FFFFFF"/>
+                          </a:solidFill>
+                          <a:latin typeface="Cabin"/>
+                          <a:sym typeface="Cabin"/>
+                        </a:rPr>
+                        <a:t> </a:t>
+                      </a:r>
+                      <a:r>
+                        <a:rPr lang="en-US" sz="2399" baseline="0" dirty="0" err="1" smtClean="0">
+                          <a:solidFill>
+                            <a:srgbClr val="FFFFFF"/>
+                          </a:solidFill>
+                          <a:latin typeface="Cabin"/>
+                          <a:sym typeface="Cabin"/>
+                        </a:rPr>
+                        <a:t>thông</a:t>
+                      </a:r>
+                      <a:r>
+                        <a:rPr lang="en-US" sz="2399" baseline="0" dirty="0" smtClean="0">
+                          <a:solidFill>
+                            <a:srgbClr val="FFFFFF"/>
+                          </a:solidFill>
+                          <a:latin typeface="Cabin"/>
+                          <a:sym typeface="Cabin"/>
+                        </a:rPr>
+                        <a:t> tin </a:t>
+                      </a:r>
+                      <a:r>
+                        <a:rPr lang="en-US" sz="2399" baseline="0" dirty="0" err="1" smtClean="0">
+                          <a:solidFill>
+                            <a:srgbClr val="FFFFFF"/>
+                          </a:solidFill>
+                          <a:latin typeface="Cabin"/>
+                          <a:sym typeface="Cabin"/>
+                        </a:rPr>
+                        <a:t>cá</a:t>
+                      </a:r>
+                      <a:r>
+                        <a:rPr lang="en-US" sz="2399" baseline="0" dirty="0" smtClean="0">
+                          <a:solidFill>
+                            <a:srgbClr val="FFFFFF"/>
+                          </a:solidFill>
+                          <a:latin typeface="Cabin"/>
+                          <a:sym typeface="Cabin"/>
+                        </a:rPr>
+                        <a:t> </a:t>
+                      </a:r>
+                      <a:r>
+                        <a:rPr lang="en-US" sz="2399" baseline="0" dirty="0" err="1" smtClean="0">
+                          <a:solidFill>
+                            <a:srgbClr val="FFFFFF"/>
+                          </a:solidFill>
+                          <a:latin typeface="Cabin"/>
+                          <a:sym typeface="Cabin"/>
+                        </a:rPr>
+                        <a:t>nhân</a:t>
+                      </a:r>
+                      <a:endParaRPr lang="en-US" sz="1100" dirty="0"/>
                     </a:p>
                   </a:txBody>
                   <a:tcPr marL="190500" marR="190500" marT="190500" marB="190500">
@@ -5527,7 +7707,7 @@
                         <a:defRPr/>
                       </a:pPr>
                       <a:r>
-                        <a:rPr lang="en-US" sz="2399">
+                        <a:rPr lang="en-US" sz="2399" dirty="0" err="1">
                           <a:solidFill>
                             <a:srgbClr val="FFFFFF"/>
                           </a:solidFill>
@@ -5536,9 +7716,201 @@
                           <a:cs typeface="Montserrat"/>
                           <a:sym typeface="Montserrat"/>
                         </a:rPr>
-                        <a:t>Nhận yêu cầu và điền các thông cần thiết</a:t>
+                        <a:t>Nhận</a:t>
                       </a:r>
-                      <a:endParaRPr lang="en-US" sz="1100"/>
+                      <a:r>
+                        <a:rPr lang="en-US" sz="2399" dirty="0">
+                          <a:solidFill>
+                            <a:srgbClr val="FFFFFF"/>
+                          </a:solidFill>
+                          <a:latin typeface="Montserrat"/>
+                          <a:ea typeface="Montserrat"/>
+                          <a:cs typeface="Montserrat"/>
+                          <a:sym typeface="Montserrat"/>
+                        </a:rPr>
+                        <a:t> </a:t>
+                      </a:r>
+                      <a:r>
+                        <a:rPr lang="en-US" sz="2399" dirty="0" err="1">
+                          <a:solidFill>
+                            <a:srgbClr val="FFFFFF"/>
+                          </a:solidFill>
+                          <a:latin typeface="Montserrat"/>
+                          <a:ea typeface="Montserrat"/>
+                          <a:cs typeface="Montserrat"/>
+                          <a:sym typeface="Montserrat"/>
+                        </a:rPr>
+                        <a:t>yêu</a:t>
+                      </a:r>
+                      <a:r>
+                        <a:rPr lang="en-US" sz="2399" dirty="0">
+                          <a:solidFill>
+                            <a:srgbClr val="FFFFFF"/>
+                          </a:solidFill>
+                          <a:latin typeface="Montserrat"/>
+                          <a:ea typeface="Montserrat"/>
+                          <a:cs typeface="Montserrat"/>
+                          <a:sym typeface="Montserrat"/>
+                        </a:rPr>
+                        <a:t> </a:t>
+                      </a:r>
+                      <a:r>
+                        <a:rPr lang="en-US" sz="2399" dirty="0" err="1">
+                          <a:solidFill>
+                            <a:srgbClr val="FFFFFF"/>
+                          </a:solidFill>
+                          <a:latin typeface="Montserrat"/>
+                          <a:ea typeface="Montserrat"/>
+                          <a:cs typeface="Montserrat"/>
+                          <a:sym typeface="Montserrat"/>
+                        </a:rPr>
+                        <a:t>cầu</a:t>
+                      </a:r>
+                      <a:r>
+                        <a:rPr lang="en-US" sz="2399" dirty="0">
+                          <a:solidFill>
+                            <a:srgbClr val="FFFFFF"/>
+                          </a:solidFill>
+                          <a:latin typeface="Montserrat"/>
+                          <a:ea typeface="Montserrat"/>
+                          <a:cs typeface="Montserrat"/>
+                          <a:sym typeface="Montserrat"/>
+                        </a:rPr>
+                        <a:t> </a:t>
+                      </a:r>
+                      <a:r>
+                        <a:rPr lang="en-US" sz="2399" dirty="0" err="1">
+                          <a:solidFill>
+                            <a:srgbClr val="FFFFFF"/>
+                          </a:solidFill>
+                          <a:latin typeface="Montserrat"/>
+                          <a:ea typeface="Montserrat"/>
+                          <a:cs typeface="Montserrat"/>
+                          <a:sym typeface="Montserrat"/>
+                        </a:rPr>
+                        <a:t>và</a:t>
+                      </a:r>
+                      <a:r>
+                        <a:rPr lang="en-US" sz="2399" dirty="0">
+                          <a:solidFill>
+                            <a:srgbClr val="FFFFFF"/>
+                          </a:solidFill>
+                          <a:latin typeface="Montserrat"/>
+                          <a:ea typeface="Montserrat"/>
+                          <a:cs typeface="Montserrat"/>
+                          <a:sym typeface="Montserrat"/>
+                        </a:rPr>
+                        <a:t> </a:t>
+                      </a:r>
+                      <a:r>
+                        <a:rPr lang="en-US" sz="2399" dirty="0" err="1">
+                          <a:solidFill>
+                            <a:srgbClr val="FFFFFF"/>
+                          </a:solidFill>
+                          <a:latin typeface="Montserrat"/>
+                          <a:ea typeface="Montserrat"/>
+                          <a:cs typeface="Montserrat"/>
+                          <a:sym typeface="Montserrat"/>
+                        </a:rPr>
+                        <a:t>điền</a:t>
+                      </a:r>
+                      <a:r>
+                        <a:rPr lang="en-US" sz="2399" dirty="0">
+                          <a:solidFill>
+                            <a:srgbClr val="FFFFFF"/>
+                          </a:solidFill>
+                          <a:latin typeface="Montserrat"/>
+                          <a:ea typeface="Montserrat"/>
+                          <a:cs typeface="Montserrat"/>
+                          <a:sym typeface="Montserrat"/>
+                        </a:rPr>
+                        <a:t> </a:t>
+                      </a:r>
+                      <a:r>
+                        <a:rPr lang="en-US" sz="2399" dirty="0" err="1">
+                          <a:solidFill>
+                            <a:srgbClr val="FFFFFF"/>
+                          </a:solidFill>
+                          <a:latin typeface="Montserrat"/>
+                          <a:ea typeface="Montserrat"/>
+                          <a:cs typeface="Montserrat"/>
+                          <a:sym typeface="Montserrat"/>
+                        </a:rPr>
+                        <a:t>các</a:t>
+                      </a:r>
+                      <a:r>
+                        <a:rPr lang="en-US" sz="2399" dirty="0">
+                          <a:solidFill>
+                            <a:srgbClr val="FFFFFF"/>
+                          </a:solidFill>
+                          <a:latin typeface="Montserrat"/>
+                          <a:ea typeface="Montserrat"/>
+                          <a:cs typeface="Montserrat"/>
+                          <a:sym typeface="Montserrat"/>
+                        </a:rPr>
+                        <a:t> </a:t>
+                      </a:r>
+                      <a:r>
+                        <a:rPr lang="en-US" sz="2399" dirty="0" err="1">
+                          <a:solidFill>
+                            <a:srgbClr val="FFFFFF"/>
+                          </a:solidFill>
+                          <a:latin typeface="Montserrat"/>
+                          <a:ea typeface="Montserrat"/>
+                          <a:cs typeface="Montserrat"/>
+                          <a:sym typeface="Montserrat"/>
+                        </a:rPr>
+                        <a:t>thông</a:t>
+                      </a:r>
+                      <a:r>
+                        <a:rPr lang="en-US" sz="2399" dirty="0">
+                          <a:solidFill>
+                            <a:srgbClr val="FFFFFF"/>
+                          </a:solidFill>
+                          <a:latin typeface="Montserrat"/>
+                          <a:ea typeface="Montserrat"/>
+                          <a:cs typeface="Montserrat"/>
+                          <a:sym typeface="Montserrat"/>
+                        </a:rPr>
+                        <a:t> </a:t>
+                      </a:r>
+                      <a:r>
+                        <a:rPr lang="en-US" sz="2399" dirty="0" err="1">
+                          <a:solidFill>
+                            <a:srgbClr val="FFFFFF"/>
+                          </a:solidFill>
+                          <a:latin typeface="Montserrat"/>
+                          <a:ea typeface="Montserrat"/>
+                          <a:cs typeface="Montserrat"/>
+                          <a:sym typeface="Montserrat"/>
+                        </a:rPr>
+                        <a:t>cần</a:t>
+                      </a:r>
+                      <a:r>
+                        <a:rPr lang="en-US" sz="2399" dirty="0">
+                          <a:solidFill>
+                            <a:srgbClr val="FFFFFF"/>
+                          </a:solidFill>
+                          <a:latin typeface="Montserrat"/>
+                          <a:ea typeface="Montserrat"/>
+                          <a:cs typeface="Montserrat"/>
+                          <a:sym typeface="Montserrat"/>
+                        </a:rPr>
+                        <a:t> </a:t>
+                      </a:r>
+                      <a:r>
+                        <a:rPr lang="en-US" sz="2399" dirty="0" err="1">
+                          <a:solidFill>
+                            <a:srgbClr val="FFFFFF"/>
+                          </a:solidFill>
+                          <a:latin typeface="Montserrat"/>
+                          <a:ea typeface="Montserrat"/>
+                          <a:cs typeface="Montserrat"/>
+                          <a:sym typeface="Montserrat"/>
+                        </a:rPr>
+                        <a:t>thiết</a:t>
+                      </a:r>
+                      <a:endParaRPr lang="en-US" sz="1100" dirty="0"/>
                     </a:p>
                   </a:txBody>
                   <a:tcPr marL="190500" marR="190500" marT="190500" marB="190500">
@@ -5657,13 +8029,92 @@
                     <a:bodyPr/>
                     <a:lstStyle/>
                     <a:p>
-                      <a:pPr algn="ctr">
+                      <a:pPr marL="0" marR="0" indent="0" algn="ctr" defTabSz="914400" rtl="0" eaLnBrk="1" fontAlgn="auto" latinLnBrk="0" hangingPunct="1">
                         <a:lnSpc>
                           <a:spcPts val="3359"/>
                         </a:lnSpc>
+                        <a:spcBef>
+                          <a:spcPts val="0"/>
+                        </a:spcBef>
+                        <a:spcAft>
+                          <a:spcPts val="0"/>
+                        </a:spcAft>
+                        <a:buClrTx/>
+                        <a:buSzTx/>
+                        <a:buFontTx/>
+                        <a:buNone/>
+                        <a:tabLst/>
                         <a:defRPr/>
                       </a:pPr>
-                      <a:endParaRPr lang="en-US" sz="1100"/>
+                      <a:r>
+                        <a:rPr lang="en-US" sz="2400" dirty="0" err="1" smtClean="0">
+                          <a:solidFill>
+                            <a:schemeClr val="bg1"/>
+                          </a:solidFill>
+                          <a:latin typeface="Montserrat" panose="020B0604020202020204" charset="0"/>
+                        </a:rPr>
+                        <a:t>Tìm</a:t>
+                      </a:r>
+                      <a:r>
+                        <a:rPr lang="en-US" sz="2400" baseline="0" dirty="0" smtClean="0">
+                          <a:solidFill>
+                            <a:schemeClr val="bg1"/>
+                          </a:solidFill>
+                          <a:latin typeface="Montserrat" panose="020B0604020202020204" charset="0"/>
+                        </a:rPr>
+                        <a:t> </a:t>
+                      </a:r>
+                      <a:r>
+                        <a:rPr lang="en-US" sz="2400" baseline="0" dirty="0" err="1" smtClean="0">
+                          <a:solidFill>
+                            <a:schemeClr val="bg1"/>
+                          </a:solidFill>
+                          <a:latin typeface="Montserrat" panose="020B0604020202020204" charset="0"/>
+                        </a:rPr>
+                        <a:t>kiếm</a:t>
+                      </a:r>
+                      <a:r>
+                        <a:rPr lang="en-US" sz="2400" baseline="0" dirty="0" smtClean="0">
+                          <a:solidFill>
+                            <a:schemeClr val="bg1"/>
+                          </a:solidFill>
+                          <a:latin typeface="Montserrat" panose="020B0604020202020204" charset="0"/>
+                        </a:rPr>
+                        <a:t> </a:t>
+                      </a:r>
+                      <a:r>
+                        <a:rPr lang="en-US" sz="2400" baseline="0" dirty="0" err="1" smtClean="0">
+                          <a:solidFill>
+                            <a:schemeClr val="bg1"/>
+                          </a:solidFill>
+                          <a:latin typeface="Montserrat" panose="020B0604020202020204" charset="0"/>
+                        </a:rPr>
+                        <a:t>phòng</a:t>
+                      </a:r>
+                      <a:r>
+                        <a:rPr lang="en-US" sz="2400" baseline="0" dirty="0" smtClean="0">
+                          <a:solidFill>
+                            <a:schemeClr val="bg1"/>
+                          </a:solidFill>
+                          <a:latin typeface="Montserrat" panose="020B0604020202020204" charset="0"/>
+                        </a:rPr>
+                        <a:t> </a:t>
+                      </a:r>
+                      <a:r>
+                        <a:rPr lang="en-US" sz="2400" baseline="0" dirty="0" err="1" smtClean="0">
+                          <a:solidFill>
+                            <a:schemeClr val="bg1"/>
+                          </a:solidFill>
+                          <a:latin typeface="Montserrat" panose="020B0604020202020204" charset="0"/>
+                        </a:rPr>
+                        <a:t>trọ</a:t>
+                      </a:r>
+                      <a:endParaRPr lang="en-US" sz="2400" dirty="0" smtClean="0">
+                        <a:solidFill>
+                          <a:schemeClr val="bg1"/>
+                        </a:solidFill>
+                        <a:latin typeface="Montserrat" panose="020B0604020202020204" charset="0"/>
+                      </a:endParaRPr>
                     </a:p>
                   </a:txBody>
                   <a:tcPr marL="190500" marR="190500" marT="190500" marB="190500">
@@ -5789,7 +8240,7 @@
                         <a:defRPr/>
                       </a:pPr>
                       <a:r>
-                        <a:rPr lang="en-US" sz="2399">
+                        <a:rPr lang="en-US" sz="2399" dirty="0" err="1">
                           <a:solidFill>
                             <a:srgbClr val="FFFFFF"/>
                           </a:solidFill>
@@ -5798,9 +8249,153 @@
                           <a:cs typeface="Montserrat"/>
                           <a:sym typeface="Montserrat"/>
                         </a:rPr>
-                        <a:t>Gửi yêu cầu đã thanh toán hoá</a:t>
+                        <a:t>Gửi</a:t>
                       </a:r>
-                      <a:endParaRPr lang="en-US" sz="1100"/>
+                      <a:r>
+                        <a:rPr lang="en-US" sz="2399" dirty="0">
+                          <a:solidFill>
+                            <a:srgbClr val="FFFFFF"/>
+                          </a:solidFill>
+                          <a:latin typeface="Montserrat"/>
+                          <a:ea typeface="Montserrat"/>
+                          <a:cs typeface="Montserrat"/>
+                          <a:sym typeface="Montserrat"/>
+                        </a:rPr>
+                        <a:t> </a:t>
+                      </a:r>
+                      <a:r>
+                        <a:rPr lang="en-US" sz="2399" dirty="0" err="1">
+                          <a:solidFill>
+                            <a:srgbClr val="FFFFFF"/>
+                          </a:solidFill>
+                          <a:latin typeface="Montserrat"/>
+                          <a:ea typeface="Montserrat"/>
+                          <a:cs typeface="Montserrat"/>
+                          <a:sym typeface="Montserrat"/>
+                        </a:rPr>
+                        <a:t>yêu</a:t>
+                      </a:r>
+                      <a:r>
+                        <a:rPr lang="en-US" sz="2399" dirty="0">
+                          <a:solidFill>
+                            <a:srgbClr val="FFFFFF"/>
+                          </a:solidFill>
+                          <a:latin typeface="Montserrat"/>
+                          <a:ea typeface="Montserrat"/>
+                          <a:cs typeface="Montserrat"/>
+                          <a:sym typeface="Montserrat"/>
+                        </a:rPr>
+                        <a:t> </a:t>
+                      </a:r>
+                      <a:r>
+                        <a:rPr lang="en-US" sz="2399" dirty="0" err="1">
+                          <a:solidFill>
+                            <a:srgbClr val="FFFFFF"/>
+                          </a:solidFill>
+                          <a:latin typeface="Montserrat"/>
+                          <a:ea typeface="Montserrat"/>
+                          <a:cs typeface="Montserrat"/>
+                          <a:sym typeface="Montserrat"/>
+                        </a:rPr>
+                        <a:t>cầu</a:t>
+                      </a:r>
+                      <a:r>
+                        <a:rPr lang="en-US" sz="2399" dirty="0">
+                          <a:solidFill>
+                            <a:srgbClr val="FFFFFF"/>
+                          </a:solidFill>
+                          <a:latin typeface="Montserrat"/>
+                          <a:ea typeface="Montserrat"/>
+                          <a:cs typeface="Montserrat"/>
+                          <a:sym typeface="Montserrat"/>
+                        </a:rPr>
+                        <a:t> </a:t>
+                      </a:r>
+                      <a:r>
+                        <a:rPr lang="en-US" sz="2399" dirty="0" err="1">
+                          <a:solidFill>
+                            <a:srgbClr val="FFFFFF"/>
+                          </a:solidFill>
+                          <a:latin typeface="Montserrat"/>
+                          <a:ea typeface="Montserrat"/>
+                          <a:cs typeface="Montserrat"/>
+                          <a:sym typeface="Montserrat"/>
+                        </a:rPr>
+                        <a:t>đã</a:t>
+                      </a:r>
+                      <a:r>
+                        <a:rPr lang="en-US" sz="2399" dirty="0">
+                          <a:solidFill>
+                            <a:srgbClr val="FFFFFF"/>
+                          </a:solidFill>
+                          <a:latin typeface="Montserrat"/>
+                          <a:ea typeface="Montserrat"/>
+                          <a:cs typeface="Montserrat"/>
+                          <a:sym typeface="Montserrat"/>
+                        </a:rPr>
+                        <a:t> </a:t>
+                      </a:r>
+                      <a:r>
+                        <a:rPr lang="en-US" sz="2399" dirty="0" err="1">
+                          <a:solidFill>
+                            <a:srgbClr val="FFFFFF"/>
+                          </a:solidFill>
+                          <a:latin typeface="Montserrat"/>
+                          <a:ea typeface="Montserrat"/>
+                          <a:cs typeface="Montserrat"/>
+                          <a:sym typeface="Montserrat"/>
+                        </a:rPr>
+                        <a:t>thanh</a:t>
+                      </a:r>
+                      <a:r>
+                        <a:rPr lang="en-US" sz="2399" dirty="0">
+                          <a:solidFill>
+                            <a:srgbClr val="FFFFFF"/>
+                          </a:solidFill>
+                          <a:latin typeface="Montserrat"/>
+                          <a:ea typeface="Montserrat"/>
+                          <a:cs typeface="Montserrat"/>
+                          <a:sym typeface="Montserrat"/>
+                        </a:rPr>
+                        <a:t> </a:t>
+                      </a:r>
+                      <a:r>
+                        <a:rPr lang="en-US" sz="2399" dirty="0" err="1">
+                          <a:solidFill>
+                            <a:srgbClr val="FFFFFF"/>
+                          </a:solidFill>
+                          <a:latin typeface="Montserrat"/>
+                          <a:ea typeface="Montserrat"/>
+                          <a:cs typeface="Montserrat"/>
+                          <a:sym typeface="Montserrat"/>
+                        </a:rPr>
+                        <a:t>toán</a:t>
+                      </a:r>
+                      <a:r>
+                        <a:rPr lang="en-US" sz="2399" dirty="0">
+                          <a:solidFill>
+                            <a:srgbClr val="FFFFFF"/>
+                          </a:solidFill>
+                          <a:latin typeface="Montserrat"/>
+                          <a:ea typeface="Montserrat"/>
+                          <a:cs typeface="Montserrat"/>
+                          <a:sym typeface="Montserrat"/>
+                        </a:rPr>
+                        <a:t> </a:t>
+                      </a:r>
+                      <a:r>
+                        <a:rPr lang="en-US" sz="2399" dirty="0" err="1">
+                          <a:solidFill>
+                            <a:srgbClr val="FFFFFF"/>
+                          </a:solidFill>
+                          <a:latin typeface="Montserrat"/>
+                          <a:ea typeface="Montserrat"/>
+                          <a:cs typeface="Montserrat"/>
+                          <a:sym typeface="Montserrat"/>
+                        </a:rPr>
+                        <a:t>hoá</a:t>
+                      </a:r>
+                      <a:endParaRPr lang="en-US" sz="1100" dirty="0"/>
                     </a:p>
                   </a:txBody>
                   <a:tcPr marL="190500" marR="190500" marT="190500" marB="190500">
@@ -5925,7 +8520,77 @@
                         </a:lnSpc>
                         <a:defRPr/>
                       </a:pPr>
-                      <a:endParaRPr lang="en-US" sz="1100"/>
+                      <a:r>
+                        <a:rPr lang="en-US" sz="2400" dirty="0" err="1" smtClean="0">
+                          <a:solidFill>
+                            <a:srgbClr val="FFFFFF"/>
+                          </a:solidFill>
+                          <a:latin typeface="Montserrat"/>
+                          <a:sym typeface="Montserrat"/>
+                        </a:rPr>
+                        <a:t>Tìm</a:t>
+                      </a:r>
+                      <a:r>
+                        <a:rPr lang="en-US" sz="2400" baseline="0" dirty="0" smtClean="0">
+                          <a:solidFill>
+                            <a:srgbClr val="FFFFFF"/>
+                          </a:solidFill>
+                          <a:latin typeface="Montserrat"/>
+                          <a:sym typeface="Montserrat"/>
+                        </a:rPr>
+                        <a:t> </a:t>
+                      </a:r>
+                      <a:r>
+                        <a:rPr lang="en-US" sz="2400" baseline="0" dirty="0" err="1" smtClean="0">
+                          <a:solidFill>
+                            <a:srgbClr val="FFFFFF"/>
+                          </a:solidFill>
+                          <a:latin typeface="Montserrat"/>
+                          <a:sym typeface="Montserrat"/>
+                        </a:rPr>
+                        <a:t>kiếm</a:t>
+                      </a:r>
+                      <a:r>
+                        <a:rPr lang="en-US" sz="2400" baseline="0" dirty="0" smtClean="0">
+                          <a:solidFill>
+                            <a:srgbClr val="FFFFFF"/>
+                          </a:solidFill>
+                          <a:latin typeface="Montserrat"/>
+                          <a:sym typeface="Montserrat"/>
+                        </a:rPr>
+                        <a:t> </a:t>
+                      </a:r>
+                      <a:r>
+                        <a:rPr lang="en-US" sz="2400" baseline="0" dirty="0" err="1" smtClean="0">
+                          <a:solidFill>
+                            <a:srgbClr val="FFFFFF"/>
+                          </a:solidFill>
+                          <a:latin typeface="Montserrat"/>
+                          <a:sym typeface="Montserrat"/>
+                        </a:rPr>
+                        <a:t>người</a:t>
+                      </a:r>
+                      <a:r>
+                        <a:rPr lang="en-US" sz="2400" baseline="0" dirty="0" smtClean="0">
+                          <a:solidFill>
+                            <a:srgbClr val="FFFFFF"/>
+                          </a:solidFill>
+                          <a:latin typeface="Montserrat"/>
+                          <a:sym typeface="Montserrat"/>
+                        </a:rPr>
+                        <a:t> ở </a:t>
+                      </a:r>
+                      <a:r>
+                        <a:rPr lang="en-US" sz="2400" baseline="0" dirty="0" err="1" smtClean="0">
+                          <a:solidFill>
+                            <a:srgbClr val="FFFFFF"/>
+                          </a:solidFill>
+                          <a:latin typeface="Montserrat"/>
+                          <a:sym typeface="Montserrat"/>
+                        </a:rPr>
+                        <a:t>ghép</a:t>
+                      </a:r>
+                      <a:endParaRPr lang="en-US" sz="2400" dirty="0"/>
                     </a:p>
                   </a:txBody>
                   <a:tcPr marL="190500" marR="190500" marT="190500" marB="190500">
@@ -6044,13 +8709,114 @@
                     <a:bodyPr/>
                     <a:lstStyle/>
                     <a:p>
-                      <a:pPr algn="ctr">
+                      <a:pPr marL="0" marR="0" indent="0" algn="ctr" defTabSz="914400" rtl="0" eaLnBrk="1" fontAlgn="auto" latinLnBrk="0" hangingPunct="1">
                         <a:lnSpc>
                           <a:spcPts val="3359"/>
                         </a:lnSpc>
+                        <a:spcBef>
+                          <a:spcPts val="0"/>
+                        </a:spcBef>
+                        <a:spcAft>
+                          <a:spcPts val="0"/>
+                        </a:spcAft>
+                        <a:buClrTx/>
+                        <a:buSzTx/>
+                        <a:buFontTx/>
+                        <a:buNone/>
+                        <a:tabLst/>
                         <a:defRPr/>
                       </a:pPr>
-                      <a:endParaRPr lang="en-US" sz="1100"/>
+                      <a:r>
+                        <a:rPr lang="en-US" sz="2400" dirty="0" err="1" smtClean="0">
+                          <a:solidFill>
+                            <a:srgbClr val="FFFFFF"/>
+                          </a:solidFill>
+                          <a:latin typeface="Montserrat"/>
+                          <a:sym typeface="Montserrat"/>
+                        </a:rPr>
+                        <a:t>Đăng</a:t>
+                      </a:r>
+                      <a:r>
+                        <a:rPr lang="en-US" sz="2400" baseline="0" dirty="0" smtClean="0">
+                          <a:solidFill>
+                            <a:srgbClr val="FFFFFF"/>
+                          </a:solidFill>
+                          <a:latin typeface="Montserrat"/>
+                          <a:sym typeface="Montserrat"/>
+                        </a:rPr>
+                        <a:t> </a:t>
+                      </a:r>
+                      <a:r>
+                        <a:rPr lang="en-US" sz="2400" baseline="0" dirty="0" err="1" smtClean="0">
+                          <a:solidFill>
+                            <a:srgbClr val="FFFFFF"/>
+                          </a:solidFill>
+                          <a:latin typeface="Montserrat"/>
+                          <a:sym typeface="Montserrat"/>
+                        </a:rPr>
+                        <a:t>bài</a:t>
+                      </a:r>
+                      <a:r>
+                        <a:rPr lang="en-US" sz="2400" baseline="0" dirty="0" smtClean="0">
+                          <a:solidFill>
+                            <a:srgbClr val="FFFFFF"/>
+                          </a:solidFill>
+                          <a:latin typeface="Montserrat"/>
+                          <a:sym typeface="Montserrat"/>
+                        </a:rPr>
+                        <a:t> </a:t>
+                      </a:r>
+                      <a:r>
+                        <a:rPr lang="en-US" sz="2400" baseline="0" dirty="0" err="1" smtClean="0">
+                          <a:solidFill>
+                            <a:srgbClr val="FFFFFF"/>
+                          </a:solidFill>
+                          <a:latin typeface="Montserrat"/>
+                          <a:sym typeface="Montserrat"/>
+                        </a:rPr>
+                        <a:t>tìm</a:t>
+                      </a:r>
+                      <a:r>
+                        <a:rPr lang="en-US" sz="2400" baseline="0" dirty="0" smtClean="0">
+                          <a:solidFill>
+                            <a:srgbClr val="FFFFFF"/>
+                          </a:solidFill>
+                          <a:latin typeface="Montserrat"/>
+                          <a:sym typeface="Montserrat"/>
+                        </a:rPr>
+                        <a:t> </a:t>
+                      </a:r>
+                      <a:r>
+                        <a:rPr lang="en-US" sz="2400" baseline="0" dirty="0" err="1" smtClean="0">
+                          <a:solidFill>
+                            <a:srgbClr val="FFFFFF"/>
+                          </a:solidFill>
+                          <a:latin typeface="Montserrat"/>
+                          <a:sym typeface="Montserrat"/>
+                        </a:rPr>
+                        <a:t>người</a:t>
+                      </a:r>
+                      <a:r>
+                        <a:rPr lang="en-US" sz="2400" baseline="0" dirty="0" smtClean="0">
+                          <a:solidFill>
+                            <a:srgbClr val="FFFFFF"/>
+                          </a:solidFill>
+                          <a:latin typeface="Montserrat"/>
+                          <a:sym typeface="Montserrat"/>
+                        </a:rPr>
+                        <a:t> ở </a:t>
+                      </a:r>
+                      <a:r>
+                        <a:rPr lang="en-US" sz="2400" baseline="0" dirty="0" err="1" smtClean="0">
+                          <a:solidFill>
+                            <a:srgbClr val="FFFFFF"/>
+                          </a:solidFill>
+                          <a:latin typeface="Montserrat"/>
+                          <a:sym typeface="Montserrat"/>
+                        </a:rPr>
+                        <a:t>ghép</a:t>
+                      </a:r>
+                      <a:endParaRPr lang="en-US" sz="2400" dirty="0" smtClean="0"/>
                     </a:p>
                   </a:txBody>
                   <a:tcPr marL="190500" marR="190500" marT="190500" marB="190500">
@@ -6169,13 +8935,74 @@
                     <a:bodyPr/>
                     <a:lstStyle/>
                     <a:p>
-                      <a:pPr algn="l">
+                      <a:pPr marL="0" marR="0" indent="0" algn="ctr" defTabSz="914400" rtl="0" eaLnBrk="1" fontAlgn="auto" latinLnBrk="0" hangingPunct="1">
                         <a:lnSpc>
                           <a:spcPts val="3359"/>
                         </a:lnSpc>
+                        <a:spcBef>
+                          <a:spcPts val="0"/>
+                        </a:spcBef>
+                        <a:spcAft>
+                          <a:spcPts val="0"/>
+                        </a:spcAft>
+                        <a:buClrTx/>
+                        <a:buSzTx/>
+                        <a:buFontTx/>
+                        <a:buNone/>
+                        <a:tabLst/>
                         <a:defRPr/>
                       </a:pPr>
-                      <a:endParaRPr lang="en-US" sz="1100"/>
+                      <a:r>
+                        <a:rPr lang="en-US" sz="2400" dirty="0" err="1" smtClean="0">
+                          <a:solidFill>
+                            <a:srgbClr val="FFFFFF"/>
+                          </a:solidFill>
+                          <a:latin typeface="Montserrat"/>
+                          <a:sym typeface="Montserrat"/>
+                        </a:rPr>
+                        <a:t>Xem</a:t>
+                      </a:r>
+                      <a:r>
+                        <a:rPr lang="en-US" sz="2400" baseline="0" dirty="0" smtClean="0">
+                          <a:solidFill>
+                            <a:srgbClr val="FFFFFF"/>
+                          </a:solidFill>
+                          <a:latin typeface="Montserrat"/>
+                          <a:sym typeface="Montserrat"/>
+                        </a:rPr>
+                        <a:t> </a:t>
+                      </a:r>
+                      <a:r>
+                        <a:rPr lang="en-US" sz="2400" baseline="0" dirty="0" err="1" smtClean="0">
+                          <a:solidFill>
+                            <a:srgbClr val="FFFFFF"/>
+                          </a:solidFill>
+                          <a:latin typeface="Montserrat"/>
+                          <a:sym typeface="Montserrat"/>
+                        </a:rPr>
+                        <a:t>hoá</a:t>
+                      </a:r>
+                      <a:r>
+                        <a:rPr lang="en-US" sz="2400" baseline="0" dirty="0" smtClean="0">
+                          <a:solidFill>
+                            <a:srgbClr val="FFFFFF"/>
+                          </a:solidFill>
+                          <a:latin typeface="Montserrat"/>
+                          <a:sym typeface="Montserrat"/>
+                        </a:rPr>
+                        <a:t> </a:t>
+                      </a:r>
+                      <a:r>
+                        <a:rPr lang="en-US" sz="2400" baseline="0" dirty="0" err="1" smtClean="0">
+                          <a:solidFill>
+                            <a:srgbClr val="FFFFFF"/>
+                          </a:solidFill>
+                          <a:latin typeface="Montserrat"/>
+                          <a:sym typeface="Montserrat"/>
+                        </a:rPr>
+                        <a:t>đơn</a:t>
+                      </a:r>
+                      <a:endParaRPr lang="en-US" sz="2400" dirty="0" smtClean="0"/>
                     </a:p>
                   </a:txBody>
                   <a:tcPr marL="190500" marR="190500" marT="190500" marB="190500">
@@ -7325,8 +10152,8 @@
         </p:nvSpPr>
         <p:spPr>
           <a:xfrm>
-            <a:off x="6896100" y="7658100"/>
-            <a:ext cx="10325100" cy="1200329"/>
+            <a:off x="6896100" y="7581900"/>
+            <a:ext cx="10325100" cy="2677656"/>
           </a:xfrm>
           <a:prstGeom prst="rect">
             <a:avLst/>
@@ -7515,8 +10342,352 @@
                 </a:solidFill>
                 <a:latin typeface="Cabin Bold" panose="020B0604020202020204" charset="0"/>
               </a:rPr>
-              <a:t>ệ thống quét ảnh để ra các thông tin số dịch vụ mới như số điện, nước</a:t>
-            </a:r>
+              <a:t>ệ thống quét ảnh để ra các thông tin số dịch vụ mới như số điện, </a:t>
+            </a:r>
+            <a:r>
+              <a:rPr lang="vi-VN" sz="2400" dirty="0" smtClean="0">
+                <a:solidFill>
+                  <a:schemeClr val="bg1"/>
+                </a:solidFill>
+                <a:latin typeface="Cabin Bold" panose="020B0604020202020204" charset="0"/>
+              </a:rPr>
+              <a:t>nước</a:t>
+            </a:r>
+            <a:endParaRPr lang="en-US" sz="2400" dirty="0" smtClean="0">
+              <a:solidFill>
+                <a:schemeClr val="bg1"/>
+              </a:solidFill>
+              <a:latin typeface="Cabin Bold" panose="020B0604020202020204" charset="0"/>
+            </a:endParaRPr>
+          </a:p>
+          <a:p>
+            <a:endParaRPr lang="en-US" sz="2400" dirty="0" smtClean="0">
+              <a:solidFill>
+                <a:schemeClr val="bg1"/>
+              </a:solidFill>
+              <a:latin typeface="Cabin Bold" panose="020B0604020202020204" charset="0"/>
+            </a:endParaRPr>
+          </a:p>
+          <a:p>
+            <a:r>
+              <a:rPr lang="en-US" sz="2400" dirty="0">
+                <a:solidFill>
+                  <a:schemeClr val="bg1"/>
+                </a:solidFill>
+                <a:latin typeface="Cabin Bold" panose="020B0604020202020204" charset="0"/>
+              </a:rPr>
+              <a:t>+ H</a:t>
+            </a:r>
+            <a:r>
+              <a:rPr lang="vi-VN" sz="2400" dirty="0" smtClean="0">
+                <a:solidFill>
+                  <a:schemeClr val="bg1"/>
+                </a:solidFill>
+                <a:latin typeface="Cabin Bold" panose="020B0604020202020204" charset="0"/>
+              </a:rPr>
+              <a:t>ệ</a:t>
+            </a:r>
+            <a:r>
+              <a:rPr lang="en-US" sz="2400" dirty="0" smtClean="0">
+                <a:solidFill>
+                  <a:schemeClr val="bg1"/>
+                </a:solidFill>
+                <a:latin typeface="Cabin Bold" panose="020B0604020202020204" charset="0"/>
+              </a:rPr>
+              <a:t> </a:t>
+            </a:r>
+            <a:r>
+              <a:rPr lang="en-US" sz="2400" dirty="0" err="1" smtClean="0">
+                <a:solidFill>
+                  <a:schemeClr val="bg1"/>
+                </a:solidFill>
+                <a:latin typeface="Cabin Bold" panose="020B0604020202020204" charset="0"/>
+              </a:rPr>
+              <a:t>thống</a:t>
+            </a:r>
+            <a:r>
+              <a:rPr lang="en-US" sz="2400" dirty="0" smtClean="0">
+                <a:solidFill>
+                  <a:schemeClr val="bg1"/>
+                </a:solidFill>
+                <a:latin typeface="Cabin Bold" panose="020B0604020202020204" charset="0"/>
+              </a:rPr>
+              <a:t> </a:t>
+            </a:r>
+            <a:r>
+              <a:rPr lang="en-US" sz="2400" dirty="0" err="1" smtClean="0">
+                <a:solidFill>
+                  <a:schemeClr val="bg1"/>
+                </a:solidFill>
+                <a:latin typeface="Cabin Bold" panose="020B0604020202020204" charset="0"/>
+              </a:rPr>
+              <a:t>báo</a:t>
+            </a:r>
+            <a:r>
+              <a:rPr lang="en-US" sz="2400" dirty="0" smtClean="0">
+                <a:solidFill>
+                  <a:schemeClr val="bg1"/>
+                </a:solidFill>
+                <a:latin typeface="Cabin Bold" panose="020B0604020202020204" charset="0"/>
+              </a:rPr>
+              <a:t> </a:t>
+            </a:r>
+            <a:r>
+              <a:rPr lang="en-US" sz="2400" dirty="0" err="1" smtClean="0">
+                <a:solidFill>
+                  <a:schemeClr val="bg1"/>
+                </a:solidFill>
+                <a:latin typeface="Cabin Bold" panose="020B0604020202020204" charset="0"/>
+              </a:rPr>
+              <a:t>cáo</a:t>
+            </a:r>
+            <a:r>
+              <a:rPr lang="en-US" sz="2400" dirty="0" smtClean="0">
+                <a:solidFill>
+                  <a:schemeClr val="bg1"/>
+                </a:solidFill>
+                <a:latin typeface="Cabin Bold" panose="020B0604020202020204" charset="0"/>
+              </a:rPr>
+              <a:t> </a:t>
+            </a:r>
+            <a:r>
+              <a:rPr lang="en-US" sz="2400" dirty="0" err="1" smtClean="0">
+                <a:solidFill>
+                  <a:schemeClr val="bg1"/>
+                </a:solidFill>
+                <a:latin typeface="Cabin Bold" panose="020B0604020202020204" charset="0"/>
+              </a:rPr>
+              <a:t>về</a:t>
+            </a:r>
+            <a:r>
+              <a:rPr lang="en-US" sz="2400" dirty="0" smtClean="0">
+                <a:solidFill>
+                  <a:schemeClr val="bg1"/>
+                </a:solidFill>
+                <a:latin typeface="Cabin Bold" panose="020B0604020202020204" charset="0"/>
+              </a:rPr>
+              <a:t> </a:t>
+            </a:r>
+            <a:r>
+              <a:rPr lang="en-US" sz="2400" dirty="0" err="1" smtClean="0">
+                <a:solidFill>
+                  <a:schemeClr val="bg1"/>
+                </a:solidFill>
+                <a:latin typeface="Cabin Bold" panose="020B0604020202020204" charset="0"/>
+              </a:rPr>
+              <a:t>các</a:t>
+            </a:r>
+            <a:r>
+              <a:rPr lang="en-US" sz="2400" dirty="0" smtClean="0">
+                <a:solidFill>
+                  <a:schemeClr val="bg1"/>
+                </a:solidFill>
+                <a:latin typeface="Cabin Bold" panose="020B0604020202020204" charset="0"/>
+              </a:rPr>
+              <a:t> </a:t>
+            </a:r>
+            <a:r>
+              <a:rPr lang="en-US" sz="2400" dirty="0" err="1" smtClean="0">
+                <a:solidFill>
+                  <a:schemeClr val="bg1"/>
+                </a:solidFill>
+                <a:latin typeface="Cabin Bold" panose="020B0604020202020204" charset="0"/>
+              </a:rPr>
+              <a:t>sai</a:t>
+            </a:r>
+            <a:r>
+              <a:rPr lang="en-US" sz="2400" dirty="0" smtClean="0">
+                <a:solidFill>
+                  <a:schemeClr val="bg1"/>
+                </a:solidFill>
+                <a:latin typeface="Cabin Bold" panose="020B0604020202020204" charset="0"/>
+              </a:rPr>
+              <a:t> </a:t>
+            </a:r>
+            <a:r>
+              <a:rPr lang="en-US" sz="2400" dirty="0" err="1" smtClean="0">
+                <a:solidFill>
+                  <a:schemeClr val="bg1"/>
+                </a:solidFill>
+                <a:latin typeface="Cabin Bold" panose="020B0604020202020204" charset="0"/>
+              </a:rPr>
+              <a:t>phạm</a:t>
+            </a:r>
+            <a:r>
+              <a:rPr lang="en-US" sz="2400" dirty="0" smtClean="0">
+                <a:solidFill>
+                  <a:schemeClr val="bg1"/>
+                </a:solidFill>
+                <a:latin typeface="Cabin Bold" panose="020B0604020202020204" charset="0"/>
+              </a:rPr>
+              <a:t> </a:t>
+            </a:r>
+            <a:r>
+              <a:rPr lang="en-US" sz="2400" dirty="0" err="1" smtClean="0">
+                <a:solidFill>
+                  <a:schemeClr val="bg1"/>
+                </a:solidFill>
+                <a:latin typeface="Cabin Bold" panose="020B0604020202020204" charset="0"/>
+              </a:rPr>
+              <a:t>của</a:t>
+            </a:r>
+            <a:r>
+              <a:rPr lang="en-US" sz="2400" dirty="0" smtClean="0">
+                <a:solidFill>
+                  <a:schemeClr val="bg1"/>
+                </a:solidFill>
+                <a:latin typeface="Cabin Bold" panose="020B0604020202020204" charset="0"/>
+              </a:rPr>
+              <a:t> </a:t>
+            </a:r>
+            <a:r>
+              <a:rPr lang="en-US" sz="2400" dirty="0" err="1" smtClean="0">
+                <a:solidFill>
+                  <a:schemeClr val="bg1"/>
+                </a:solidFill>
+                <a:latin typeface="Cabin Bold" panose="020B0604020202020204" charset="0"/>
+              </a:rPr>
+              <a:t>người</a:t>
+            </a:r>
+            <a:r>
+              <a:rPr lang="en-US" sz="2400" dirty="0" smtClean="0">
+                <a:solidFill>
+                  <a:schemeClr val="bg1"/>
+                </a:solidFill>
+                <a:latin typeface="Cabin Bold" panose="020B0604020202020204" charset="0"/>
+              </a:rPr>
+              <a:t> </a:t>
+            </a:r>
+            <a:r>
+              <a:rPr lang="en-US" sz="2400" dirty="0" err="1" smtClean="0">
+                <a:solidFill>
+                  <a:schemeClr val="bg1"/>
+                </a:solidFill>
+                <a:latin typeface="Cabin Bold" panose="020B0604020202020204" charset="0"/>
+              </a:rPr>
+              <a:t>đăng</a:t>
+            </a:r>
+            <a:r>
+              <a:rPr lang="en-US" sz="2400" dirty="0" smtClean="0">
+                <a:solidFill>
+                  <a:schemeClr val="bg1"/>
+                </a:solidFill>
+                <a:latin typeface="Cabin Bold" panose="020B0604020202020204" charset="0"/>
+              </a:rPr>
+              <a:t> </a:t>
+            </a:r>
+            <a:r>
+              <a:rPr lang="en-US" sz="2400" dirty="0" err="1" smtClean="0">
+                <a:solidFill>
+                  <a:schemeClr val="bg1"/>
+                </a:solidFill>
+                <a:latin typeface="Cabin Bold" panose="020B0604020202020204" charset="0"/>
+              </a:rPr>
+              <a:t>bài</a:t>
+            </a:r>
+            <a:endParaRPr lang="en-US" sz="2400" dirty="0">
+              <a:solidFill>
+                <a:schemeClr val="bg1"/>
+              </a:solidFill>
+              <a:latin typeface="Cabin Bold" panose="020B0604020202020204" charset="0"/>
+            </a:endParaRPr>
+          </a:p>
+          <a:p>
+            <a:endParaRPr lang="en-US" sz="2400" dirty="0">
+              <a:solidFill>
+                <a:schemeClr val="bg1"/>
+              </a:solidFill>
+              <a:latin typeface="Cabin Bold" panose="020B0604020202020204" charset="0"/>
+            </a:endParaRPr>
+          </a:p>
+          <a:p>
+            <a:r>
+              <a:rPr lang="en-US" sz="2400" dirty="0" smtClean="0">
+                <a:solidFill>
+                  <a:schemeClr val="bg1"/>
+                </a:solidFill>
+                <a:latin typeface="Cabin Bold" panose="020B0604020202020204" charset="0"/>
+              </a:rPr>
+              <a:t>+ </a:t>
+            </a:r>
+            <a:r>
+              <a:rPr lang="en-US" sz="2400" dirty="0" err="1" smtClean="0">
+                <a:solidFill>
+                  <a:schemeClr val="bg1"/>
+                </a:solidFill>
+                <a:latin typeface="Cabin Bold" panose="020B0604020202020204" charset="0"/>
+              </a:rPr>
+              <a:t>Hệ</a:t>
+            </a:r>
+            <a:r>
+              <a:rPr lang="en-US" sz="2400" dirty="0" smtClean="0">
+                <a:solidFill>
+                  <a:schemeClr val="bg1"/>
+                </a:solidFill>
+                <a:latin typeface="Cabin Bold" panose="020B0604020202020204" charset="0"/>
+              </a:rPr>
+              <a:t> </a:t>
+            </a:r>
+            <a:r>
+              <a:rPr lang="en-US" sz="2400" dirty="0" err="1" smtClean="0">
+                <a:solidFill>
+                  <a:schemeClr val="bg1"/>
+                </a:solidFill>
+                <a:latin typeface="Cabin Bold" panose="020B0604020202020204" charset="0"/>
+              </a:rPr>
+              <a:t>thống</a:t>
+            </a:r>
+            <a:r>
+              <a:rPr lang="en-US" sz="2400" dirty="0" smtClean="0">
+                <a:solidFill>
+                  <a:schemeClr val="bg1"/>
+                </a:solidFill>
+                <a:latin typeface="Cabin Bold" panose="020B0604020202020204" charset="0"/>
+              </a:rPr>
+              <a:t> </a:t>
+            </a:r>
+            <a:r>
+              <a:rPr lang="en-US" sz="2400" dirty="0" err="1" smtClean="0">
+                <a:solidFill>
+                  <a:schemeClr val="bg1"/>
+                </a:solidFill>
+                <a:latin typeface="Cabin Bold" panose="020B0604020202020204" charset="0"/>
+              </a:rPr>
+              <a:t>quản</a:t>
+            </a:r>
+            <a:r>
+              <a:rPr lang="en-US" sz="2400" dirty="0" smtClean="0">
+                <a:solidFill>
+                  <a:schemeClr val="bg1"/>
+                </a:solidFill>
+                <a:latin typeface="Cabin Bold" panose="020B0604020202020204" charset="0"/>
+              </a:rPr>
+              <a:t> </a:t>
+            </a:r>
+            <a:r>
+              <a:rPr lang="en-US" sz="2400" dirty="0" err="1" smtClean="0">
+                <a:solidFill>
+                  <a:schemeClr val="bg1"/>
+                </a:solidFill>
+                <a:latin typeface="Cabin Bold" panose="020B0604020202020204" charset="0"/>
+              </a:rPr>
+              <a:t>trị</a:t>
+            </a:r>
+            <a:r>
+              <a:rPr lang="en-US" sz="2400" dirty="0" smtClean="0">
+                <a:solidFill>
+                  <a:schemeClr val="bg1"/>
+                </a:solidFill>
+                <a:latin typeface="Cabin Bold" panose="020B0604020202020204" charset="0"/>
+              </a:rPr>
+              <a:t> website</a:t>
+            </a:r>
+            <a:endParaRPr lang="vi-VN" sz="2400" dirty="0">
+              <a:solidFill>
+                <a:schemeClr val="bg1"/>
+              </a:solidFill>
+              <a:latin typeface="Cabin Bold" panose="020B0604020202020204" charset="0"/>
+            </a:endParaRPr>
           </a:p>
         </p:txBody>
       </p:sp>
@@ -7809,4 +10980,265 @@
   <a:objectDefaults/>
   <a:extraClrSchemeLst/>
 </a:theme>
+</file>
+
+<file path=ppt/theme/theme2.xml><?xml version="1.0" encoding="utf-8"?>
+<a:theme xmlns:a="http://schemas.openxmlformats.org/drawingml/2006/main" name="Office Theme">
+  <a:themeElements>
+    <a:clrScheme name="Office">
+      <a:dk1>
+        <a:sysClr val="windowText" lastClr="000000"/>
+      </a:dk1>
+      <a:lt1>
+        <a:sysClr val="window" lastClr="FFFFFF"/>
+      </a:lt1>
+      <a:dk2>
+        <a:srgbClr val="44546A"/>
+      </a:dk2>
+      <a:lt2>
+        <a:srgbClr val="E7E6E6"/>
+      </a:lt2>
+      <a:accent1>
+        <a:srgbClr val="5B9BD5"/>
+      </a:accent1>
+      <a:accent2>
+        <a:srgbClr val="ED7D31"/>
+      </a:accent2>
+      <a:accent3>
+        <a:srgbClr val="A5A5A5"/>
+      </a:accent3>
+      <a:accent4>
+        <a:srgbClr val="FFC000"/>
+      </a:accent4>
+      <a:accent5>
+        <a:srgbClr val="4472C4"/>
+      </a:accent5>
+      <a:accent6>
+        <a:srgbClr val="70AD47"/>
+      </a:accent6>
+      <a:hlink>
+        <a:srgbClr val="0563C1"/>
+      </a:hlink>
+      <a:folHlink>
+        <a:srgbClr val="954F72"/>
+      </a:folHlink>
+    </a:clrScheme>
+    <a:fontScheme name="Office">
+      <a:majorFont>
+        <a:latin typeface="Calibri Light" panose="020F0302020204030204"/>
+        <a:ea typeface=""/>
+        <a:cs typeface=""/>
+        <a:font script="Jpan" typeface="游ゴシック Light"/>
+        <a:font script="Hang" typeface="맑은 고딕"/>
+        <a:font script="Hans" typeface="等线 Light"/>
+        <a:font script="Hant" typeface="新細明體"/>
+        <a:font script="Arab" typeface="Times New Roman"/>
+        <a:font script="Hebr" typeface="Times New Roman"/>
+        <a:font script="Thai" typeface="Angsana New"/>
+        <a:font script="Ethi" typeface="Nyala"/>
+        <a:font script="Beng" typeface="Vrinda"/>
+        <a:font script="Gujr" typeface="Shruti"/>
+        <a:font script="Khmr" typeface="MoolBoran"/>
+        <a:font script="Knda" typeface="Tunga"/>
+        <a:font script="Guru" typeface="Raavi"/>
+        <a:font script="Cans" typeface="Euphemia"/>
+        <a:font script="Cher" typeface="Plantagenet Cherokee"/>
+        <a:font script="Yiii" typeface="Microsoft Yi Baiti"/>
+        <a:font script="Tibt" typeface="Microsoft Himalaya"/>
+        <a:font script="Thaa" typeface="MV Boli"/>
+        <a:font script="Deva" typeface="Mangal"/>
+        <a:font script="Telu" typeface="Gautami"/>
+        <a:font script="Taml" typeface="Latha"/>
+        <a:font script="Syrc" typeface="Estrangelo Edessa"/>
+        <a:font script="Orya" typeface="Kalinga"/>
+        <a:font script="Mlym" typeface="Kartika"/>
+        <a:font script="Laoo" typeface="DokChampa"/>
+        <a:font script="Sinh" typeface="Iskoola Pota"/>
+        <a:font script="Mong" typeface="Mongolian Baiti"/>
+        <a:font script="Viet" typeface="Times New Roman"/>
+        <a:font script="Uigh" typeface="Microsoft Uighur"/>
+        <a:font script="Geor" typeface="Sylfaen"/>
+      </a:majorFont>
+      <a:minorFont>
+        <a:latin typeface="Calibri" panose="020F0502020204030204"/>
+        <a:ea typeface=""/>
+        <a:cs typeface=""/>
+        <a:font script="Jpan" typeface="游ゴシック"/>
+        <a:font script="Hang" typeface="맑은 고딕"/>
+        <a:font script="Hans" typeface="等线"/>
+        <a:font script="Hant" typeface="新細明體"/>
+        <a:font script="Arab" typeface="Arial"/>
+        <a:font script="Hebr" typeface="Arial"/>
+        <a:font script="Thai" typeface="Cordia New"/>
+        <a:font script="Ethi" typeface="Nyala"/>
+        <a:font script="Beng" typeface="Vrinda"/>
+        <a:font script="Gujr" typeface="Shruti"/>
+        <a:font script="Khmr" typeface="DaunPenh"/>
+        <a:font script="Knda" typeface="Tunga"/>
+        <a:font script="Guru" typeface="Raavi"/>
+        <a:font script="Cans" typeface="Euphemia"/>
+        <a:font script="Cher" typeface="Plantagenet Cherokee"/>
+        <a:font script="Yiii" typeface="Microsoft Yi Baiti"/>
+        <a:font script="Tibt" typeface="Microsoft Himalaya"/>
+        <a:font script="Thaa" typeface="MV Boli"/>
+        <a:font script="Deva" typeface="Mangal"/>
+        <a:font script="Telu" typeface="Gautami"/>
+        <a:font script="Taml" typeface="Latha"/>
+        <a:font script="Syrc" typeface="Estrangelo Edessa"/>
+        <a:font script="Orya" typeface="Kalinga"/>
+        <a:font script="Mlym" typeface="Kartika"/>
+        <a:font script="Laoo" typeface="DokChampa"/>
+        <a:font script="Sinh" typeface="Iskoola Pota"/>
+        <a:font script="Mong" typeface="Mongolian Baiti"/>
+        <a:font script="Viet" typeface="Arial"/>
+        <a:font script="Uigh" typeface="Microsoft Uighur"/>
+        <a:font script="Geor" typeface="Sylfaen"/>
+      </a:minorFont>
+    </a:fontScheme>
+    <a:fmtScheme name="Office">
+      <a:fillStyleLst>
+        <a:solidFill>
+          <a:schemeClr val="phClr"/>
+        </a:solidFill>
+        <a:gradFill rotWithShape="1">
+          <a:gsLst>
+            <a:gs pos="0">
+              <a:schemeClr val="phClr">
+                <a:lumMod val="110000"/>
+                <a:satMod val="105000"/>
+                <a:tint val="67000"/>
+              </a:schemeClr>
+            </a:gs>
+            <a:gs pos="50000">
+              <a:schemeClr val="phClr">
+                <a:lumMod val="105000"/>
+                <a:satMod val="103000"/>
+                <a:tint val="73000"/>
+              </a:schemeClr>
+            </a:gs>
+            <a:gs pos="100000">
+              <a:schemeClr val="phClr">
+                <a:lumMod val="105000"/>
+                <a:satMod val="109000"/>
+                <a:tint val="81000"/>
+              </a:schemeClr>
+            </a:gs>
+          </a:gsLst>
+          <a:lin ang="5400000" scaled="0"/>
+        </a:gradFill>
+        <a:gradFill rotWithShape="1">
+          <a:gsLst>
+            <a:gs pos="0">
+              <a:schemeClr val="phClr">
+                <a:satMod val="103000"/>
+                <a:lumMod val="102000"/>
+                <a:tint val="94000"/>
+              </a:schemeClr>
+            </a:gs>
+            <a:gs pos="50000">
+              <a:schemeClr val="phClr">
+                <a:satMod val="110000"/>
+                <a:lumMod val="100000"/>
+                <a:shade val="100000"/>
+              </a:schemeClr>
+            </a:gs>
+            <a:gs pos="100000">
+              <a:schemeClr val="phClr">
+                <a:lumMod val="99000"/>
+                <a:satMod val="120000"/>
+                <a:shade val="78000"/>
+              </a:schemeClr>
+            </a:gs>
+          </a:gsLst>
+          <a:lin ang="5400000" scaled="0"/>
+        </a:gradFill>
+      </a:fillStyleLst>
+      <a:lnStyleLst>
+        <a:ln w="6350" cap="flat" cmpd="sng" algn="ctr">
+          <a:solidFill>
+            <a:schemeClr val="phClr"/>
+          </a:solidFill>
+          <a:prstDash val="solid"/>
+          <a:miter lim="800000"/>
+        </a:ln>
+        <a:ln w="12700" cap="flat" cmpd="sng" algn="ctr">
+          <a:solidFill>
+            <a:schemeClr val="phClr"/>
+          </a:solidFill>
+          <a:prstDash val="solid"/>
+          <a:miter lim="800000"/>
+        </a:ln>
+        <a:ln w="19050" cap="flat" cmpd="sng" algn="ctr">
+          <a:solidFill>
+            <a:schemeClr val="phClr"/>
+          </a:solidFill>
+          <a:prstDash val="solid"/>
+          <a:miter lim="800000"/>
+        </a:ln>
+      </a:lnStyleLst>
+      <a:effectStyleLst>
+        <a:effectStyle>
+          <a:effectLst/>
+        </a:effectStyle>
+        <a:effectStyle>
+          <a:effectLst/>
+        </a:effectStyle>
+        <a:effectStyle>
+          <a:effectLst>
+            <a:outerShdw blurRad="57150" dist="19050" dir="5400000" algn="ctr" rotWithShape="0">
+              <a:srgbClr val="000000">
+                <a:alpha val="63000"/>
+              </a:srgbClr>
+            </a:outerShdw>
+          </a:effectLst>
+        </a:effectStyle>
+      </a:effectStyleLst>
+      <a:bgFillStyleLst>
+        <a:solidFill>
+          <a:schemeClr val="phClr"/>
+        </a:solidFill>
+        <a:solidFill>
+          <a:schemeClr val="phClr">
+            <a:tint val="95000"/>
+            <a:satMod val="170000"/>
+          </a:schemeClr>
+        </a:solidFill>
+        <a:gradFill rotWithShape="1">
+          <a:gsLst>
+            <a:gs pos="0">
+              <a:schemeClr val="phClr">
+                <a:tint val="93000"/>
+                <a:satMod val="150000"/>
+                <a:shade val="98000"/>
+                <a:lumMod val="102000"/>
+              </a:schemeClr>
+            </a:gs>
+            <a:gs pos="50000">
+              <a:schemeClr val="phClr">
+                <a:tint val="98000"/>
+                <a:satMod val="130000"/>
+                <a:shade val="90000"/>
+                <a:lumMod val="103000"/>
+              </a:schemeClr>
+            </a:gs>
+            <a:gs pos="100000">
+              <a:schemeClr val="phClr">
+                <a:shade val="63000"/>
+                <a:satMod val="120000"/>
+              </a:schemeClr>
+            </a:gs>
+          </a:gsLst>
+          <a:lin ang="5400000" scaled="0"/>
+        </a:gradFill>
+      </a:bgFillStyleLst>
+    </a:fmtScheme>
+  </a:themeElements>
+  <a:objectDefaults/>
+  <a:extraClrSchemeLst/>
+  <a:extLst>
+    <a:ext uri="{05A4C25C-085E-4340-85A3-A5531E510DB2}">
+      <thm15:themeFamily xmlns:thm15="http://schemas.microsoft.com/office/thememl/2012/main" name="Office Theme" id="{62F939B6-93AF-4DB8-9C6B-D6C7DFDC589F}" vid="{4A3C46E8-61CC-4603-A589-7422A47A8E4A}"/>
+    </a:ext>
+  </a:extLst>
+</a:theme>
 </file>